--- a/Ecc Cipher.pptx
+++ b/Ecc Cipher.pptx
@@ -8,7 +8,11 @@
     <p:sldId id="256" r:id="rId2"/>
     <p:sldId id="257" r:id="rId3"/>
     <p:sldId id="258" r:id="rId4"/>
-    <p:sldId id="259" r:id="rId5"/>
+    <p:sldId id="294" r:id="rId5"/>
+    <p:sldId id="293" r:id="rId6"/>
+    <p:sldId id="292" r:id="rId7"/>
+    <p:sldId id="296" r:id="rId8"/>
+    <p:sldId id="259" r:id="rId9"/>
   </p:sldIdLst>
   <p:sldSz cx="12192000" cy="6858000"/>
   <p:notesSz cx="6858000" cy="9144000"/>
@@ -107,6 +111,11 @@
       </a:defRPr>
     </a:lvl9pPr>
   </p:defaultTextStyle>
+  <p:extLst>
+    <p:ext uri="{EFAFB233-063F-42B5-8137-9DF3F51BA10A}">
+      <p15:sldGuideLst xmlns:p15="http://schemas.microsoft.com/office/powerpoint/2012/main"/>
+    </p:ext>
+  </p:extLst>
 </p:presentation>
 </file>
 
@@ -279,7 +288,7 @@
           <a:p>
             <a:fld id="{09504ED6-4339-4D14-9311-7D7EDD79FD57}" type="datetimeFigureOut">
               <a:rPr lang="en-US" smtClean="0"/>
-              <a:t>4/13/2021</a:t>
+              <a:t>4/14/2021</a:t>
             </a:fld>
             <a:endParaRPr lang="en-US"/>
           </a:p>
@@ -609,7 +618,7 @@
           <a:p>
             <a:fld id="{09504ED6-4339-4D14-9311-7D7EDD79FD57}" type="datetimeFigureOut">
               <a:rPr lang="en-US" smtClean="0"/>
-              <a:t>4/13/2021</a:t>
+              <a:t>4/14/2021</a:t>
             </a:fld>
             <a:endParaRPr lang="en-US"/>
           </a:p>
@@ -789,7 +798,7 @@
           <a:p>
             <a:fld id="{09504ED6-4339-4D14-9311-7D7EDD79FD57}" type="datetimeFigureOut">
               <a:rPr lang="en-US" smtClean="0"/>
-              <a:t>4/13/2021</a:t>
+              <a:t>4/14/2021</a:t>
             </a:fld>
             <a:endParaRPr lang="en-US"/>
           </a:p>
@@ -959,7 +968,7 @@
           <a:p>
             <a:fld id="{09504ED6-4339-4D14-9311-7D7EDD79FD57}" type="datetimeFigureOut">
               <a:rPr lang="en-US" smtClean="0"/>
-              <a:t>4/13/2021</a:t>
+              <a:t>4/14/2021</a:t>
             </a:fld>
             <a:endParaRPr lang="en-US"/>
           </a:p>
@@ -1236,7 +1245,7 @@
           <a:p>
             <a:fld id="{09504ED6-4339-4D14-9311-7D7EDD79FD57}" type="datetimeFigureOut">
               <a:rPr lang="en-US" smtClean="0"/>
-              <a:t>4/13/2021</a:t>
+              <a:t>4/14/2021</a:t>
             </a:fld>
             <a:endParaRPr lang="en-US"/>
           </a:p>
@@ -1630,7 +1639,7 @@
           <a:p>
             <a:fld id="{09504ED6-4339-4D14-9311-7D7EDD79FD57}" type="datetimeFigureOut">
               <a:rPr lang="en-US" smtClean="0"/>
-              <a:t>4/13/2021</a:t>
+              <a:t>4/14/2021</a:t>
             </a:fld>
             <a:endParaRPr lang="en-US"/>
           </a:p>
@@ -2107,7 +2116,7 @@
           <a:p>
             <a:fld id="{09504ED6-4339-4D14-9311-7D7EDD79FD57}" type="datetimeFigureOut">
               <a:rPr lang="en-US" smtClean="0"/>
-              <a:t>4/13/2021</a:t>
+              <a:t>4/14/2021</a:t>
             </a:fld>
             <a:endParaRPr lang="en-US"/>
           </a:p>
@@ -2225,7 +2234,7 @@
           <a:p>
             <a:fld id="{09504ED6-4339-4D14-9311-7D7EDD79FD57}" type="datetimeFigureOut">
               <a:rPr lang="en-US" smtClean="0"/>
-              <a:t>4/13/2021</a:t>
+              <a:t>4/14/2021</a:t>
             </a:fld>
             <a:endParaRPr lang="en-US"/>
           </a:p>
@@ -2320,7 +2329,7 @@
           <a:p>
             <a:fld id="{09504ED6-4339-4D14-9311-7D7EDD79FD57}" type="datetimeFigureOut">
               <a:rPr lang="en-US" smtClean="0"/>
-              <a:t>4/13/2021</a:t>
+              <a:t>4/14/2021</a:t>
             </a:fld>
             <a:endParaRPr lang="en-US"/>
           </a:p>
@@ -2666,7 +2675,7 @@
           <a:p>
             <a:fld id="{09504ED6-4339-4D14-9311-7D7EDD79FD57}" type="datetimeFigureOut">
               <a:rPr lang="en-US" smtClean="0"/>
-              <a:t>4/13/2021</a:t>
+              <a:t>4/14/2021</a:t>
             </a:fld>
             <a:endParaRPr lang="en-US"/>
           </a:p>
@@ -3054,7 +3063,7 @@
           <a:p>
             <a:fld id="{09504ED6-4339-4D14-9311-7D7EDD79FD57}" type="datetimeFigureOut">
               <a:rPr lang="en-US" smtClean="0"/>
-              <a:t>4/13/2021</a:t>
+              <a:t>4/14/2021</a:t>
             </a:fld>
             <a:endParaRPr lang="en-US"/>
           </a:p>
@@ -3332,7 +3341,7 @@
           <a:p>
             <a:fld id="{09504ED6-4339-4D14-9311-7D7EDD79FD57}" type="datetimeFigureOut">
               <a:rPr lang="en-US" smtClean="0"/>
-              <a:t>4/13/2021</a:t>
+              <a:t>4/14/2021</a:t>
             </a:fld>
             <a:endParaRPr lang="en-US"/>
           </a:p>
@@ -4237,6 +4246,342 @@
       </p:grpSpPr>
       <p:sp>
         <p:nvSpPr>
+          <p:cNvPr id="2" name="TextBox 1">
+            <a:extLst>
+              <a:ext uri="{FF2B5EF4-FFF2-40B4-BE49-F238E27FC236}">
+                <a16:creationId xmlns:a16="http://schemas.microsoft.com/office/drawing/2014/main" id="{287528B0-E544-4397-B791-99AD4C234F88}"/>
+              </a:ext>
+            </a:extLst>
+          </p:cNvPr>
+          <p:cNvSpPr txBox="1"/>
+          <p:nvPr/>
+        </p:nvSpPr>
+        <p:spPr>
+          <a:xfrm>
+            <a:off x="2438401" y="2835368"/>
+            <a:ext cx="5954485" cy="1200329"/>
+          </a:xfrm>
+          <a:prstGeom prst="rect">
+            <a:avLst/>
+          </a:prstGeom>
+          <a:noFill/>
+        </p:spPr>
+        <p:txBody>
+          <a:bodyPr wrap="square">
+            <a:spAutoFit/>
+          </a:bodyPr>
+          <a:lstStyle/>
+          <a:p>
+            <a:r>
+              <a:rPr lang="en-US" dirty="0"/>
+              <a:t>RSA Cipher algo and info</a:t>
+            </a:r>
+          </a:p>
+          <a:p>
+            <a:r>
+              <a:rPr lang="en-US" dirty="0"/>
+              <a:t>Adv &amp; </a:t>
+            </a:r>
+            <a:r>
+              <a:rPr lang="en-US" dirty="0" err="1"/>
+              <a:t>disadv</a:t>
+            </a:r>
+            <a:endParaRPr lang="en-US" dirty="0"/>
+          </a:p>
+          <a:p>
+            <a:endParaRPr lang="en-US" dirty="0"/>
+          </a:p>
+          <a:p>
+            <a:r>
+              <a:rPr lang="en-US" dirty="0"/>
+              <a:t>1 min</a:t>
+            </a:r>
+          </a:p>
+        </p:txBody>
+      </p:sp>
+    </p:spTree>
+    <p:extLst>
+      <p:ext uri="{BB962C8B-B14F-4D97-AF65-F5344CB8AC3E}">
+        <p14:creationId xmlns:p14="http://schemas.microsoft.com/office/powerpoint/2010/main" val="3855704572"/>
+      </p:ext>
+    </p:extLst>
+  </p:cSld>
+  <p:clrMapOvr>
+    <a:masterClrMapping/>
+  </p:clrMapOvr>
+</p:sld>
+</file>
+
+<file path=ppt/slides/slide5.xml><?xml version="1.0" encoding="utf-8"?>
+<p:sld xmlns:a="http://schemas.openxmlformats.org/drawingml/2006/main" xmlns:r="http://schemas.openxmlformats.org/officeDocument/2006/relationships" xmlns:p="http://schemas.openxmlformats.org/presentationml/2006/main">
+  <p:cSld>
+    <p:spTree>
+      <p:nvGrpSpPr>
+        <p:cNvPr id="1" name=""/>
+        <p:cNvGrpSpPr/>
+        <p:nvPr/>
+      </p:nvGrpSpPr>
+      <p:grpSpPr>
+        <a:xfrm>
+          <a:off x="0" y="0"/>
+          <a:ext cx="0" cy="0"/>
+          <a:chOff x="0" y="0"/>
+          <a:chExt cx="0" cy="0"/>
+        </a:xfrm>
+      </p:grpSpPr>
+      <p:sp>
+        <p:nvSpPr>
+          <p:cNvPr id="2" name="TextBox 1">
+            <a:extLst>
+              <a:ext uri="{FF2B5EF4-FFF2-40B4-BE49-F238E27FC236}">
+                <a16:creationId xmlns:a16="http://schemas.microsoft.com/office/drawing/2014/main" id="{5B511844-A86A-40F8-A0B6-37BE565DBDEF}"/>
+              </a:ext>
+            </a:extLst>
+          </p:cNvPr>
+          <p:cNvSpPr txBox="1"/>
+          <p:nvPr/>
+        </p:nvSpPr>
+        <p:spPr>
+          <a:xfrm>
+            <a:off x="2438401" y="2835367"/>
+            <a:ext cx="5954485" cy="1200329"/>
+          </a:xfrm>
+          <a:prstGeom prst="rect">
+            <a:avLst/>
+          </a:prstGeom>
+          <a:noFill/>
+        </p:spPr>
+        <p:txBody>
+          <a:bodyPr wrap="square">
+            <a:spAutoFit/>
+          </a:bodyPr>
+          <a:lstStyle/>
+          <a:p>
+            <a:r>
+              <a:rPr lang="en-US" dirty="0"/>
+              <a:t>ECC</a:t>
+            </a:r>
+          </a:p>
+          <a:p>
+            <a:r>
+              <a:rPr lang="en-US" dirty="0"/>
+              <a:t>Why is it better than RSA ?</a:t>
+            </a:r>
+          </a:p>
+          <a:p>
+            <a:endParaRPr lang="en-US" dirty="0"/>
+          </a:p>
+          <a:p>
+            <a:r>
+              <a:rPr lang="en-US" dirty="0"/>
+              <a:t>1 min</a:t>
+            </a:r>
+          </a:p>
+        </p:txBody>
+      </p:sp>
+    </p:spTree>
+    <p:extLst>
+      <p:ext uri="{BB962C8B-B14F-4D97-AF65-F5344CB8AC3E}">
+        <p14:creationId xmlns:p14="http://schemas.microsoft.com/office/powerpoint/2010/main" val="3744469663"/>
+      </p:ext>
+    </p:extLst>
+  </p:cSld>
+  <p:clrMapOvr>
+    <a:masterClrMapping/>
+  </p:clrMapOvr>
+</p:sld>
+</file>
+
+<file path=ppt/slides/slide6.xml><?xml version="1.0" encoding="utf-8"?>
+<p:sld xmlns:a="http://schemas.openxmlformats.org/drawingml/2006/main" xmlns:r="http://schemas.openxmlformats.org/officeDocument/2006/relationships" xmlns:p="http://schemas.openxmlformats.org/presentationml/2006/main">
+  <p:cSld>
+    <p:spTree>
+      <p:nvGrpSpPr>
+        <p:cNvPr id="1" name=""/>
+        <p:cNvGrpSpPr/>
+        <p:nvPr/>
+      </p:nvGrpSpPr>
+      <p:grpSpPr>
+        <a:xfrm>
+          <a:off x="0" y="0"/>
+          <a:ext cx="0" cy="0"/>
+          <a:chOff x="0" y="0"/>
+          <a:chExt cx="0" cy="0"/>
+        </a:xfrm>
+      </p:grpSpPr>
+      <p:sp>
+        <p:nvSpPr>
+          <p:cNvPr id="2" name="TextBox 1">
+            <a:extLst>
+              <a:ext uri="{FF2B5EF4-FFF2-40B4-BE49-F238E27FC236}">
+                <a16:creationId xmlns:a16="http://schemas.microsoft.com/office/drawing/2014/main" id="{A4E97616-66D9-4CAD-8AD5-70B10A9145B3}"/>
+              </a:ext>
+            </a:extLst>
+          </p:cNvPr>
+          <p:cNvSpPr txBox="1"/>
+          <p:nvPr/>
+        </p:nvSpPr>
+        <p:spPr>
+          <a:xfrm>
+            <a:off x="2438401" y="2835367"/>
+            <a:ext cx="5954485" cy="923330"/>
+          </a:xfrm>
+          <a:prstGeom prst="rect">
+            <a:avLst/>
+          </a:prstGeom>
+          <a:noFill/>
+        </p:spPr>
+        <p:txBody>
+          <a:bodyPr wrap="square">
+            <a:spAutoFit/>
+          </a:bodyPr>
+          <a:lstStyle/>
+          <a:p>
+            <a:r>
+              <a:rPr lang="en-US" dirty="0"/>
+              <a:t>ECC Theory</a:t>
+            </a:r>
+          </a:p>
+          <a:p>
+            <a:endParaRPr lang="en-US" dirty="0"/>
+          </a:p>
+          <a:p>
+            <a:r>
+              <a:rPr lang="en-US" dirty="0"/>
+              <a:t>1 min</a:t>
+            </a:r>
+          </a:p>
+        </p:txBody>
+      </p:sp>
+    </p:spTree>
+    <p:extLst>
+      <p:ext uri="{BB962C8B-B14F-4D97-AF65-F5344CB8AC3E}">
+        <p14:creationId xmlns:p14="http://schemas.microsoft.com/office/powerpoint/2010/main" val="967477797"/>
+      </p:ext>
+    </p:extLst>
+  </p:cSld>
+  <p:clrMapOvr>
+    <a:masterClrMapping/>
+  </p:clrMapOvr>
+</p:sld>
+</file>
+
+<file path=ppt/slides/slide7.xml><?xml version="1.0" encoding="utf-8"?>
+<p:sld xmlns:a="http://schemas.openxmlformats.org/drawingml/2006/main" xmlns:r="http://schemas.openxmlformats.org/officeDocument/2006/relationships" xmlns:p="http://schemas.openxmlformats.org/presentationml/2006/main">
+  <p:cSld>
+    <p:spTree>
+      <p:nvGrpSpPr>
+        <p:cNvPr id="1" name=""/>
+        <p:cNvGrpSpPr/>
+        <p:nvPr/>
+      </p:nvGrpSpPr>
+      <p:grpSpPr>
+        <a:xfrm>
+          <a:off x="0" y="0"/>
+          <a:ext cx="0" cy="0"/>
+          <a:chOff x="0" y="0"/>
+          <a:chExt cx="0" cy="0"/>
+        </a:xfrm>
+      </p:grpSpPr>
+      <p:sp>
+        <p:nvSpPr>
+          <p:cNvPr id="2" name="TextBox 1">
+            <a:extLst>
+              <a:ext uri="{FF2B5EF4-FFF2-40B4-BE49-F238E27FC236}">
+                <a16:creationId xmlns:a16="http://schemas.microsoft.com/office/drawing/2014/main" id="{5748A2B8-C1DE-447D-AFA0-3DF4D4634FB7}"/>
+              </a:ext>
+            </a:extLst>
+          </p:cNvPr>
+          <p:cNvSpPr txBox="1"/>
+          <p:nvPr/>
+        </p:nvSpPr>
+        <p:spPr>
+          <a:xfrm>
+            <a:off x="2438401" y="2835367"/>
+            <a:ext cx="5954485" cy="2031325"/>
+          </a:xfrm>
+          <a:prstGeom prst="rect">
+            <a:avLst/>
+          </a:prstGeom>
+          <a:noFill/>
+        </p:spPr>
+        <p:txBody>
+          <a:bodyPr wrap="square">
+            <a:spAutoFit/>
+          </a:bodyPr>
+          <a:lstStyle/>
+          <a:p>
+            <a:r>
+              <a:rPr lang="en-US" dirty="0"/>
+              <a:t>Our research paper info (3-4 slides)</a:t>
+            </a:r>
+          </a:p>
+          <a:p>
+            <a:r>
+              <a:rPr lang="en-US" dirty="0"/>
+              <a:t>And what we are going to do</a:t>
+            </a:r>
+          </a:p>
+          <a:p>
+            <a:endParaRPr lang="en-US" dirty="0"/>
+          </a:p>
+          <a:p>
+            <a:r>
+              <a:rPr lang="en-US" dirty="0"/>
+              <a:t>We are going to implement the different curves, </a:t>
+            </a:r>
+            <a:r>
+              <a:rPr lang="en-US" dirty="0" err="1"/>
+              <a:t>analyse</a:t>
+            </a:r>
+            <a:r>
+              <a:rPr lang="en-US" dirty="0"/>
+              <a:t> them using python </a:t>
+            </a:r>
+          </a:p>
+          <a:p>
+            <a:endParaRPr lang="en-US" dirty="0"/>
+          </a:p>
+          <a:p>
+            <a:r>
+              <a:rPr lang="en-US" dirty="0"/>
+              <a:t>4-5 min</a:t>
+            </a:r>
+          </a:p>
+        </p:txBody>
+      </p:sp>
+    </p:spTree>
+    <p:extLst>
+      <p:ext uri="{BB962C8B-B14F-4D97-AF65-F5344CB8AC3E}">
+        <p14:creationId xmlns:p14="http://schemas.microsoft.com/office/powerpoint/2010/main" val="832493531"/>
+      </p:ext>
+    </p:extLst>
+  </p:cSld>
+  <p:clrMapOvr>
+    <a:masterClrMapping/>
+  </p:clrMapOvr>
+</p:sld>
+</file>
+
+<file path=ppt/slides/slide8.xml><?xml version="1.0" encoding="utf-8"?>
+<p:sld xmlns:a="http://schemas.openxmlformats.org/drawingml/2006/main" xmlns:r="http://schemas.openxmlformats.org/officeDocument/2006/relationships" xmlns:p="http://schemas.openxmlformats.org/presentationml/2006/main">
+  <p:cSld>
+    <p:spTree>
+      <p:nvGrpSpPr>
+        <p:cNvPr id="1" name=""/>
+        <p:cNvGrpSpPr/>
+        <p:nvPr/>
+      </p:nvGrpSpPr>
+      <p:grpSpPr>
+        <a:xfrm>
+          <a:off x="0" y="0"/>
+          <a:ext cx="0" cy="0"/>
+          <a:chOff x="0" y="0"/>
+          <a:chExt cx="0" cy="0"/>
+        </a:xfrm>
+      </p:grpSpPr>
+      <p:sp>
+        <p:nvSpPr>
           <p:cNvPr id="2" name="Title 1">
             <a:extLst>
               <a:ext uri="{FF2B5EF4-FFF2-40B4-BE49-F238E27FC236}">

--- a/Ecc Cipher.pptx
+++ b/Ecc Cipher.pptx
@@ -4,6 +4,9 @@
   <p:sldMasterIdLst>
     <p:sldMasterId id="2147483785" r:id="rId1"/>
   </p:sldMasterIdLst>
+  <p:notesMasterIdLst>
+    <p:notesMasterId r:id="rId10"/>
+  </p:notesMasterIdLst>
   <p:sldIdLst>
     <p:sldId id="256" r:id="rId2"/>
     <p:sldId id="257" r:id="rId3"/>
@@ -117,6 +120,465 @@
     </p:ext>
   </p:extLst>
 </p:presentation>
+</file>
+
+<file path=ppt/notesMasters/notesMaster1.xml><?xml version="1.0" encoding="utf-8"?>
+<p:notesMaster xmlns:a="http://schemas.openxmlformats.org/drawingml/2006/main" xmlns:r="http://schemas.openxmlformats.org/officeDocument/2006/relationships" xmlns:p="http://schemas.openxmlformats.org/presentationml/2006/main">
+  <p:cSld>
+    <p:bg>
+      <p:bgRef idx="1001">
+        <a:schemeClr val="bg1"/>
+      </p:bgRef>
+    </p:bg>
+    <p:spTree>
+      <p:nvGrpSpPr>
+        <p:cNvPr id="1" name=""/>
+        <p:cNvGrpSpPr/>
+        <p:nvPr/>
+      </p:nvGrpSpPr>
+      <p:grpSpPr>
+        <a:xfrm>
+          <a:off x="0" y="0"/>
+          <a:ext cx="0" cy="0"/>
+          <a:chOff x="0" y="0"/>
+          <a:chExt cx="0" cy="0"/>
+        </a:xfrm>
+      </p:grpSpPr>
+      <p:sp>
+        <p:nvSpPr>
+          <p:cNvPr id="2" name="Header Placeholder 1"/>
+          <p:cNvSpPr>
+            <a:spLocks noGrp="1"/>
+          </p:cNvSpPr>
+          <p:nvPr>
+            <p:ph type="hdr" sz="quarter"/>
+          </p:nvPr>
+        </p:nvSpPr>
+        <p:spPr>
+          <a:xfrm>
+            <a:off x="0" y="0"/>
+            <a:ext cx="2971800" cy="458788"/>
+          </a:xfrm>
+          <a:prstGeom prst="rect">
+            <a:avLst/>
+          </a:prstGeom>
+        </p:spPr>
+        <p:txBody>
+          <a:bodyPr vert="horz" lIns="91440" tIns="45720" rIns="91440" bIns="45720" rtlCol="0"/>
+          <a:lstStyle>
+            <a:lvl1pPr algn="l">
+              <a:defRPr sz="1200"/>
+            </a:lvl1pPr>
+          </a:lstStyle>
+          <a:p>
+            <a:endParaRPr lang="en-US"/>
+          </a:p>
+        </p:txBody>
+      </p:sp>
+      <p:sp>
+        <p:nvSpPr>
+          <p:cNvPr id="3" name="Date Placeholder 2"/>
+          <p:cNvSpPr>
+            <a:spLocks noGrp="1"/>
+          </p:cNvSpPr>
+          <p:nvPr>
+            <p:ph type="dt" idx="1"/>
+          </p:nvPr>
+        </p:nvSpPr>
+        <p:spPr>
+          <a:xfrm>
+            <a:off x="3884613" y="0"/>
+            <a:ext cx="2971800" cy="458788"/>
+          </a:xfrm>
+          <a:prstGeom prst="rect">
+            <a:avLst/>
+          </a:prstGeom>
+        </p:spPr>
+        <p:txBody>
+          <a:bodyPr vert="horz" lIns="91440" tIns="45720" rIns="91440" bIns="45720" rtlCol="0"/>
+          <a:lstStyle>
+            <a:lvl1pPr algn="r">
+              <a:defRPr sz="1200"/>
+            </a:lvl1pPr>
+          </a:lstStyle>
+          <a:p>
+            <a:fld id="{9FB1AB82-4106-4417-BAEC-8FD1733E29D9}" type="datetimeFigureOut">
+              <a:rPr lang="en-US" smtClean="0"/>
+              <a:t>4/14/2021</a:t>
+            </a:fld>
+            <a:endParaRPr lang="en-US"/>
+          </a:p>
+        </p:txBody>
+      </p:sp>
+      <p:sp>
+        <p:nvSpPr>
+          <p:cNvPr id="4" name="Slide Image Placeholder 3"/>
+          <p:cNvSpPr>
+            <a:spLocks noGrp="1" noRot="1" noChangeAspect="1"/>
+          </p:cNvSpPr>
+          <p:nvPr>
+            <p:ph type="sldImg" idx="2"/>
+          </p:nvPr>
+        </p:nvSpPr>
+        <p:spPr>
+          <a:xfrm>
+            <a:off x="685800" y="1143000"/>
+            <a:ext cx="5486400" cy="3086100"/>
+          </a:xfrm>
+          <a:prstGeom prst="rect">
+            <a:avLst/>
+          </a:prstGeom>
+          <a:noFill/>
+          <a:ln w="12700">
+            <a:solidFill>
+              <a:prstClr val="black"/>
+            </a:solidFill>
+          </a:ln>
+        </p:spPr>
+        <p:txBody>
+          <a:bodyPr vert="horz" lIns="91440" tIns="45720" rIns="91440" bIns="45720" rtlCol="0" anchor="ctr"/>
+          <a:lstStyle/>
+          <a:p>
+            <a:endParaRPr lang="en-US"/>
+          </a:p>
+        </p:txBody>
+      </p:sp>
+      <p:sp>
+        <p:nvSpPr>
+          <p:cNvPr id="5" name="Notes Placeholder 4"/>
+          <p:cNvSpPr>
+            <a:spLocks noGrp="1"/>
+          </p:cNvSpPr>
+          <p:nvPr>
+            <p:ph type="body" sz="quarter" idx="3"/>
+          </p:nvPr>
+        </p:nvSpPr>
+        <p:spPr>
+          <a:xfrm>
+            <a:off x="685800" y="4400550"/>
+            <a:ext cx="5486400" cy="3600450"/>
+          </a:xfrm>
+          <a:prstGeom prst="rect">
+            <a:avLst/>
+          </a:prstGeom>
+        </p:spPr>
+        <p:txBody>
+          <a:bodyPr vert="horz" lIns="91440" tIns="45720" rIns="91440" bIns="45720" rtlCol="0"/>
+          <a:lstStyle/>
+          <a:p>
+            <a:pPr lvl="0"/>
+            <a:r>
+              <a:rPr lang="en-US"/>
+              <a:t>Click to edit Master text styles</a:t>
+            </a:r>
+          </a:p>
+          <a:p>
+            <a:pPr lvl="1"/>
+            <a:r>
+              <a:rPr lang="en-US"/>
+              <a:t>Second level</a:t>
+            </a:r>
+          </a:p>
+          <a:p>
+            <a:pPr lvl="2"/>
+            <a:r>
+              <a:rPr lang="en-US"/>
+              <a:t>Third level</a:t>
+            </a:r>
+          </a:p>
+          <a:p>
+            <a:pPr lvl="3"/>
+            <a:r>
+              <a:rPr lang="en-US"/>
+              <a:t>Fourth level</a:t>
+            </a:r>
+          </a:p>
+          <a:p>
+            <a:pPr lvl="4"/>
+            <a:r>
+              <a:rPr lang="en-US"/>
+              <a:t>Fifth level</a:t>
+            </a:r>
+          </a:p>
+        </p:txBody>
+      </p:sp>
+      <p:sp>
+        <p:nvSpPr>
+          <p:cNvPr id="6" name="Footer Placeholder 5"/>
+          <p:cNvSpPr>
+            <a:spLocks noGrp="1"/>
+          </p:cNvSpPr>
+          <p:nvPr>
+            <p:ph type="ftr" sz="quarter" idx="4"/>
+          </p:nvPr>
+        </p:nvSpPr>
+        <p:spPr>
+          <a:xfrm>
+            <a:off x="0" y="8685213"/>
+            <a:ext cx="2971800" cy="458787"/>
+          </a:xfrm>
+          <a:prstGeom prst="rect">
+            <a:avLst/>
+          </a:prstGeom>
+        </p:spPr>
+        <p:txBody>
+          <a:bodyPr vert="horz" lIns="91440" tIns="45720" rIns="91440" bIns="45720" rtlCol="0" anchor="b"/>
+          <a:lstStyle>
+            <a:lvl1pPr algn="l">
+              <a:defRPr sz="1200"/>
+            </a:lvl1pPr>
+          </a:lstStyle>
+          <a:p>
+            <a:endParaRPr lang="en-US"/>
+          </a:p>
+        </p:txBody>
+      </p:sp>
+      <p:sp>
+        <p:nvSpPr>
+          <p:cNvPr id="7" name="Slide Number Placeholder 6"/>
+          <p:cNvSpPr>
+            <a:spLocks noGrp="1"/>
+          </p:cNvSpPr>
+          <p:nvPr>
+            <p:ph type="sldNum" sz="quarter" idx="5"/>
+          </p:nvPr>
+        </p:nvSpPr>
+        <p:spPr>
+          <a:xfrm>
+            <a:off x="3884613" y="8685213"/>
+            <a:ext cx="2971800" cy="458787"/>
+          </a:xfrm>
+          <a:prstGeom prst="rect">
+            <a:avLst/>
+          </a:prstGeom>
+        </p:spPr>
+        <p:txBody>
+          <a:bodyPr vert="horz" lIns="91440" tIns="45720" rIns="91440" bIns="45720" rtlCol="0" anchor="b"/>
+          <a:lstStyle>
+            <a:lvl1pPr algn="r">
+              <a:defRPr sz="1200"/>
+            </a:lvl1pPr>
+          </a:lstStyle>
+          <a:p>
+            <a:fld id="{E3BFD279-5C0D-4577-8BC8-F2A99E0295D8}" type="slidenum">
+              <a:rPr lang="en-US" smtClean="0"/>
+              <a:t>‹#›</a:t>
+            </a:fld>
+            <a:endParaRPr lang="en-US"/>
+          </a:p>
+        </p:txBody>
+      </p:sp>
+    </p:spTree>
+    <p:extLst>
+      <p:ext uri="{BB962C8B-B14F-4D97-AF65-F5344CB8AC3E}">
+        <p14:creationId xmlns:p14="http://schemas.microsoft.com/office/powerpoint/2010/main" val="1146660162"/>
+      </p:ext>
+    </p:extLst>
+  </p:cSld>
+  <p:clrMap bg1="lt1" tx1="dk1" bg2="lt2" tx2="dk2" accent1="accent1" accent2="accent2" accent3="accent3" accent4="accent4" accent5="accent5" accent6="accent6" hlink="hlink" folHlink="folHlink"/>
+  <p:notesStyle>
+    <a:lvl1pPr marL="0" algn="l" defTabSz="914400" rtl="0" eaLnBrk="1" latinLnBrk="0" hangingPunct="1">
+      <a:defRPr sz="1200" kern="1200">
+        <a:solidFill>
+          <a:schemeClr val="tx1"/>
+        </a:solidFill>
+        <a:latin typeface="+mn-lt"/>
+        <a:ea typeface="+mn-ea"/>
+        <a:cs typeface="+mn-cs"/>
+      </a:defRPr>
+    </a:lvl1pPr>
+    <a:lvl2pPr marL="457200" algn="l" defTabSz="914400" rtl="0" eaLnBrk="1" latinLnBrk="0" hangingPunct="1">
+      <a:defRPr sz="1200" kern="1200">
+        <a:solidFill>
+          <a:schemeClr val="tx1"/>
+        </a:solidFill>
+        <a:latin typeface="+mn-lt"/>
+        <a:ea typeface="+mn-ea"/>
+        <a:cs typeface="+mn-cs"/>
+      </a:defRPr>
+    </a:lvl2pPr>
+    <a:lvl3pPr marL="914400" algn="l" defTabSz="914400" rtl="0" eaLnBrk="1" latinLnBrk="0" hangingPunct="1">
+      <a:defRPr sz="1200" kern="1200">
+        <a:solidFill>
+          <a:schemeClr val="tx1"/>
+        </a:solidFill>
+        <a:latin typeface="+mn-lt"/>
+        <a:ea typeface="+mn-ea"/>
+        <a:cs typeface="+mn-cs"/>
+      </a:defRPr>
+    </a:lvl3pPr>
+    <a:lvl4pPr marL="1371600" algn="l" defTabSz="914400" rtl="0" eaLnBrk="1" latinLnBrk="0" hangingPunct="1">
+      <a:defRPr sz="1200" kern="1200">
+        <a:solidFill>
+          <a:schemeClr val="tx1"/>
+        </a:solidFill>
+        <a:latin typeface="+mn-lt"/>
+        <a:ea typeface="+mn-ea"/>
+        <a:cs typeface="+mn-cs"/>
+      </a:defRPr>
+    </a:lvl4pPr>
+    <a:lvl5pPr marL="1828800" algn="l" defTabSz="914400" rtl="0" eaLnBrk="1" latinLnBrk="0" hangingPunct="1">
+      <a:defRPr sz="1200" kern="1200">
+        <a:solidFill>
+          <a:schemeClr val="tx1"/>
+        </a:solidFill>
+        <a:latin typeface="+mn-lt"/>
+        <a:ea typeface="+mn-ea"/>
+        <a:cs typeface="+mn-cs"/>
+      </a:defRPr>
+    </a:lvl5pPr>
+    <a:lvl6pPr marL="2286000" algn="l" defTabSz="914400" rtl="0" eaLnBrk="1" latinLnBrk="0" hangingPunct="1">
+      <a:defRPr sz="1200" kern="1200">
+        <a:solidFill>
+          <a:schemeClr val="tx1"/>
+        </a:solidFill>
+        <a:latin typeface="+mn-lt"/>
+        <a:ea typeface="+mn-ea"/>
+        <a:cs typeface="+mn-cs"/>
+      </a:defRPr>
+    </a:lvl6pPr>
+    <a:lvl7pPr marL="2743200" algn="l" defTabSz="914400" rtl="0" eaLnBrk="1" latinLnBrk="0" hangingPunct="1">
+      <a:defRPr sz="1200" kern="1200">
+        <a:solidFill>
+          <a:schemeClr val="tx1"/>
+        </a:solidFill>
+        <a:latin typeface="+mn-lt"/>
+        <a:ea typeface="+mn-ea"/>
+        <a:cs typeface="+mn-cs"/>
+      </a:defRPr>
+    </a:lvl7pPr>
+    <a:lvl8pPr marL="3200400" algn="l" defTabSz="914400" rtl="0" eaLnBrk="1" latinLnBrk="0" hangingPunct="1">
+      <a:defRPr sz="1200" kern="1200">
+        <a:solidFill>
+          <a:schemeClr val="tx1"/>
+        </a:solidFill>
+        <a:latin typeface="+mn-lt"/>
+        <a:ea typeface="+mn-ea"/>
+        <a:cs typeface="+mn-cs"/>
+      </a:defRPr>
+    </a:lvl8pPr>
+    <a:lvl9pPr marL="3657600" algn="l" defTabSz="914400" rtl="0" eaLnBrk="1" latinLnBrk="0" hangingPunct="1">
+      <a:defRPr sz="1200" kern="1200">
+        <a:solidFill>
+          <a:schemeClr val="tx1"/>
+        </a:solidFill>
+        <a:latin typeface="+mn-lt"/>
+        <a:ea typeface="+mn-ea"/>
+        <a:cs typeface="+mn-cs"/>
+      </a:defRPr>
+    </a:lvl9pPr>
+  </p:notesStyle>
+</p:notesMaster>
+</file>
+
+<file path=ppt/notesSlides/notesSlide1.xml><?xml version="1.0" encoding="utf-8"?>
+<p:notes xmlns:a="http://schemas.openxmlformats.org/drawingml/2006/main" xmlns:r="http://schemas.openxmlformats.org/officeDocument/2006/relationships" xmlns:p="http://schemas.openxmlformats.org/presentationml/2006/main">
+  <p:cSld>
+    <p:spTree>
+      <p:nvGrpSpPr>
+        <p:cNvPr id="1" name=""/>
+        <p:cNvGrpSpPr/>
+        <p:nvPr/>
+      </p:nvGrpSpPr>
+      <p:grpSpPr>
+        <a:xfrm>
+          <a:off x="0" y="0"/>
+          <a:ext cx="0" cy="0"/>
+          <a:chOff x="0" y="0"/>
+          <a:chExt cx="0" cy="0"/>
+        </a:xfrm>
+      </p:grpSpPr>
+      <p:sp>
+        <p:nvSpPr>
+          <p:cNvPr id="2" name="Slide Image Placeholder 1"/>
+          <p:cNvSpPr>
+            <a:spLocks noGrp="1" noRot="1" noChangeAspect="1"/>
+          </p:cNvSpPr>
+          <p:nvPr>
+            <p:ph type="sldImg"/>
+          </p:nvPr>
+        </p:nvSpPr>
+        <p:spPr/>
+      </p:sp>
+      <p:sp>
+        <p:nvSpPr>
+          <p:cNvPr id="3" name="Notes Placeholder 2"/>
+          <p:cNvSpPr>
+            <a:spLocks noGrp="1"/>
+          </p:cNvSpPr>
+          <p:nvPr>
+            <p:ph type="body" idx="1"/>
+          </p:nvPr>
+        </p:nvSpPr>
+        <p:spPr/>
+        <p:txBody>
+          <a:bodyPr/>
+          <a:lstStyle/>
+          <a:p>
+            <a:r>
+              <a:rPr lang="en-US" dirty="0"/>
+              <a:t>RSA Cipher algo and info</a:t>
+            </a:r>
+          </a:p>
+          <a:p>
+            <a:r>
+              <a:rPr lang="en-US" dirty="0"/>
+              <a:t>Adv &amp; </a:t>
+            </a:r>
+            <a:r>
+              <a:rPr lang="en-US" dirty="0" err="1"/>
+              <a:t>disadv</a:t>
+            </a:r>
+            <a:endParaRPr lang="en-US" dirty="0"/>
+          </a:p>
+          <a:p>
+            <a:endParaRPr lang="en-US" dirty="0"/>
+          </a:p>
+          <a:p>
+            <a:r>
+              <a:rPr lang="en-US" dirty="0"/>
+              <a:t>1 min</a:t>
+            </a:r>
+          </a:p>
+          <a:p>
+            <a:endParaRPr lang="en-US" dirty="0"/>
+          </a:p>
+        </p:txBody>
+      </p:sp>
+      <p:sp>
+        <p:nvSpPr>
+          <p:cNvPr id="4" name="Slide Number Placeholder 3"/>
+          <p:cNvSpPr>
+            <a:spLocks noGrp="1"/>
+          </p:cNvSpPr>
+          <p:nvPr>
+            <p:ph type="sldNum" sz="quarter" idx="5"/>
+          </p:nvPr>
+        </p:nvSpPr>
+        <p:spPr/>
+        <p:txBody>
+          <a:bodyPr/>
+          <a:lstStyle/>
+          <a:p>
+            <a:fld id="{E3BFD279-5C0D-4577-8BC8-F2A99E0295D8}" type="slidenum">
+              <a:rPr lang="en-US" smtClean="0"/>
+              <a:t>4</a:t>
+            </a:fld>
+            <a:endParaRPr lang="en-US"/>
+          </a:p>
+        </p:txBody>
+      </p:sp>
+    </p:spTree>
+    <p:extLst>
+      <p:ext uri="{BB962C8B-B14F-4D97-AF65-F5344CB8AC3E}">
+        <p14:creationId xmlns:p14="http://schemas.microsoft.com/office/powerpoint/2010/main" val="3616774627"/>
+      </p:ext>
+    </p:extLst>
+  </p:cSld>
+  <p:clrMapOvr>
+    <a:masterClrMapping/>
+  </p:clrMapOvr>
+</p:notes>
 </file>
 
 <file path=ppt/slideLayouts/slideLayout1.xml><?xml version="1.0" encoding="utf-8"?>
@@ -4068,7 +4530,27 @@
                 <a:effectLst/>
                 <a:latin typeface="Lato"/>
               </a:rPr>
-              <a:t>In Symmetric-key encryption, the message is then encrypted using a key and with the same key, the messages can be decrypt, making it simple to use but less safe. It also needs a secure way of moving the key from one party to another.</a:t>
+              <a:t>In Symmetric-key encryption, the message is encrypted using a key and decrypted with the same key, making it simple to use but </a:t>
+            </a:r>
+            <a:r>
+              <a:rPr lang="en-US" sz="2400" b="0" i="0">
+                <a:solidFill>
+                  <a:srgbClr val="323C3E"/>
+                </a:solidFill>
+                <a:effectLst/>
+                <a:latin typeface="Lato"/>
+              </a:rPr>
+              <a:t>less secure. </a:t>
+            </a:r>
+            <a:r>
+              <a:rPr lang="en-US" sz="2400" b="0" i="0" dirty="0">
+                <a:solidFill>
+                  <a:srgbClr val="323C3E"/>
+                </a:solidFill>
+                <a:effectLst/>
+                <a:latin typeface="Lato"/>
+              </a:rPr>
+              <a:t>It also needs a secure way of moving the key from one party to another.</a:t>
             </a:r>
           </a:p>
           <a:p>
@@ -4092,7 +4574,7 @@
                 <a:effectLst/>
                 <a:latin typeface="Lato"/>
               </a:rPr>
-              <a:t>Asymmetric Key Encryption is for both for public and private key encryption strategy. It uses separate keys to encrypt and decrypt a message or document. It is more reliable than the symmetric key encryption method, but it is very slower.</a:t>
+              <a:t>Asymmetric Key Encryption is for both for public and private key encryption strategy. It uses separate keys to encrypt and decrypt a message or document. It is more reliable than the symmetric key encryption method, but it is relatively slower.</a:t>
             </a:r>
             <a:endParaRPr lang="en-US" sz="2400" dirty="0"/>
           </a:p>
@@ -4185,7 +4667,7 @@
                 <a:effectLst/>
                 <a:latin typeface="urw-din"/>
               </a:rPr>
-              <a:t>In Private key, the same key (secret key) is used for encryption and decryption. In this key is symmetric because the only key is copy or share by another party to decrypt the cipher text. It is faster than the public key cryptography.</a:t>
+              <a:t>In Private key, the same key (secret key) is used for encryption and decryption. In this case, the key is symmetric because the only key is copied or shared by another party to decrypt the cipher text. It is faster than public key cryptography.</a:t>
             </a:r>
           </a:p>
           <a:p>
@@ -4209,7 +4691,26 @@
                 <a:effectLst/>
                 <a:latin typeface="urw-din"/>
               </a:rPr>
-              <a:t>In Public key, two keys are used one key is used for encryption and another key is used for decryption. One key (public key) is used for encrypt the plain text to convert it into cipher text and another key (private key) is used by receiver to decrypt the cipher text to read the message.</a:t>
+              <a:t>In Public key, two keys are used, one key is used for encryption and another key is used for decryption. One key (public key) is used </a:t>
+            </a:r>
+            <a:r>
+              <a:rPr lang="en-US" dirty="0">
+                <a:solidFill>
+                  <a:srgbClr val="40424E"/>
+                </a:solidFill>
+                <a:latin typeface="urw-din"/>
+              </a:rPr>
+              <a:t>to</a:t>
+            </a:r>
+            <a:r>
+              <a:rPr lang="en-US" b="0" i="0" dirty="0">
+                <a:solidFill>
+                  <a:srgbClr val="40424E"/>
+                </a:solidFill>
+                <a:effectLst/>
+                <a:latin typeface="urw-din"/>
+              </a:rPr>
+              <a:t> encrypt the plain text to convert it into cipher text and another key (private key) is used by receiver to decrypt the cipher text to read the message.</a:t>
             </a:r>
           </a:p>
         </p:txBody>
@@ -4244,61 +4745,6 @@
           <a:chExt cx="0" cy="0"/>
         </a:xfrm>
       </p:grpSpPr>
-      <p:sp>
-        <p:nvSpPr>
-          <p:cNvPr id="2" name="TextBox 1">
-            <a:extLst>
-              <a:ext uri="{FF2B5EF4-FFF2-40B4-BE49-F238E27FC236}">
-                <a16:creationId xmlns:a16="http://schemas.microsoft.com/office/drawing/2014/main" id="{287528B0-E544-4397-B791-99AD4C234F88}"/>
-              </a:ext>
-            </a:extLst>
-          </p:cNvPr>
-          <p:cNvSpPr txBox="1"/>
-          <p:nvPr/>
-        </p:nvSpPr>
-        <p:spPr>
-          <a:xfrm>
-            <a:off x="2438401" y="2835368"/>
-            <a:ext cx="5954485" cy="1200329"/>
-          </a:xfrm>
-          <a:prstGeom prst="rect">
-            <a:avLst/>
-          </a:prstGeom>
-          <a:noFill/>
-        </p:spPr>
-        <p:txBody>
-          <a:bodyPr wrap="square">
-            <a:spAutoFit/>
-          </a:bodyPr>
-          <a:lstStyle/>
-          <a:p>
-            <a:r>
-              <a:rPr lang="en-US" dirty="0"/>
-              <a:t>RSA Cipher algo and info</a:t>
-            </a:r>
-          </a:p>
-          <a:p>
-            <a:r>
-              <a:rPr lang="en-US" dirty="0"/>
-              <a:t>Adv &amp; </a:t>
-            </a:r>
-            <a:r>
-              <a:rPr lang="en-US" dirty="0" err="1"/>
-              <a:t>disadv</a:t>
-            </a:r>
-            <a:endParaRPr lang="en-US" dirty="0"/>
-          </a:p>
-          <a:p>
-            <a:endParaRPr lang="en-US" dirty="0"/>
-          </a:p>
-          <a:p>
-            <a:r>
-              <a:rPr lang="en-US" dirty="0"/>
-              <a:t>1 min</a:t>
-            </a:r>
-          </a:p>
-        </p:txBody>
-      </p:sp>
     </p:spTree>
     <p:extLst>
       <p:ext uri="{BB962C8B-B14F-4D97-AF65-F5344CB8AC3E}">
@@ -4899,4 +5345,299 @@
     </a:ext>
   </a:extLst>
 </a:theme>
+</file>
+
+<file path=ppt/theme/theme2.xml><?xml version="1.0" encoding="utf-8"?>
+<a:theme xmlns:a="http://schemas.openxmlformats.org/drawingml/2006/main" name="Office Theme">
+  <a:themeElements>
+    <a:clrScheme name="Office">
+      <a:dk1>
+        <a:sysClr val="windowText" lastClr="000000"/>
+      </a:dk1>
+      <a:lt1>
+        <a:sysClr val="window" lastClr="FFFFFF"/>
+      </a:lt1>
+      <a:dk2>
+        <a:srgbClr val="44546A"/>
+      </a:dk2>
+      <a:lt2>
+        <a:srgbClr val="E7E6E6"/>
+      </a:lt2>
+      <a:accent1>
+        <a:srgbClr val="4472C4"/>
+      </a:accent1>
+      <a:accent2>
+        <a:srgbClr val="ED7D31"/>
+      </a:accent2>
+      <a:accent3>
+        <a:srgbClr val="A5A5A5"/>
+      </a:accent3>
+      <a:accent4>
+        <a:srgbClr val="FFC000"/>
+      </a:accent4>
+      <a:accent5>
+        <a:srgbClr val="5B9BD5"/>
+      </a:accent5>
+      <a:accent6>
+        <a:srgbClr val="70AD47"/>
+      </a:accent6>
+      <a:hlink>
+        <a:srgbClr val="0563C1"/>
+      </a:hlink>
+      <a:folHlink>
+        <a:srgbClr val="954F72"/>
+      </a:folHlink>
+    </a:clrScheme>
+    <a:fontScheme name="Office">
+      <a:majorFont>
+        <a:latin typeface="Calibri Light" panose="020F0302020204030204"/>
+        <a:ea typeface=""/>
+        <a:cs typeface=""/>
+        <a:font script="Jpan" typeface="游ゴシック Light"/>
+        <a:font script="Hang" typeface="맑은 고딕"/>
+        <a:font script="Hans" typeface="等线 Light"/>
+        <a:font script="Hant" typeface="新細明體"/>
+        <a:font script="Arab" typeface="Times New Roman"/>
+        <a:font script="Hebr" typeface="Times New Roman"/>
+        <a:font script="Thai" typeface="Angsana New"/>
+        <a:font script="Ethi" typeface="Nyala"/>
+        <a:font script="Beng" typeface="Vrinda"/>
+        <a:font script="Gujr" typeface="Shruti"/>
+        <a:font script="Khmr" typeface="MoolBoran"/>
+        <a:font script="Knda" typeface="Tunga"/>
+        <a:font script="Guru" typeface="Raavi"/>
+        <a:font script="Cans" typeface="Euphemia"/>
+        <a:font script="Cher" typeface="Plantagenet Cherokee"/>
+        <a:font script="Yiii" typeface="Microsoft Yi Baiti"/>
+        <a:font script="Tibt" typeface="Microsoft Himalaya"/>
+        <a:font script="Thaa" typeface="MV Boli"/>
+        <a:font script="Deva" typeface="Mangal"/>
+        <a:font script="Telu" typeface="Gautami"/>
+        <a:font script="Taml" typeface="Latha"/>
+        <a:font script="Syrc" typeface="Estrangelo Edessa"/>
+        <a:font script="Orya" typeface="Kalinga"/>
+        <a:font script="Mlym" typeface="Kartika"/>
+        <a:font script="Laoo" typeface="DokChampa"/>
+        <a:font script="Sinh" typeface="Iskoola Pota"/>
+        <a:font script="Mong" typeface="Mongolian Baiti"/>
+        <a:font script="Viet" typeface="Times New Roman"/>
+        <a:font script="Uigh" typeface="Microsoft Uighur"/>
+        <a:font script="Geor" typeface="Sylfaen"/>
+        <a:font script="Armn" typeface="Arial"/>
+        <a:font script="Bugi" typeface="Leelawadee UI"/>
+        <a:font script="Bopo" typeface="Microsoft JhengHei"/>
+        <a:font script="Java" typeface="Javanese Text"/>
+        <a:font script="Lisu" typeface="Segoe UI"/>
+        <a:font script="Mymr" typeface="Myanmar Text"/>
+        <a:font script="Nkoo" typeface="Ebrima"/>
+        <a:font script="Olck" typeface="Nirmala UI"/>
+        <a:font script="Osma" typeface="Ebrima"/>
+        <a:font script="Phag" typeface="Phagspa"/>
+        <a:font script="Syrn" typeface="Estrangelo Edessa"/>
+        <a:font script="Syrj" typeface="Estrangelo Edessa"/>
+        <a:font script="Syre" typeface="Estrangelo Edessa"/>
+        <a:font script="Sora" typeface="Nirmala UI"/>
+        <a:font script="Tale" typeface="Microsoft Tai Le"/>
+        <a:font script="Talu" typeface="Microsoft New Tai Lue"/>
+        <a:font script="Tfng" typeface="Ebrima"/>
+      </a:majorFont>
+      <a:minorFont>
+        <a:latin typeface="Calibri" panose="020F0502020204030204"/>
+        <a:ea typeface=""/>
+        <a:cs typeface=""/>
+        <a:font script="Jpan" typeface="游ゴシック"/>
+        <a:font script="Hang" typeface="맑은 고딕"/>
+        <a:font script="Hans" typeface="等线"/>
+        <a:font script="Hant" typeface="新細明體"/>
+        <a:font script="Arab" typeface="Arial"/>
+        <a:font script="Hebr" typeface="Arial"/>
+        <a:font script="Thai" typeface="Cordia New"/>
+        <a:font script="Ethi" typeface="Nyala"/>
+        <a:font script="Beng" typeface="Vrinda"/>
+        <a:font script="Gujr" typeface="Shruti"/>
+        <a:font script="Khmr" typeface="DaunPenh"/>
+        <a:font script="Knda" typeface="Tunga"/>
+        <a:font script="Guru" typeface="Raavi"/>
+        <a:font script="Cans" typeface="Euphemia"/>
+        <a:font script="Cher" typeface="Plantagenet Cherokee"/>
+        <a:font script="Yiii" typeface="Microsoft Yi Baiti"/>
+        <a:font script="Tibt" typeface="Microsoft Himalaya"/>
+        <a:font script="Thaa" typeface="MV Boli"/>
+        <a:font script="Deva" typeface="Mangal"/>
+        <a:font script="Telu" typeface="Gautami"/>
+        <a:font script="Taml" typeface="Latha"/>
+        <a:font script="Syrc" typeface="Estrangelo Edessa"/>
+        <a:font script="Orya" typeface="Kalinga"/>
+        <a:font script="Mlym" typeface="Kartika"/>
+        <a:font script="Laoo" typeface="DokChampa"/>
+        <a:font script="Sinh" typeface="Iskoola Pota"/>
+        <a:font script="Mong" typeface="Mongolian Baiti"/>
+        <a:font script="Viet" typeface="Arial"/>
+        <a:font script="Uigh" typeface="Microsoft Uighur"/>
+        <a:font script="Geor" typeface="Sylfaen"/>
+        <a:font script="Armn" typeface="Arial"/>
+        <a:font script="Bugi" typeface="Leelawadee UI"/>
+        <a:font script="Bopo" typeface="Microsoft JhengHei"/>
+        <a:font script="Java" typeface="Javanese Text"/>
+        <a:font script="Lisu" typeface="Segoe UI"/>
+        <a:font script="Mymr" typeface="Myanmar Text"/>
+        <a:font script="Nkoo" typeface="Ebrima"/>
+        <a:font script="Olck" typeface="Nirmala UI"/>
+        <a:font script="Osma" typeface="Ebrima"/>
+        <a:font script="Phag" typeface="Phagspa"/>
+        <a:font script="Syrn" typeface="Estrangelo Edessa"/>
+        <a:font script="Syrj" typeface="Estrangelo Edessa"/>
+        <a:font script="Syre" typeface="Estrangelo Edessa"/>
+        <a:font script="Sora" typeface="Nirmala UI"/>
+        <a:font script="Tale" typeface="Microsoft Tai Le"/>
+        <a:font script="Talu" typeface="Microsoft New Tai Lue"/>
+        <a:font script="Tfng" typeface="Ebrima"/>
+      </a:minorFont>
+    </a:fontScheme>
+    <a:fmtScheme name="Office">
+      <a:fillStyleLst>
+        <a:solidFill>
+          <a:schemeClr val="phClr"/>
+        </a:solidFill>
+        <a:gradFill rotWithShape="1">
+          <a:gsLst>
+            <a:gs pos="0">
+              <a:schemeClr val="phClr">
+                <a:lumMod val="110000"/>
+                <a:satMod val="105000"/>
+                <a:tint val="67000"/>
+              </a:schemeClr>
+            </a:gs>
+            <a:gs pos="50000">
+              <a:schemeClr val="phClr">
+                <a:lumMod val="105000"/>
+                <a:satMod val="103000"/>
+                <a:tint val="73000"/>
+              </a:schemeClr>
+            </a:gs>
+            <a:gs pos="100000">
+              <a:schemeClr val="phClr">
+                <a:lumMod val="105000"/>
+                <a:satMod val="109000"/>
+                <a:tint val="81000"/>
+              </a:schemeClr>
+            </a:gs>
+          </a:gsLst>
+          <a:lin ang="5400000" scaled="0"/>
+        </a:gradFill>
+        <a:gradFill rotWithShape="1">
+          <a:gsLst>
+            <a:gs pos="0">
+              <a:schemeClr val="phClr">
+                <a:satMod val="103000"/>
+                <a:lumMod val="102000"/>
+                <a:tint val="94000"/>
+              </a:schemeClr>
+            </a:gs>
+            <a:gs pos="50000">
+              <a:schemeClr val="phClr">
+                <a:satMod val="110000"/>
+                <a:lumMod val="100000"/>
+                <a:shade val="100000"/>
+              </a:schemeClr>
+            </a:gs>
+            <a:gs pos="100000">
+              <a:schemeClr val="phClr">
+                <a:lumMod val="99000"/>
+                <a:satMod val="120000"/>
+                <a:shade val="78000"/>
+              </a:schemeClr>
+            </a:gs>
+          </a:gsLst>
+          <a:lin ang="5400000" scaled="0"/>
+        </a:gradFill>
+      </a:fillStyleLst>
+      <a:lnStyleLst>
+        <a:ln w="6350" cap="flat" cmpd="sng" algn="ctr">
+          <a:solidFill>
+            <a:schemeClr val="phClr"/>
+          </a:solidFill>
+          <a:prstDash val="solid"/>
+          <a:miter lim="800000"/>
+        </a:ln>
+        <a:ln w="12700" cap="flat" cmpd="sng" algn="ctr">
+          <a:solidFill>
+            <a:schemeClr val="phClr"/>
+          </a:solidFill>
+          <a:prstDash val="solid"/>
+          <a:miter lim="800000"/>
+        </a:ln>
+        <a:ln w="19050" cap="flat" cmpd="sng" algn="ctr">
+          <a:solidFill>
+            <a:schemeClr val="phClr"/>
+          </a:solidFill>
+          <a:prstDash val="solid"/>
+          <a:miter lim="800000"/>
+        </a:ln>
+      </a:lnStyleLst>
+      <a:effectStyleLst>
+        <a:effectStyle>
+          <a:effectLst/>
+        </a:effectStyle>
+        <a:effectStyle>
+          <a:effectLst/>
+        </a:effectStyle>
+        <a:effectStyle>
+          <a:effectLst>
+            <a:outerShdw blurRad="57150" dist="19050" dir="5400000" algn="ctr" rotWithShape="0">
+              <a:srgbClr val="000000">
+                <a:alpha val="63000"/>
+              </a:srgbClr>
+            </a:outerShdw>
+          </a:effectLst>
+        </a:effectStyle>
+      </a:effectStyleLst>
+      <a:bgFillStyleLst>
+        <a:solidFill>
+          <a:schemeClr val="phClr"/>
+        </a:solidFill>
+        <a:solidFill>
+          <a:schemeClr val="phClr">
+            <a:tint val="95000"/>
+            <a:satMod val="170000"/>
+          </a:schemeClr>
+        </a:solidFill>
+        <a:gradFill rotWithShape="1">
+          <a:gsLst>
+            <a:gs pos="0">
+              <a:schemeClr val="phClr">
+                <a:tint val="93000"/>
+                <a:satMod val="150000"/>
+                <a:shade val="98000"/>
+                <a:lumMod val="102000"/>
+              </a:schemeClr>
+            </a:gs>
+            <a:gs pos="50000">
+              <a:schemeClr val="phClr">
+                <a:tint val="98000"/>
+                <a:satMod val="130000"/>
+                <a:shade val="90000"/>
+                <a:lumMod val="103000"/>
+              </a:schemeClr>
+            </a:gs>
+            <a:gs pos="100000">
+              <a:schemeClr val="phClr">
+                <a:shade val="63000"/>
+                <a:satMod val="120000"/>
+              </a:schemeClr>
+            </a:gs>
+          </a:gsLst>
+          <a:lin ang="5400000" scaled="0"/>
+        </a:gradFill>
+      </a:bgFillStyleLst>
+    </a:fmtScheme>
+  </a:themeElements>
+  <a:objectDefaults/>
+  <a:extraClrSchemeLst/>
+  <a:extLst>
+    <a:ext uri="{05A4C25C-085E-4340-85A3-A5531E510DB2}">
+      <thm15:themeFamily xmlns:thm15="http://schemas.microsoft.com/office/thememl/2012/main" name="Office Theme" id="{62F939B6-93AF-4DB8-9C6B-D6C7DFDC589F}" vid="{4A3C46E8-61CC-4603-A589-7422A47A8E4A}"/>
+    </a:ext>
+  </a:extLst>
+</a:theme>
 </file>
--- a/Ecc Cipher.pptx
+++ b/Ecc Cipher.pptx
@@ -5,7 +5,7 @@
     <p:sldMasterId id="2147483785" r:id="rId1"/>
   </p:sldMasterIdLst>
   <p:notesMasterIdLst>
-    <p:notesMasterId r:id="rId10"/>
+    <p:notesMasterId r:id="rId9"/>
   </p:notesMasterIdLst>
   <p:sldIdLst>
     <p:sldId id="256" r:id="rId2"/>
@@ -14,8 +14,7 @@
     <p:sldId id="294" r:id="rId5"/>
     <p:sldId id="293" r:id="rId6"/>
     <p:sldId id="292" r:id="rId7"/>
-    <p:sldId id="296" r:id="rId8"/>
-    <p:sldId id="259" r:id="rId9"/>
+    <p:sldId id="259" r:id="rId8"/>
   </p:sldIdLst>
   <p:sldSz cx="12192000" cy="6858000"/>
   <p:notesSz cx="6858000" cy="9144000"/>
@@ -204,7 +203,7 @@
           <a:p>
             <a:fld id="{9FB1AB82-4106-4417-BAEC-8FD1733E29D9}" type="datetimeFigureOut">
               <a:rPr lang="en-US" smtClean="0"/>
-              <a:t>4/14/2021</a:t>
+              <a:t>4/15/2021</a:t>
             </a:fld>
             <a:endParaRPr lang="en-US"/>
           </a:p>
@@ -515,23 +514,20 @@
           <a:bodyPr/>
           <a:lstStyle/>
           <a:p>
+            <a:pPr marL="171450" indent="-171450">
+              <a:buFontTx/>
+              <a:buChar char="-"/>
+            </a:pPr>
             <a:r>
               <a:rPr lang="en-US" dirty="0"/>
-              <a:t>RSA Cipher algo and info</a:t>
-            </a:r>
-          </a:p>
-          <a:p>
-            <a:r>
-              <a:rPr lang="en-US" dirty="0"/>
-              <a:t>Adv &amp; </a:t>
-            </a:r>
-            <a:r>
-              <a:rPr lang="en-US" dirty="0" err="1"/>
-              <a:t>disadv</a:t>
-            </a:r>
-            <a:endParaRPr lang="en-US" dirty="0"/>
-          </a:p>
-          <a:p>
+              <a:t>Do we add related MATH ??</a:t>
+            </a:r>
+          </a:p>
+          <a:p>
+            <a:pPr marL="171450" indent="-171450">
+              <a:buFontTx/>
+              <a:buChar char="-"/>
+            </a:pPr>
             <a:endParaRPr lang="en-US" dirty="0"/>
           </a:p>
           <a:p>
@@ -572,6 +568,332 @@
     <p:extLst>
       <p:ext uri="{BB962C8B-B14F-4D97-AF65-F5344CB8AC3E}">
         <p14:creationId xmlns:p14="http://schemas.microsoft.com/office/powerpoint/2010/main" val="3616774627"/>
+      </p:ext>
+    </p:extLst>
+  </p:cSld>
+  <p:clrMapOvr>
+    <a:masterClrMapping/>
+  </p:clrMapOvr>
+</p:notes>
+</file>
+
+<file path=ppt/notesSlides/notesSlide2.xml><?xml version="1.0" encoding="utf-8"?>
+<p:notes xmlns:a="http://schemas.openxmlformats.org/drawingml/2006/main" xmlns:r="http://schemas.openxmlformats.org/officeDocument/2006/relationships" xmlns:p="http://schemas.openxmlformats.org/presentationml/2006/main">
+  <p:cSld>
+    <p:spTree>
+      <p:nvGrpSpPr>
+        <p:cNvPr id="1" name=""/>
+        <p:cNvGrpSpPr/>
+        <p:nvPr/>
+      </p:nvGrpSpPr>
+      <p:grpSpPr>
+        <a:xfrm>
+          <a:off x="0" y="0"/>
+          <a:ext cx="0" cy="0"/>
+          <a:chOff x="0" y="0"/>
+          <a:chExt cx="0" cy="0"/>
+        </a:xfrm>
+      </p:grpSpPr>
+      <p:sp>
+        <p:nvSpPr>
+          <p:cNvPr id="2" name="Slide Image Placeholder 1"/>
+          <p:cNvSpPr>
+            <a:spLocks noGrp="1" noRot="1" noChangeAspect="1"/>
+          </p:cNvSpPr>
+          <p:nvPr>
+            <p:ph type="sldImg"/>
+          </p:nvPr>
+        </p:nvSpPr>
+        <p:spPr/>
+      </p:sp>
+      <p:sp>
+        <p:nvSpPr>
+          <p:cNvPr id="3" name="Notes Placeholder 2"/>
+          <p:cNvSpPr>
+            <a:spLocks noGrp="1"/>
+          </p:cNvSpPr>
+          <p:nvPr>
+            <p:ph type="body" idx="1"/>
+          </p:nvPr>
+        </p:nvSpPr>
+        <p:spPr/>
+        <p:txBody>
+          <a:bodyPr/>
+          <a:lstStyle/>
+          <a:p>
+            <a:r>
+              <a:rPr lang="en-US" dirty="0"/>
+              <a:t>ECC</a:t>
+            </a:r>
+          </a:p>
+          <a:p>
+            <a:r>
+              <a:rPr lang="en-US" dirty="0"/>
+              <a:t>Why is it better than RSA ?</a:t>
+            </a:r>
+          </a:p>
+          <a:p>
+            <a:endParaRPr lang="en-US" dirty="0"/>
+          </a:p>
+          <a:p>
+            <a:r>
+              <a:rPr lang="en-US" dirty="0"/>
+              <a:t>1 min</a:t>
+            </a:r>
+          </a:p>
+          <a:p>
+            <a:endParaRPr lang="en-US" dirty="0"/>
+          </a:p>
+        </p:txBody>
+      </p:sp>
+      <p:sp>
+        <p:nvSpPr>
+          <p:cNvPr id="4" name="Slide Number Placeholder 3"/>
+          <p:cNvSpPr>
+            <a:spLocks noGrp="1"/>
+          </p:cNvSpPr>
+          <p:nvPr>
+            <p:ph type="sldNum" sz="quarter" idx="5"/>
+          </p:nvPr>
+        </p:nvSpPr>
+        <p:spPr/>
+        <p:txBody>
+          <a:bodyPr/>
+          <a:lstStyle/>
+          <a:p>
+            <a:fld id="{E3BFD279-5C0D-4577-8BC8-F2A99E0295D8}" type="slidenum">
+              <a:rPr lang="en-US" smtClean="0"/>
+              <a:t>5</a:t>
+            </a:fld>
+            <a:endParaRPr lang="en-US"/>
+          </a:p>
+        </p:txBody>
+      </p:sp>
+    </p:spTree>
+    <p:extLst>
+      <p:ext uri="{BB962C8B-B14F-4D97-AF65-F5344CB8AC3E}">
+        <p14:creationId xmlns:p14="http://schemas.microsoft.com/office/powerpoint/2010/main" val="3166714826"/>
+      </p:ext>
+    </p:extLst>
+  </p:cSld>
+  <p:clrMapOvr>
+    <a:masterClrMapping/>
+  </p:clrMapOvr>
+</p:notes>
+</file>
+
+<file path=ppt/notesSlides/notesSlide3.xml><?xml version="1.0" encoding="utf-8"?>
+<p:notes xmlns:a="http://schemas.openxmlformats.org/drawingml/2006/main" xmlns:r="http://schemas.openxmlformats.org/officeDocument/2006/relationships" xmlns:p="http://schemas.openxmlformats.org/presentationml/2006/main">
+  <p:cSld>
+    <p:spTree>
+      <p:nvGrpSpPr>
+        <p:cNvPr id="1" name=""/>
+        <p:cNvGrpSpPr/>
+        <p:nvPr/>
+      </p:nvGrpSpPr>
+      <p:grpSpPr>
+        <a:xfrm>
+          <a:off x="0" y="0"/>
+          <a:ext cx="0" cy="0"/>
+          <a:chOff x="0" y="0"/>
+          <a:chExt cx="0" cy="0"/>
+        </a:xfrm>
+      </p:grpSpPr>
+      <p:sp>
+        <p:nvSpPr>
+          <p:cNvPr id="2" name="Slide Image Placeholder 1"/>
+          <p:cNvSpPr>
+            <a:spLocks noGrp="1" noRot="1" noChangeAspect="1"/>
+          </p:cNvSpPr>
+          <p:nvPr>
+            <p:ph type="sldImg"/>
+          </p:nvPr>
+        </p:nvSpPr>
+        <p:spPr/>
+      </p:sp>
+      <p:sp>
+        <p:nvSpPr>
+          <p:cNvPr id="3" name="Notes Placeholder 2"/>
+          <p:cNvSpPr>
+            <a:spLocks noGrp="1"/>
+          </p:cNvSpPr>
+          <p:nvPr>
+            <p:ph type="body" idx="1"/>
+          </p:nvPr>
+        </p:nvSpPr>
+        <p:spPr/>
+        <p:txBody>
+          <a:bodyPr/>
+          <a:lstStyle/>
+          <a:p>
+            <a:r>
+              <a:rPr lang="en-US" dirty="0"/>
+              <a:t>ECC Theory</a:t>
+            </a:r>
+          </a:p>
+          <a:p>
+            <a:endParaRPr lang="en-US" dirty="0"/>
+          </a:p>
+          <a:p>
+            <a:r>
+              <a:rPr lang="en-US" dirty="0"/>
+              <a:t>1 min</a:t>
+            </a:r>
+          </a:p>
+          <a:p>
+            <a:endParaRPr lang="en-US" dirty="0"/>
+          </a:p>
+        </p:txBody>
+      </p:sp>
+      <p:sp>
+        <p:nvSpPr>
+          <p:cNvPr id="4" name="Slide Number Placeholder 3"/>
+          <p:cNvSpPr>
+            <a:spLocks noGrp="1"/>
+          </p:cNvSpPr>
+          <p:nvPr>
+            <p:ph type="sldNum" sz="quarter" idx="5"/>
+          </p:nvPr>
+        </p:nvSpPr>
+        <p:spPr/>
+        <p:txBody>
+          <a:bodyPr/>
+          <a:lstStyle/>
+          <a:p>
+            <a:fld id="{E3BFD279-5C0D-4577-8BC8-F2A99E0295D8}" type="slidenum">
+              <a:rPr lang="en-US" smtClean="0"/>
+              <a:t>6</a:t>
+            </a:fld>
+            <a:endParaRPr lang="en-US"/>
+          </a:p>
+        </p:txBody>
+      </p:sp>
+    </p:spTree>
+    <p:extLst>
+      <p:ext uri="{BB962C8B-B14F-4D97-AF65-F5344CB8AC3E}">
+        <p14:creationId xmlns:p14="http://schemas.microsoft.com/office/powerpoint/2010/main" val="3777384988"/>
+      </p:ext>
+    </p:extLst>
+  </p:cSld>
+  <p:clrMapOvr>
+    <a:masterClrMapping/>
+  </p:clrMapOvr>
+</p:notes>
+</file>
+
+<file path=ppt/notesSlides/notesSlide4.xml><?xml version="1.0" encoding="utf-8"?>
+<p:notes xmlns:a="http://schemas.openxmlformats.org/drawingml/2006/main" xmlns:r="http://schemas.openxmlformats.org/officeDocument/2006/relationships" xmlns:p="http://schemas.openxmlformats.org/presentationml/2006/main">
+  <p:cSld>
+    <p:spTree>
+      <p:nvGrpSpPr>
+        <p:cNvPr id="1" name=""/>
+        <p:cNvGrpSpPr/>
+        <p:nvPr/>
+      </p:nvGrpSpPr>
+      <p:grpSpPr>
+        <a:xfrm>
+          <a:off x="0" y="0"/>
+          <a:ext cx="0" cy="0"/>
+          <a:chOff x="0" y="0"/>
+          <a:chExt cx="0" cy="0"/>
+        </a:xfrm>
+      </p:grpSpPr>
+      <p:sp>
+        <p:nvSpPr>
+          <p:cNvPr id="2" name="Slide Image Placeholder 1"/>
+          <p:cNvSpPr>
+            <a:spLocks noGrp="1" noRot="1" noChangeAspect="1"/>
+          </p:cNvSpPr>
+          <p:nvPr>
+            <p:ph type="sldImg"/>
+          </p:nvPr>
+        </p:nvSpPr>
+        <p:spPr/>
+      </p:sp>
+      <p:sp>
+        <p:nvSpPr>
+          <p:cNvPr id="3" name="Notes Placeholder 2"/>
+          <p:cNvSpPr>
+            <a:spLocks noGrp="1"/>
+          </p:cNvSpPr>
+          <p:nvPr>
+            <p:ph type="body" idx="1"/>
+          </p:nvPr>
+        </p:nvSpPr>
+        <p:spPr/>
+        <p:txBody>
+          <a:bodyPr/>
+          <a:lstStyle/>
+          <a:p>
+            <a:r>
+              <a:rPr lang="en-US" dirty="0"/>
+              <a:t>Our research paper info (3-4 slides)</a:t>
+            </a:r>
+          </a:p>
+          <a:p>
+            <a:r>
+              <a:rPr lang="en-US" dirty="0"/>
+              <a:t>And what we are going to do</a:t>
+            </a:r>
+          </a:p>
+          <a:p>
+            <a:endParaRPr lang="en-US" dirty="0"/>
+          </a:p>
+          <a:p>
+            <a:r>
+              <a:rPr lang="en-US" dirty="0"/>
+              <a:t>We are going to implement the different curves, </a:t>
+            </a:r>
+            <a:r>
+              <a:rPr lang="en-US" dirty="0" err="1"/>
+              <a:t>analyse</a:t>
+            </a:r>
+            <a:r>
+              <a:rPr lang="en-US" dirty="0"/>
+              <a:t> them using python </a:t>
+            </a:r>
+          </a:p>
+          <a:p>
+            <a:endParaRPr lang="en-US" dirty="0"/>
+          </a:p>
+          <a:p>
+            <a:r>
+              <a:rPr lang="en-US" dirty="0"/>
+              <a:t>4-5 min</a:t>
+            </a:r>
+          </a:p>
+          <a:p>
+            <a:endParaRPr lang="en-US" dirty="0"/>
+          </a:p>
+        </p:txBody>
+      </p:sp>
+      <p:sp>
+        <p:nvSpPr>
+          <p:cNvPr id="4" name="Slide Number Placeholder 3"/>
+          <p:cNvSpPr>
+            <a:spLocks noGrp="1"/>
+          </p:cNvSpPr>
+          <p:nvPr>
+            <p:ph type="sldNum" sz="quarter" idx="5"/>
+          </p:nvPr>
+        </p:nvSpPr>
+        <p:spPr/>
+        <p:txBody>
+          <a:bodyPr/>
+          <a:lstStyle/>
+          <a:p>
+            <a:fld id="{E3BFD279-5C0D-4577-8BC8-F2A99E0295D8}" type="slidenum">
+              <a:rPr lang="en-US" smtClean="0"/>
+              <a:t>7</a:t>
+            </a:fld>
+            <a:endParaRPr lang="en-US"/>
+          </a:p>
+        </p:txBody>
+      </p:sp>
+    </p:spTree>
+    <p:extLst>
+      <p:ext uri="{BB962C8B-B14F-4D97-AF65-F5344CB8AC3E}">
+        <p14:creationId xmlns:p14="http://schemas.microsoft.com/office/powerpoint/2010/main" val="3700418"/>
       </p:ext>
     </p:extLst>
   </p:cSld>
@@ -750,7 +1072,7 @@
           <a:p>
             <a:fld id="{09504ED6-4339-4D14-9311-7D7EDD79FD57}" type="datetimeFigureOut">
               <a:rPr lang="en-US" smtClean="0"/>
-              <a:t>4/14/2021</a:t>
+              <a:t>4/15/2021</a:t>
             </a:fld>
             <a:endParaRPr lang="en-US"/>
           </a:p>
@@ -1080,7 +1402,7 @@
           <a:p>
             <a:fld id="{09504ED6-4339-4D14-9311-7D7EDD79FD57}" type="datetimeFigureOut">
               <a:rPr lang="en-US" smtClean="0"/>
-              <a:t>4/14/2021</a:t>
+              <a:t>4/15/2021</a:t>
             </a:fld>
             <a:endParaRPr lang="en-US"/>
           </a:p>
@@ -1260,7 +1582,7 @@
           <a:p>
             <a:fld id="{09504ED6-4339-4D14-9311-7D7EDD79FD57}" type="datetimeFigureOut">
               <a:rPr lang="en-US" smtClean="0"/>
-              <a:t>4/14/2021</a:t>
+              <a:t>4/15/2021</a:t>
             </a:fld>
             <a:endParaRPr lang="en-US"/>
           </a:p>
@@ -1430,7 +1752,7 @@
           <a:p>
             <a:fld id="{09504ED6-4339-4D14-9311-7D7EDD79FD57}" type="datetimeFigureOut">
               <a:rPr lang="en-US" smtClean="0"/>
-              <a:t>4/14/2021</a:t>
+              <a:t>4/15/2021</a:t>
             </a:fld>
             <a:endParaRPr lang="en-US"/>
           </a:p>
@@ -1707,7 +2029,7 @@
           <a:p>
             <a:fld id="{09504ED6-4339-4D14-9311-7D7EDD79FD57}" type="datetimeFigureOut">
               <a:rPr lang="en-US" smtClean="0"/>
-              <a:t>4/14/2021</a:t>
+              <a:t>4/15/2021</a:t>
             </a:fld>
             <a:endParaRPr lang="en-US"/>
           </a:p>
@@ -2101,7 +2423,7 @@
           <a:p>
             <a:fld id="{09504ED6-4339-4D14-9311-7D7EDD79FD57}" type="datetimeFigureOut">
               <a:rPr lang="en-US" smtClean="0"/>
-              <a:t>4/14/2021</a:t>
+              <a:t>4/15/2021</a:t>
             </a:fld>
             <a:endParaRPr lang="en-US"/>
           </a:p>
@@ -2578,7 +2900,7 @@
           <a:p>
             <a:fld id="{09504ED6-4339-4D14-9311-7D7EDD79FD57}" type="datetimeFigureOut">
               <a:rPr lang="en-US" smtClean="0"/>
-              <a:t>4/14/2021</a:t>
+              <a:t>4/15/2021</a:t>
             </a:fld>
             <a:endParaRPr lang="en-US"/>
           </a:p>
@@ -2696,7 +3018,7 @@
           <a:p>
             <a:fld id="{09504ED6-4339-4D14-9311-7D7EDD79FD57}" type="datetimeFigureOut">
               <a:rPr lang="en-US" smtClean="0"/>
-              <a:t>4/14/2021</a:t>
+              <a:t>4/15/2021</a:t>
             </a:fld>
             <a:endParaRPr lang="en-US"/>
           </a:p>
@@ -2791,7 +3113,7 @@
           <a:p>
             <a:fld id="{09504ED6-4339-4D14-9311-7D7EDD79FD57}" type="datetimeFigureOut">
               <a:rPr lang="en-US" smtClean="0"/>
-              <a:t>4/14/2021</a:t>
+              <a:t>4/15/2021</a:t>
             </a:fld>
             <a:endParaRPr lang="en-US"/>
           </a:p>
@@ -3137,7 +3459,7 @@
           <a:p>
             <a:fld id="{09504ED6-4339-4D14-9311-7D7EDD79FD57}" type="datetimeFigureOut">
               <a:rPr lang="en-US" smtClean="0"/>
-              <a:t>4/14/2021</a:t>
+              <a:t>4/15/2021</a:t>
             </a:fld>
             <a:endParaRPr lang="en-US"/>
           </a:p>
@@ -3525,7 +3847,7 @@
           <a:p>
             <a:fld id="{09504ED6-4339-4D14-9311-7D7EDD79FD57}" type="datetimeFigureOut">
               <a:rPr lang="en-US" smtClean="0"/>
-              <a:t>4/14/2021</a:t>
+              <a:t>4/15/2021</a:t>
             </a:fld>
             <a:endParaRPr lang="en-US"/>
           </a:p>
@@ -3803,7 +4125,7 @@
           <a:p>
             <a:fld id="{09504ED6-4339-4D14-9311-7D7EDD79FD57}" type="datetimeFigureOut">
               <a:rPr lang="en-US" smtClean="0"/>
-              <a:t>4/14/2021</a:t>
+              <a:t>4/15/2021</a:t>
             </a:fld>
             <a:endParaRPr lang="en-US"/>
           </a:p>
@@ -4333,8 +4655,8 @@
         </p:nvSpPr>
         <p:spPr>
           <a:xfrm>
-            <a:off x="1357460" y="1230197"/>
-            <a:ext cx="8843740" cy="2656483"/>
+            <a:off x="1377280" y="775973"/>
+            <a:ext cx="9437440" cy="3447680"/>
           </a:xfrm>
         </p:spPr>
         <p:txBody>
@@ -4345,15 +4667,67 @@
           <a:p>
             <a:pPr algn="ctr"/>
             <a:r>
-              <a:rPr lang="en-US" sz="3600" b="1" dirty="0">
+              <a:rPr lang="en-US" sz="3800" b="1" dirty="0">
                 <a:effectLst/>
-                <a:latin typeface="Times New Roman" panose="02020603050405020304" pitchFamily="18" charset="0"/>
                 <a:ea typeface="Calibri" panose="020F0502020204030204" pitchFamily="34" charset="0"/>
                 <a:cs typeface="Times New Roman" panose="02020603050405020304" pitchFamily="18" charset="0"/>
               </a:rPr>
-              <a:t>Analysis of standard elliptic curves for the implementation of ECC Cipher in resource-constrained environments</a:t>
-            </a:r>
-            <a:endParaRPr lang="en-US" sz="3600" dirty="0"/>
+              <a:t>Analysis of standard elliptic curves </a:t>
+            </a:r>
+            <a:r>
+              <a:rPr lang="en-US" sz="3800" b="1" i="1" dirty="0">
+                <a:effectLst/>
+                <a:ea typeface="Calibri" panose="020F0502020204030204" pitchFamily="34" charset="0"/>
+                <a:cs typeface="Times New Roman" panose="02020603050405020304" pitchFamily="18" charset="0"/>
+              </a:rPr>
+              <a:t>for the </a:t>
+            </a:r>
+            <a:br>
+              <a:rPr lang="en-US" sz="3800" b="1" dirty="0">
+                <a:effectLst/>
+                <a:ea typeface="Calibri" panose="020F0502020204030204" pitchFamily="34" charset="0"/>
+                <a:cs typeface="Times New Roman" panose="02020603050405020304" pitchFamily="18" charset="0"/>
+              </a:rPr>
+            </a:br>
+            <a:r>
+              <a:rPr lang="en-US" sz="3800" b="1" dirty="0">
+                <a:effectLst/>
+                <a:ea typeface="Calibri" panose="020F0502020204030204" pitchFamily="34" charset="0"/>
+                <a:cs typeface="Times New Roman" panose="02020603050405020304" pitchFamily="18" charset="0"/>
+              </a:rPr>
+              <a:t>implementation of ECC </a:t>
+            </a:r>
+            <a:br>
+              <a:rPr lang="en-US" sz="3800" b="1" dirty="0">
+                <a:effectLst/>
+                <a:ea typeface="Calibri" panose="020F0502020204030204" pitchFamily="34" charset="0"/>
+                <a:cs typeface="Times New Roman" panose="02020603050405020304" pitchFamily="18" charset="0"/>
+              </a:rPr>
+            </a:br>
+            <a:r>
+              <a:rPr lang="en-US" sz="3800" b="1" i="1" dirty="0">
+                <a:effectLst/>
+                <a:ea typeface="Calibri" panose="020F0502020204030204" pitchFamily="34" charset="0"/>
+                <a:cs typeface="Times New Roman" panose="02020603050405020304" pitchFamily="18" charset="0"/>
+              </a:rPr>
+              <a:t>in </a:t>
+            </a:r>
+            <a:br>
+              <a:rPr lang="en-US" sz="3800" b="1" dirty="0">
+                <a:effectLst/>
+                <a:ea typeface="Calibri" panose="020F0502020204030204" pitchFamily="34" charset="0"/>
+                <a:cs typeface="Times New Roman" panose="02020603050405020304" pitchFamily="18" charset="0"/>
+              </a:rPr>
+            </a:br>
+            <a:r>
+              <a:rPr lang="en-US" sz="3800" b="1" dirty="0">
+                <a:effectLst/>
+                <a:ea typeface="Calibri" panose="020F0502020204030204" pitchFamily="34" charset="0"/>
+                <a:cs typeface="Times New Roman" panose="02020603050405020304" pitchFamily="18" charset="0"/>
+              </a:rPr>
+              <a:t>resource-constrained environments</a:t>
+            </a:r>
+            <a:endParaRPr lang="en-US" sz="3800" dirty="0"/>
           </a:p>
         </p:txBody>
       </p:sp>
@@ -4375,8 +4749,8 @@
         </p:nvSpPr>
         <p:spPr>
           <a:xfrm>
-            <a:off x="6249971" y="4374038"/>
-            <a:ext cx="4741616" cy="1253765"/>
+            <a:off x="6660682" y="4754880"/>
+            <a:ext cx="4340994" cy="933651"/>
           </a:xfrm>
         </p:spPr>
         <p:txBody>
@@ -4385,22 +4759,17 @@
           </a:bodyPr>
           <a:lstStyle/>
           <a:p>
-            <a:pPr algn="l"/>
+            <a:pPr algn="r"/>
             <a:r>
               <a:rPr lang="en-US" dirty="0"/>
-              <a:t>By:</a:t>
-            </a:r>
-          </a:p>
-          <a:p>
+              <a:t>Jaidev Chaudhary [189301036]</a:t>
+            </a:r>
+          </a:p>
+          <a:p>
+            <a:pPr algn="r"/>
             <a:r>
               <a:rPr lang="en-US" dirty="0"/>
-              <a:t> Jaidev Chaudhary 189301036</a:t>
-            </a:r>
-          </a:p>
-          <a:p>
-            <a:r>
-              <a:rPr lang="en-US" dirty="0"/>
-              <a:t>Saransh Sharma 189301164</a:t>
+              <a:t>Saransh Sharma [189301164]</a:t>
             </a:r>
           </a:p>
         </p:txBody>
@@ -4437,62 +4806,6 @@
       </p:grpSpPr>
       <p:sp>
         <p:nvSpPr>
-          <p:cNvPr id="2" name="Title 1">
-            <a:extLst>
-              <a:ext uri="{FF2B5EF4-FFF2-40B4-BE49-F238E27FC236}">
-                <a16:creationId xmlns:a16="http://schemas.microsoft.com/office/drawing/2014/main" id="{1EDA23A3-CD9E-47C5-A585-496B33178A8D}"/>
-              </a:ext>
-            </a:extLst>
-          </p:cNvPr>
-          <p:cNvSpPr>
-            <a:spLocks noGrp="1"/>
-          </p:cNvSpPr>
-          <p:nvPr>
-            <p:ph type="title"/>
-          </p:nvPr>
-        </p:nvSpPr>
-        <p:spPr/>
-        <p:txBody>
-          <a:bodyPr>
-            <a:normAutofit fontScale="90000"/>
-          </a:bodyPr>
-          <a:lstStyle/>
-          <a:p>
-            <a:r>
-              <a:rPr lang="en-US" b="1" i="0" cap="all" dirty="0">
-                <a:solidFill>
-                  <a:schemeClr val="tx1"/>
-                </a:solidFill>
-                <a:effectLst/>
-                <a:latin typeface="inherit"/>
-              </a:rPr>
-              <a:t>WHAT IS SYMMETRIC AND ASYMMETRIC KEY CRYPTOGRAPHY</a:t>
-            </a:r>
-            <a:r>
-              <a:rPr lang="en-US" b="1" i="0" cap="all" dirty="0">
-                <a:solidFill>
-                  <a:schemeClr val="tx1"/>
-                </a:solidFill>
-                <a:effectLst/>
-                <a:latin typeface="Montserrat"/>
-              </a:rPr>
-              <a:t>?</a:t>
-            </a:r>
-            <a:br>
-              <a:rPr lang="en-US" b="1" i="0" cap="all" dirty="0">
-                <a:solidFill>
-                  <a:srgbClr val="0693E3"/>
-                </a:solidFill>
-                <a:effectLst/>
-                <a:latin typeface="Montserrat"/>
-              </a:rPr>
-            </a:br>
-            <a:endParaRPr lang="en-US" dirty="0"/>
-          </a:p>
-        </p:txBody>
-      </p:sp>
-      <p:sp>
-        <p:nvSpPr>
           <p:cNvPr id="3" name="Content Placeholder 2">
             <a:extLst>
               <a:ext uri="{FF2B5EF4-FFF2-40B4-BE49-F238E27FC236}">
@@ -4509,48 +4822,19 @@
         </p:nvSpPr>
         <p:spPr/>
         <p:txBody>
-          <a:bodyPr/>
+          <a:bodyPr>
+            <a:normAutofit/>
+          </a:bodyPr>
           <a:lstStyle/>
           <a:p>
             <a:r>
-              <a:rPr lang="en-US" b="0" i="0" dirty="0">
+              <a:rPr lang="en-US" sz="2400" b="0" i="0" dirty="0">
                 <a:solidFill>
                   <a:srgbClr val="323C3E"/>
                 </a:solidFill>
                 <a:effectLst/>
-                <a:latin typeface="Lato"/>
               </a:rPr>
-              <a:t> </a:t>
-            </a:r>
-            <a:r>
-              <a:rPr lang="en-US" sz="2400" b="0" i="0" dirty="0">
-                <a:solidFill>
-                  <a:srgbClr val="323C3E"/>
-                </a:solidFill>
-                <a:effectLst/>
-                <a:latin typeface="Lato"/>
-              </a:rPr>
-              <a:t>In Symmetric-key encryption, the message is encrypted using a key and decrypted with the same key, making it simple to use but </a:t>
-            </a:r>
-            <a:r>
-              <a:rPr lang="en-US" sz="2400" b="0" i="0">
-                <a:solidFill>
-                  <a:srgbClr val="323C3E"/>
-                </a:solidFill>
-                <a:effectLst/>
-                <a:latin typeface="Lato"/>
-              </a:rPr>
-              <a:t>less secure. </a:t>
-            </a:r>
-            <a:r>
-              <a:rPr lang="en-US" sz="2400" b="0" i="0" dirty="0">
-                <a:solidFill>
-                  <a:srgbClr val="323C3E"/>
-                </a:solidFill>
-                <a:effectLst/>
-                <a:latin typeface="Lato"/>
-              </a:rPr>
-              <a:t>It also needs a secure way of moving the key from one party to another.</a:t>
+              <a:t> In Symmetric-key encryption, the message is encrypted using a key and decrypted with the same key, making it simple to use but less secure. It also needs a secure way of moving the key from one party to another.</a:t>
             </a:r>
           </a:p>
           <a:p>
@@ -4562,7 +4846,6 @@
                 <a:srgbClr val="323C3E"/>
               </a:solidFill>
               <a:effectLst/>
-              <a:latin typeface="Lato"/>
             </a:endParaRPr>
           </a:p>
           <a:p>
@@ -4572,11 +4855,116 @@
                   <a:srgbClr val="323C3E"/>
                 </a:solidFill>
                 <a:effectLst/>
-                <a:latin typeface="Lato"/>
               </a:rPr>
               <a:t>Asymmetric Key Encryption is for both for public and private key encryption strategy. It uses separate keys to encrypt and decrypt a message or document. It is more reliable than the symmetric key encryption method, but it is relatively slower.</a:t>
             </a:r>
             <a:endParaRPr lang="en-US" sz="2400" dirty="0"/>
+          </a:p>
+        </p:txBody>
+      </p:sp>
+      <p:sp>
+        <p:nvSpPr>
+          <p:cNvPr id="4" name="Title 1">
+            <a:extLst>
+              <a:ext uri="{FF2B5EF4-FFF2-40B4-BE49-F238E27FC236}">
+                <a16:creationId xmlns:a16="http://schemas.microsoft.com/office/drawing/2014/main" id="{9D9FC50B-0130-4D44-99AE-03F16D1493CD}"/>
+              </a:ext>
+            </a:extLst>
+          </p:cNvPr>
+          <p:cNvSpPr txBox="1">
+            <a:spLocks/>
+          </p:cNvSpPr>
+          <p:nvPr/>
+        </p:nvSpPr>
+        <p:spPr>
+          <a:xfrm>
+            <a:off x="1371600" y="520567"/>
+            <a:ext cx="9601200" cy="1485900"/>
+          </a:xfrm>
+          <a:prstGeom prst="rect">
+            <a:avLst/>
+          </a:prstGeom>
+        </p:spPr>
+        <p:txBody>
+          <a:bodyPr vert="horz" lIns="91440" tIns="45720" rIns="91440" bIns="45720" rtlCol="0" anchor="t">
+            <a:normAutofit/>
+          </a:bodyPr>
+          <a:lstStyle>
+            <a:lvl1pPr algn="l" defTabSz="914400" rtl="0" eaLnBrk="1" latinLnBrk="0" hangingPunct="1">
+              <a:lnSpc>
+                <a:spcPct val="89000"/>
+              </a:lnSpc>
+              <a:spcBef>
+                <a:spcPct val="0"/>
+              </a:spcBef>
+              <a:buNone/>
+              <a:defRPr sz="4400" kern="1200" baseline="0">
+                <a:solidFill>
+                  <a:schemeClr val="tx2"/>
+                </a:solidFill>
+                <a:latin typeface="+mj-lt"/>
+                <a:ea typeface="+mj-ea"/>
+                <a:cs typeface="+mj-cs"/>
+              </a:defRPr>
+            </a:lvl1pPr>
+          </a:lstStyle>
+          <a:p>
+            <a:r>
+              <a:rPr lang="en-US" sz="3600" b="1" cap="all" dirty="0">
+                <a:solidFill>
+                  <a:schemeClr val="tx1"/>
+                </a:solidFill>
+              </a:rPr>
+              <a:t>WHAT IS </a:t>
+            </a:r>
+            <a:r>
+              <a:rPr lang="en-US" b="1" cap="all" dirty="0">
+                <a:solidFill>
+                  <a:schemeClr val="tx1"/>
+                </a:solidFill>
+              </a:rPr>
+              <a:t>SYMMETRIC </a:t>
+            </a:r>
+            <a:r>
+              <a:rPr lang="en-US" sz="3600" b="1" cap="all" dirty="0">
+                <a:solidFill>
+                  <a:schemeClr val="tx1"/>
+                </a:solidFill>
+              </a:rPr>
+              <a:t>&amp;</a:t>
+            </a:r>
+            <a:br>
+              <a:rPr lang="en-US" b="1" cap="all" dirty="0">
+                <a:solidFill>
+                  <a:schemeClr val="tx1"/>
+                </a:solidFill>
+              </a:rPr>
+            </a:br>
+            <a:r>
+              <a:rPr lang="en-US" b="1" cap="all" dirty="0">
+                <a:solidFill>
+                  <a:schemeClr val="tx1"/>
+                </a:solidFill>
+              </a:rPr>
+              <a:t>ASYMMETRIC </a:t>
+            </a:r>
+            <a:r>
+              <a:rPr lang="en-US" sz="3600" b="1" cap="all" dirty="0">
+                <a:solidFill>
+                  <a:schemeClr val="tx1"/>
+                </a:solidFill>
+              </a:rPr>
+              <a:t>KEY CRYPTOGRAPHY</a:t>
+            </a:r>
+            <a:r>
+              <a:rPr lang="en-US" b="1" cap="all" dirty="0">
+                <a:solidFill>
+                  <a:schemeClr val="tx1"/>
+                </a:solidFill>
+              </a:rPr>
+              <a:t> ?</a:t>
+            </a:r>
+            <a:endParaRPr lang="en-US" dirty="0"/>
           </a:p>
         </p:txBody>
       </p:sp>
@@ -4626,14 +5014,35 @@
             <p:ph type="title"/>
           </p:nvPr>
         </p:nvSpPr>
-        <p:spPr/>
+        <p:spPr>
+          <a:xfrm>
+            <a:off x="1371600" y="685800"/>
+            <a:ext cx="9601200" cy="854242"/>
+          </a:xfrm>
+        </p:spPr>
         <p:txBody>
           <a:bodyPr/>
           <a:lstStyle/>
           <a:p>
             <a:r>
               <a:rPr lang="en-US" dirty="0"/>
-              <a:t>What is Private Key and Public Key?</a:t>
+              <a:t>What is </a:t>
+            </a:r>
+            <a:r>
+              <a:rPr lang="en-US" b="1" dirty="0"/>
+              <a:t>Private Key</a:t>
+            </a:r>
+            <a:r>
+              <a:rPr lang="en-US" dirty="0"/>
+              <a:t> and </a:t>
+            </a:r>
+            <a:r>
+              <a:rPr lang="en-US" b="1" dirty="0"/>
+              <a:t>Public Key </a:t>
+            </a:r>
+            <a:r>
+              <a:rPr lang="en-US" dirty="0"/>
+              <a:t>?</a:t>
             </a:r>
           </a:p>
         </p:txBody>
@@ -4656,59 +5065,92 @@
         </p:nvSpPr>
         <p:spPr/>
         <p:txBody>
-          <a:bodyPr/>
+          <a:bodyPr>
+            <a:normAutofit lnSpcReduction="10000"/>
+          </a:bodyPr>
           <a:lstStyle/>
           <a:p>
             <a:r>
-              <a:rPr lang="en-US" b="0" i="0" dirty="0">
+              <a:rPr lang="en-US" sz="2400" b="0" i="0" dirty="0">
                 <a:solidFill>
                   <a:srgbClr val="40424E"/>
                 </a:solidFill>
                 <a:effectLst/>
-                <a:latin typeface="urw-din"/>
               </a:rPr>
-              <a:t>In Private key, the same key (secret key) is used for encryption and decryption. In this case, the key is symmetric because the only key is copied or shared by another party to decrypt the cipher text. It is faster than public key cryptography.</a:t>
+              <a:t>In </a:t>
+            </a:r>
+            <a:r>
+              <a:rPr lang="en-US" sz="2400" b="1" i="0" dirty="0">
+                <a:solidFill>
+                  <a:srgbClr val="40424E"/>
+                </a:solidFill>
+                <a:effectLst/>
+              </a:rPr>
+              <a:t>Private key</a:t>
+            </a:r>
+            <a:r>
+              <a:rPr lang="en-US" sz="2400" b="0" i="0" dirty="0">
+                <a:solidFill>
+                  <a:srgbClr val="40424E"/>
+                </a:solidFill>
+                <a:effectLst/>
+              </a:rPr>
+              <a:t>, the same key (secret key) is used for encryption and decryption. In this case, the key is symmetric because the only key is copied or shared by another party to decrypt the cipher text. It is faster than public key cryptography.</a:t>
             </a:r>
           </a:p>
           <a:p>
             <a:pPr marL="0" indent="0">
               <a:buNone/>
             </a:pPr>
-            <a:endParaRPr lang="en-US" b="0" i="0" dirty="0">
+            <a:endParaRPr lang="en-US" sz="2400" b="0" i="0" dirty="0">
               <a:solidFill>
                 <a:srgbClr val="40424E"/>
               </a:solidFill>
               <a:effectLst/>
-              <a:latin typeface="urw-din"/>
             </a:endParaRPr>
           </a:p>
           <a:p>
             <a:r>
-              <a:rPr lang="en-US" b="0" i="0" dirty="0">
+              <a:rPr lang="en-US" sz="2400" b="0" i="0" dirty="0">
                 <a:solidFill>
                   <a:srgbClr val="40424E"/>
                 </a:solidFill>
                 <a:effectLst/>
-                <a:latin typeface="urw-din"/>
               </a:rPr>
-              <a:t>In Public key, two keys are used, one key is used for encryption and another key is used for decryption. One key (public key) is used </a:t>
-            </a:r>
-            <a:r>
-              <a:rPr lang="en-US" dirty="0">
+              <a:t>In </a:t>
+            </a:r>
+            <a:r>
+              <a:rPr lang="en-US" sz="2400" b="1" i="0" dirty="0">
                 <a:solidFill>
                   <a:srgbClr val="40424E"/>
                 </a:solidFill>
-                <a:latin typeface="urw-din"/>
+                <a:effectLst/>
+              </a:rPr>
+              <a:t>Public key</a:t>
+            </a:r>
+            <a:r>
+              <a:rPr lang="en-US" sz="2400" b="0" i="0" dirty="0">
+                <a:solidFill>
+                  <a:srgbClr val="40424E"/>
+                </a:solidFill>
+                <a:effectLst/>
+              </a:rPr>
+              <a:t>, two keys are used, one key is used for encryption and another key is used for decryption. One key (public key) is used </a:t>
+            </a:r>
+            <a:r>
+              <a:rPr lang="en-US" sz="2400" dirty="0">
+                <a:solidFill>
+                  <a:srgbClr val="40424E"/>
+                </a:solidFill>
               </a:rPr>
               <a:t>to</a:t>
             </a:r>
             <a:r>
-              <a:rPr lang="en-US" b="0" i="0" dirty="0">
+              <a:rPr lang="en-US" sz="2400" b="0" i="0" dirty="0">
                 <a:solidFill>
                   <a:srgbClr val="40424E"/>
                 </a:solidFill>
                 <a:effectLst/>
-                <a:latin typeface="urw-din"/>
               </a:rPr>
               <a:t> encrypt the plain text to convert it into cipher text and another key (private key) is used by receiver to decrypt the cipher text to read the message.</a:t>
             </a:r>
@@ -4745,6 +5187,349 @@
           <a:chExt cx="0" cy="0"/>
         </a:xfrm>
       </p:grpSpPr>
+      <p:sp>
+        <p:nvSpPr>
+          <p:cNvPr id="2" name="Title 1">
+            <a:extLst>
+              <a:ext uri="{FF2B5EF4-FFF2-40B4-BE49-F238E27FC236}">
+                <a16:creationId xmlns:a16="http://schemas.microsoft.com/office/drawing/2014/main" id="{CB8D7F8A-B3CE-4044-8B71-E9C56FD2C72D}"/>
+              </a:ext>
+            </a:extLst>
+          </p:cNvPr>
+          <p:cNvSpPr txBox="1">
+            <a:spLocks/>
+          </p:cNvSpPr>
+          <p:nvPr/>
+        </p:nvSpPr>
+        <p:spPr>
+          <a:xfrm>
+            <a:off x="1371600" y="685800"/>
+            <a:ext cx="3643162" cy="854242"/>
+          </a:xfrm>
+          <a:prstGeom prst="rect">
+            <a:avLst/>
+          </a:prstGeom>
+        </p:spPr>
+        <p:txBody>
+          <a:bodyPr/>
+          <a:lstStyle>
+            <a:lvl1pPr algn="l" defTabSz="914400" rtl="0" eaLnBrk="1" latinLnBrk="0" hangingPunct="1">
+              <a:lnSpc>
+                <a:spcPct val="89000"/>
+              </a:lnSpc>
+              <a:spcBef>
+                <a:spcPct val="0"/>
+              </a:spcBef>
+              <a:buNone/>
+              <a:defRPr sz="4400" kern="1200" baseline="0">
+                <a:solidFill>
+                  <a:schemeClr val="tx2"/>
+                </a:solidFill>
+                <a:latin typeface="+mj-lt"/>
+                <a:ea typeface="+mj-ea"/>
+                <a:cs typeface="+mj-cs"/>
+              </a:defRPr>
+            </a:lvl1pPr>
+          </a:lstStyle>
+          <a:p>
+            <a:r>
+              <a:rPr lang="en-US" dirty="0"/>
+              <a:t>RSA Algorithm</a:t>
+            </a:r>
+          </a:p>
+        </p:txBody>
+      </p:sp>
+      <p:sp>
+        <p:nvSpPr>
+          <p:cNvPr id="3" name="Content Placeholder 2">
+            <a:extLst>
+              <a:ext uri="{FF2B5EF4-FFF2-40B4-BE49-F238E27FC236}">
+                <a16:creationId xmlns:a16="http://schemas.microsoft.com/office/drawing/2014/main" id="{F904DF57-EEC4-487E-894A-D4BA79499A71}"/>
+              </a:ext>
+            </a:extLst>
+          </p:cNvPr>
+          <p:cNvSpPr txBox="1">
+            <a:spLocks/>
+          </p:cNvSpPr>
+          <p:nvPr/>
+        </p:nvSpPr>
+        <p:spPr>
+          <a:xfrm>
+            <a:off x="1371600" y="2054994"/>
+            <a:ext cx="9601200" cy="3581400"/>
+          </a:xfrm>
+          <a:prstGeom prst="rect">
+            <a:avLst/>
+          </a:prstGeom>
+        </p:spPr>
+        <p:txBody>
+          <a:bodyPr>
+            <a:normAutofit fontScale="92500" lnSpcReduction="10000"/>
+          </a:bodyPr>
+          <a:lstStyle>
+            <a:lvl1pPr marL="384048" indent="-384048" algn="l" defTabSz="914400" rtl="0" eaLnBrk="1" latinLnBrk="0" hangingPunct="1">
+              <a:lnSpc>
+                <a:spcPct val="94000"/>
+              </a:lnSpc>
+              <a:spcBef>
+                <a:spcPts val="1000"/>
+              </a:spcBef>
+              <a:spcAft>
+                <a:spcPts val="200"/>
+              </a:spcAft>
+              <a:buFont typeface="Franklin Gothic Book" panose="020B0503020102020204" pitchFamily="34" charset="0"/>
+              <a:buChar char="■"/>
+              <a:defRPr sz="2000" kern="1200" baseline="0">
+                <a:solidFill>
+                  <a:schemeClr val="tx2"/>
+                </a:solidFill>
+                <a:latin typeface="+mn-lt"/>
+                <a:ea typeface="+mn-ea"/>
+                <a:cs typeface="+mn-cs"/>
+              </a:defRPr>
+            </a:lvl1pPr>
+            <a:lvl2pPr marL="914400" indent="-384048" algn="l" defTabSz="914400" rtl="0" eaLnBrk="1" latinLnBrk="0" hangingPunct="1">
+              <a:lnSpc>
+                <a:spcPct val="94000"/>
+              </a:lnSpc>
+              <a:spcBef>
+                <a:spcPts val="500"/>
+              </a:spcBef>
+              <a:spcAft>
+                <a:spcPts val="200"/>
+              </a:spcAft>
+              <a:buFont typeface="Franklin Gothic Book" panose="020B0503020102020204" pitchFamily="34" charset="0"/>
+              <a:buChar char="–"/>
+              <a:defRPr sz="2000" i="1" kern="1200" baseline="0">
+                <a:solidFill>
+                  <a:schemeClr val="tx2"/>
+                </a:solidFill>
+                <a:latin typeface="+mn-lt"/>
+                <a:ea typeface="+mn-ea"/>
+                <a:cs typeface="+mn-cs"/>
+              </a:defRPr>
+            </a:lvl2pPr>
+            <a:lvl3pPr marL="1371600" indent="-384048" algn="l" defTabSz="914400" rtl="0" eaLnBrk="1" latinLnBrk="0" hangingPunct="1">
+              <a:lnSpc>
+                <a:spcPct val="94000"/>
+              </a:lnSpc>
+              <a:spcBef>
+                <a:spcPts val="500"/>
+              </a:spcBef>
+              <a:spcAft>
+                <a:spcPts val="200"/>
+              </a:spcAft>
+              <a:buFont typeface="Franklin Gothic Book" panose="020B0503020102020204" pitchFamily="34" charset="0"/>
+              <a:buChar char="■"/>
+              <a:defRPr sz="1800" kern="1200" baseline="0">
+                <a:solidFill>
+                  <a:schemeClr val="tx2"/>
+                </a:solidFill>
+                <a:latin typeface="+mn-lt"/>
+                <a:ea typeface="+mn-ea"/>
+                <a:cs typeface="+mn-cs"/>
+              </a:defRPr>
+            </a:lvl3pPr>
+            <a:lvl4pPr marL="1828800" indent="-384048" algn="l" defTabSz="914400" rtl="0" eaLnBrk="1" latinLnBrk="0" hangingPunct="1">
+              <a:lnSpc>
+                <a:spcPct val="94000"/>
+              </a:lnSpc>
+              <a:spcBef>
+                <a:spcPts val="500"/>
+              </a:spcBef>
+              <a:spcAft>
+                <a:spcPts val="200"/>
+              </a:spcAft>
+              <a:buFont typeface="Franklin Gothic Book" panose="020B0503020102020204" pitchFamily="34" charset="0"/>
+              <a:buChar char="–"/>
+              <a:defRPr sz="1800" i="1" kern="1200" baseline="0">
+                <a:solidFill>
+                  <a:schemeClr val="tx2"/>
+                </a:solidFill>
+                <a:latin typeface="+mn-lt"/>
+                <a:ea typeface="+mn-ea"/>
+                <a:cs typeface="+mn-cs"/>
+              </a:defRPr>
+            </a:lvl4pPr>
+            <a:lvl5pPr marL="2286000" indent="-384048" algn="l" defTabSz="914400" rtl="0" eaLnBrk="1" latinLnBrk="0" hangingPunct="1">
+              <a:lnSpc>
+                <a:spcPct val="94000"/>
+              </a:lnSpc>
+              <a:spcBef>
+                <a:spcPts val="500"/>
+              </a:spcBef>
+              <a:spcAft>
+                <a:spcPts val="200"/>
+              </a:spcAft>
+              <a:buFont typeface="Franklin Gothic Book" panose="020B0503020102020204" pitchFamily="34" charset="0"/>
+              <a:buChar char="■"/>
+              <a:defRPr sz="1600" kern="1200" baseline="0">
+                <a:solidFill>
+                  <a:schemeClr val="tx2"/>
+                </a:solidFill>
+                <a:latin typeface="+mn-lt"/>
+                <a:ea typeface="+mn-ea"/>
+                <a:cs typeface="+mn-cs"/>
+              </a:defRPr>
+            </a:lvl5pPr>
+            <a:lvl6pPr marL="2743200" indent="-384048" algn="l" defTabSz="914400" rtl="0" eaLnBrk="1" latinLnBrk="0" hangingPunct="1">
+              <a:lnSpc>
+                <a:spcPct val="94000"/>
+              </a:lnSpc>
+              <a:spcBef>
+                <a:spcPts val="500"/>
+              </a:spcBef>
+              <a:spcAft>
+                <a:spcPts val="200"/>
+              </a:spcAft>
+              <a:buFont typeface="Franklin Gothic Book" panose="020B0503020102020204" pitchFamily="34" charset="0"/>
+              <a:buChar char="–"/>
+              <a:defRPr sz="1600" i="1" kern="1200" baseline="0">
+                <a:solidFill>
+                  <a:schemeClr val="tx2"/>
+                </a:solidFill>
+                <a:latin typeface="+mn-lt"/>
+                <a:ea typeface="+mn-ea"/>
+                <a:cs typeface="+mn-cs"/>
+              </a:defRPr>
+            </a:lvl6pPr>
+            <a:lvl7pPr marL="3200400" indent="-384048" algn="l" defTabSz="914400" rtl="0" eaLnBrk="1" latinLnBrk="0" hangingPunct="1">
+              <a:lnSpc>
+                <a:spcPct val="94000"/>
+              </a:lnSpc>
+              <a:spcBef>
+                <a:spcPts val="500"/>
+              </a:spcBef>
+              <a:spcAft>
+                <a:spcPts val="200"/>
+              </a:spcAft>
+              <a:buFont typeface="Franklin Gothic Book" panose="020B0503020102020204" pitchFamily="34" charset="0"/>
+              <a:buChar char="■"/>
+              <a:defRPr sz="1400" kern="1200" baseline="0">
+                <a:solidFill>
+                  <a:schemeClr val="tx2"/>
+                </a:solidFill>
+                <a:latin typeface="+mn-lt"/>
+                <a:ea typeface="+mn-ea"/>
+                <a:cs typeface="+mn-cs"/>
+              </a:defRPr>
+            </a:lvl7pPr>
+            <a:lvl8pPr marL="3657600" indent="-384048" algn="l" defTabSz="914400" rtl="0" eaLnBrk="1" latinLnBrk="0" hangingPunct="1">
+              <a:lnSpc>
+                <a:spcPct val="94000"/>
+              </a:lnSpc>
+              <a:spcBef>
+                <a:spcPts val="500"/>
+              </a:spcBef>
+              <a:spcAft>
+                <a:spcPts val="200"/>
+              </a:spcAft>
+              <a:buFont typeface="Franklin Gothic Book" panose="020B0503020102020204" pitchFamily="34" charset="0"/>
+              <a:buChar char="–"/>
+              <a:defRPr sz="1400" i="1" kern="1200" baseline="0">
+                <a:solidFill>
+                  <a:schemeClr val="tx2"/>
+                </a:solidFill>
+                <a:latin typeface="+mn-lt"/>
+                <a:ea typeface="+mn-ea"/>
+                <a:cs typeface="+mn-cs"/>
+              </a:defRPr>
+            </a:lvl8pPr>
+            <a:lvl9pPr marL="4114800" indent="-384048" algn="l" defTabSz="914400" rtl="0" eaLnBrk="1" latinLnBrk="0" hangingPunct="1">
+              <a:lnSpc>
+                <a:spcPct val="94000"/>
+              </a:lnSpc>
+              <a:spcBef>
+                <a:spcPts val="500"/>
+              </a:spcBef>
+              <a:spcAft>
+                <a:spcPts val="200"/>
+              </a:spcAft>
+              <a:buFont typeface="Franklin Gothic Book" panose="020B0503020102020204" pitchFamily="34" charset="0"/>
+              <a:buChar char="■"/>
+              <a:defRPr sz="1400" kern="1200" baseline="0">
+                <a:solidFill>
+                  <a:schemeClr val="tx2"/>
+                </a:solidFill>
+                <a:latin typeface="+mn-lt"/>
+                <a:ea typeface="+mn-ea"/>
+                <a:cs typeface="+mn-cs"/>
+              </a:defRPr>
+            </a:lvl9pPr>
+          </a:lstStyle>
+          <a:p>
+            <a:r>
+              <a:rPr lang="en-US" sz="2400" dirty="0">
+                <a:solidFill>
+                  <a:srgbClr val="40424E"/>
+                </a:solidFill>
+              </a:rPr>
+              <a:t>RSA is an asymmetric cryptographic algorithm &amp; as previously explained, the Public Key is given to everyone and Private key is kept private.</a:t>
+            </a:r>
+          </a:p>
+          <a:p>
+            <a:r>
+              <a:rPr lang="en-US" sz="2400" dirty="0">
+                <a:solidFill>
+                  <a:srgbClr val="40424E"/>
+                </a:solidFill>
+              </a:rPr>
+              <a:t>Some examples of asymmetric cryptography :</a:t>
+            </a:r>
+          </a:p>
+          <a:p>
+            <a:pPr lvl="1"/>
+            <a:r>
+              <a:rPr lang="en-US" sz="2400" dirty="0">
+                <a:solidFill>
+                  <a:srgbClr val="40424E"/>
+                </a:solidFill>
+              </a:rPr>
+              <a:t>    A client (e.g. browser) sends its public key to the server and requests for some data.</a:t>
+            </a:r>
+          </a:p>
+          <a:p>
+            <a:pPr lvl="1"/>
+            <a:r>
+              <a:rPr lang="en-US" sz="2400" dirty="0">
+                <a:solidFill>
+                  <a:srgbClr val="40424E"/>
+                </a:solidFill>
+              </a:rPr>
+              <a:t>    The server encrypts the data using client’s public key and sends the encrypted data.</a:t>
+            </a:r>
+          </a:p>
+          <a:p>
+            <a:pPr lvl="1"/>
+            <a:r>
+              <a:rPr lang="en-US" sz="2400" dirty="0">
+                <a:solidFill>
+                  <a:srgbClr val="40424E"/>
+                </a:solidFill>
+              </a:rPr>
+              <a:t>    Client receives this data and decrypts it.</a:t>
+            </a:r>
+          </a:p>
+          <a:p>
+            <a:pPr lvl="1"/>
+            <a:endParaRPr lang="en-US" sz="2400" dirty="0">
+              <a:solidFill>
+                <a:srgbClr val="40424E"/>
+              </a:solidFill>
+            </a:endParaRPr>
+          </a:p>
+          <a:p>
+            <a:r>
+              <a:rPr lang="en-US" sz="2400" dirty="0">
+                <a:solidFill>
+                  <a:srgbClr val="40424E"/>
+                </a:solidFill>
+              </a:rPr>
+              <a:t>DISADVANTAGE : Very slow in cases where large data is involved</a:t>
+            </a:r>
+          </a:p>
+        </p:txBody>
+      </p:sp>
     </p:spTree>
     <p:extLst>
       <p:ext uri="{BB962C8B-B14F-4D97-AF65-F5344CB8AC3E}">
@@ -4777,10 +5562,66 @@
       </p:grpSpPr>
       <p:sp>
         <p:nvSpPr>
-          <p:cNvPr id="2" name="TextBox 1">
+          <p:cNvPr id="3" name="Title 1">
             <a:extLst>
               <a:ext uri="{FF2B5EF4-FFF2-40B4-BE49-F238E27FC236}">
-                <a16:creationId xmlns:a16="http://schemas.microsoft.com/office/drawing/2014/main" id="{5B511844-A86A-40F8-A0B6-37BE565DBDEF}"/>
+                <a16:creationId xmlns:a16="http://schemas.microsoft.com/office/drawing/2014/main" id="{C79DF373-D066-4C16-A2F7-5A8C21A16763}"/>
+              </a:ext>
+            </a:extLst>
+          </p:cNvPr>
+          <p:cNvSpPr txBox="1">
+            <a:spLocks/>
+          </p:cNvSpPr>
+          <p:nvPr/>
+        </p:nvSpPr>
+        <p:spPr>
+          <a:xfrm>
+            <a:off x="1371600" y="406667"/>
+            <a:ext cx="6906126" cy="854242"/>
+          </a:xfrm>
+          <a:prstGeom prst="rect">
+            <a:avLst/>
+          </a:prstGeom>
+        </p:spPr>
+        <p:txBody>
+          <a:bodyPr/>
+          <a:lstStyle>
+            <a:lvl1pPr algn="l" defTabSz="914400" rtl="0" eaLnBrk="1" latinLnBrk="0" hangingPunct="1">
+              <a:lnSpc>
+                <a:spcPct val="89000"/>
+              </a:lnSpc>
+              <a:spcBef>
+                <a:spcPct val="0"/>
+              </a:spcBef>
+              <a:buNone/>
+              <a:defRPr sz="4400" kern="1200" baseline="0">
+                <a:solidFill>
+                  <a:schemeClr val="tx2"/>
+                </a:solidFill>
+                <a:latin typeface="+mj-lt"/>
+                <a:ea typeface="+mj-ea"/>
+                <a:cs typeface="+mj-cs"/>
+              </a:defRPr>
+            </a:lvl1pPr>
+          </a:lstStyle>
+          <a:p>
+            <a:r>
+              <a:rPr lang="en-US" b="1" dirty="0"/>
+              <a:t>Elliptic - Curve  </a:t>
+            </a:r>
+            <a:r>
+              <a:rPr lang="en-US" dirty="0"/>
+              <a:t>Cryptography</a:t>
+            </a:r>
+          </a:p>
+        </p:txBody>
+      </p:sp>
+      <p:sp>
+        <p:nvSpPr>
+          <p:cNvPr id="6" name="TextBox 5">
+            <a:extLst>
+              <a:ext uri="{FF2B5EF4-FFF2-40B4-BE49-F238E27FC236}">
+                <a16:creationId xmlns:a16="http://schemas.microsoft.com/office/drawing/2014/main" id="{7934C545-D879-4935-9C0A-52436025E482}"/>
               </a:ext>
             </a:extLst>
           </p:cNvPr>
@@ -4789,8 +5630,8 @@
         </p:nvSpPr>
         <p:spPr>
           <a:xfrm>
-            <a:off x="2438401" y="2835367"/>
-            <a:ext cx="5954485" cy="1200329"/>
+            <a:off x="1090863" y="1432354"/>
+            <a:ext cx="10010273" cy="5170646"/>
           </a:xfrm>
           <a:prstGeom prst="rect">
             <a:avLst/>
@@ -4803,24 +5644,87 @@
           </a:bodyPr>
           <a:lstStyle/>
           <a:p>
-            <a:r>
-              <a:rPr lang="en-US" dirty="0"/>
-              <a:t>ECC</a:t>
-            </a:r>
-          </a:p>
-          <a:p>
-            <a:r>
-              <a:rPr lang="en-US" dirty="0"/>
-              <a:t>Why is it better than RSA ?</a:t>
-            </a:r>
-          </a:p>
-          <a:p>
-            <a:endParaRPr lang="en-US" dirty="0"/>
-          </a:p>
-          <a:p>
-            <a:r>
-              <a:rPr lang="en-US" dirty="0"/>
-              <a:t>1 min</a:t>
+            <a:pPr marL="285750" indent="-285750">
+              <a:buFont typeface="Wingdings" panose="05000000000000000000" pitchFamily="2" charset="2"/>
+              <a:buChar char="§"/>
+            </a:pPr>
+            <a:r>
+              <a:rPr lang="en-US" sz="2200" dirty="0"/>
+              <a:t>What you need for a public key cryptographic system to work is a set of algorithms that is easy to process in one direction, but difficult to undo. </a:t>
+            </a:r>
+          </a:p>
+          <a:p>
+            <a:pPr marL="285750" indent="-285750">
+              <a:buFont typeface="Wingdings" panose="05000000000000000000" pitchFamily="2" charset="2"/>
+              <a:buChar char="§"/>
+            </a:pPr>
+            <a:r>
+              <a:rPr lang="en-US" sz="2200" dirty="0"/>
+              <a:t>In the case of </a:t>
+            </a:r>
+            <a:r>
+              <a:rPr lang="en-US" sz="2200" u="sng" dirty="0"/>
+              <a:t>RSA</a:t>
+            </a:r>
+            <a:r>
+              <a:rPr lang="en-US" sz="2200" dirty="0"/>
+              <a:t>, the easy algorithm multiplies two prime numbers. If multiplication is the easy algorithm, its difficult pair algorithm is factoring the product of the multiplication into its two component primes. </a:t>
+            </a:r>
+          </a:p>
+          <a:p>
+            <a:pPr marL="285750" indent="-285750">
+              <a:buFont typeface="Wingdings" panose="05000000000000000000" pitchFamily="2" charset="2"/>
+              <a:buChar char="§"/>
+            </a:pPr>
+            <a:endParaRPr lang="en-US" sz="2200" dirty="0"/>
+          </a:p>
+          <a:p>
+            <a:pPr marL="285750" indent="-285750">
+              <a:buFont typeface="Wingdings" panose="05000000000000000000" pitchFamily="2" charset="2"/>
+              <a:buChar char="§"/>
+            </a:pPr>
+            <a:r>
+              <a:rPr lang="en-US" sz="2200" dirty="0">
+                <a:highlight>
+                  <a:srgbClr val="C0C0C0"/>
+                </a:highlight>
+              </a:rPr>
+              <a:t>Algorithms that have this characteristic — easy in one direction, hard the other — are known as Trap door Functions. </a:t>
+            </a:r>
+          </a:p>
+          <a:p>
+            <a:pPr marL="285750" indent="-285750">
+              <a:buFont typeface="Wingdings" panose="05000000000000000000" pitchFamily="2" charset="2"/>
+              <a:buChar char="§"/>
+            </a:pPr>
+            <a:r>
+              <a:rPr lang="en-US" sz="2200" dirty="0">
+                <a:highlight>
+                  <a:srgbClr val="C0C0C0"/>
+                </a:highlight>
+              </a:rPr>
+              <a:t>Finding a good Trapdoor Function is critical to making a secure public key cryptographic system. </a:t>
+            </a:r>
+          </a:p>
+          <a:p>
+            <a:pPr marL="285750" indent="-285750">
+              <a:buFont typeface="Wingdings" panose="05000000000000000000" pitchFamily="2" charset="2"/>
+              <a:buChar char="§"/>
+            </a:pPr>
+            <a:endParaRPr lang="en-US" sz="2200" dirty="0">
+              <a:highlight>
+                <a:srgbClr val="C0C0C0"/>
+              </a:highlight>
+            </a:endParaRPr>
+          </a:p>
+          <a:p>
+            <a:pPr marL="285750" indent="-285750">
+              <a:buFont typeface="Wingdings" panose="05000000000000000000" pitchFamily="2" charset="2"/>
+              <a:buChar char="§"/>
+            </a:pPr>
+            <a:r>
+              <a:rPr lang="en-US" sz="2200" dirty="0"/>
+              <a:t>But RSA is not the ideal system for the future of cryptography. In an ideal Trapdoor Function, the easy way and the hard way get harder at the same rate with respect to the size of the numbers in question. We need a public key system based on a better Trapdoor.</a:t>
             </a:r>
           </a:p>
         </p:txBody>
@@ -4841,6 +5745,14 @@
 <file path=ppt/slides/slide6.xml><?xml version="1.0" encoding="utf-8"?>
 <p:sld xmlns:a="http://schemas.openxmlformats.org/drawingml/2006/main" xmlns:r="http://schemas.openxmlformats.org/officeDocument/2006/relationships" xmlns:p="http://schemas.openxmlformats.org/presentationml/2006/main">
   <p:cSld>
+    <p:bg>
+      <p:bgPr>
+        <a:solidFill>
+          <a:schemeClr val="bg2"/>
+        </a:solidFill>
+        <a:effectLst/>
+      </p:bgPr>
+    </p:bg>
     <p:spTree>
       <p:nvGrpSpPr>
         <p:cNvPr id="1" name=""/>
@@ -4857,10 +5769,120 @@
       </p:grpSpPr>
       <p:sp>
         <p:nvSpPr>
-          <p:cNvPr id="2" name="TextBox 1">
+          <p:cNvPr id="24" name="Rectangle 23">
             <a:extLst>
               <a:ext uri="{FF2B5EF4-FFF2-40B4-BE49-F238E27FC236}">
-                <a16:creationId xmlns:a16="http://schemas.microsoft.com/office/drawing/2014/main" id="{A4E97616-66D9-4CAD-8AD5-70B10A9145B3}"/>
+                <a16:creationId xmlns:a16="http://schemas.microsoft.com/office/drawing/2014/main" id="{2793B903-AB42-42A0-AE97-93D366679CA2}"/>
+              </a:ext>
+              <a:ext uri="{C183D7F6-B498-43B3-948B-1728B52AA6E4}">
+                <adec:decorative xmlns:adec="http://schemas.microsoft.com/office/drawing/2017/decorative" val="1"/>
+              </a:ext>
+            </a:extLst>
+          </p:cNvPr>
+          <p:cNvSpPr>
+            <a:spLocks noGrp="1" noRot="1" noChangeAspect="1" noMove="1" noResize="1" noEditPoints="1" noAdjustHandles="1" noChangeArrowheads="1" noChangeShapeType="1" noTextEdit="1"/>
+          </p:cNvSpPr>
+          <p:nvPr>
+            <p:extLst>
+              <p:ext uri="{386F3935-93C4-4BCD-93E2-E3B085C9AB24}">
+                <p16:designElem xmlns:p16="http://schemas.microsoft.com/office/powerpoint/2015/main" val="1"/>
+              </p:ext>
+            </p:extLst>
+          </p:nvPr>
+        </p:nvSpPr>
+        <p:spPr>
+          <a:xfrm>
+            <a:off x="478095" y="376"/>
+            <a:ext cx="228600" cy="6858000"/>
+          </a:xfrm>
+          <a:prstGeom prst="rect">
+            <a:avLst/>
+          </a:prstGeom>
+          <a:solidFill>
+            <a:schemeClr val="tx2"/>
+          </a:solidFill>
+          <a:ln>
+            <a:noFill/>
+          </a:ln>
+        </p:spPr>
+        <p:style>
+          <a:lnRef idx="2">
+            <a:schemeClr val="accent1">
+              <a:shade val="50000"/>
+            </a:schemeClr>
+          </a:lnRef>
+          <a:fillRef idx="1">
+            <a:schemeClr val="accent1"/>
+          </a:fillRef>
+          <a:effectRef idx="0">
+            <a:schemeClr val="accent1"/>
+          </a:effectRef>
+          <a:fontRef idx="minor">
+            <a:schemeClr val="lt1"/>
+          </a:fontRef>
+        </p:style>
+      </p:sp>
+      <p:sp>
+        <p:nvSpPr>
+          <p:cNvPr id="26" name="Rectangle 25">
+            <a:extLst>
+              <a:ext uri="{FF2B5EF4-FFF2-40B4-BE49-F238E27FC236}">
+                <a16:creationId xmlns:a16="http://schemas.microsoft.com/office/drawing/2014/main" id="{A1F7F14B-ED51-4057-8897-4FC72CA2B979}"/>
+              </a:ext>
+              <a:ext uri="{C183D7F6-B498-43B3-948B-1728B52AA6E4}">
+                <adec:decorative xmlns:adec="http://schemas.microsoft.com/office/drawing/2017/decorative" val="1"/>
+              </a:ext>
+            </a:extLst>
+          </p:cNvPr>
+          <p:cNvSpPr>
+            <a:spLocks noGrp="1" noRot="1" noChangeAspect="1" noMove="1" noResize="1" noEditPoints="1" noAdjustHandles="1" noChangeArrowheads="1" noChangeShapeType="1" noTextEdit="1"/>
+          </p:cNvSpPr>
+          <p:nvPr>
+            <p:extLst>
+              <p:ext uri="{386F3935-93C4-4BCD-93E2-E3B085C9AB24}">
+                <p16:designElem xmlns:p16="http://schemas.microsoft.com/office/powerpoint/2015/main" val="1"/>
+              </p:ext>
+            </p:extLst>
+          </p:nvPr>
+        </p:nvSpPr>
+        <p:spPr>
+          <a:xfrm>
+            <a:off x="0" y="376"/>
+            <a:ext cx="5303520" cy="6857624"/>
+          </a:xfrm>
+          <a:prstGeom prst="rect">
+            <a:avLst/>
+          </a:prstGeom>
+          <a:solidFill>
+            <a:schemeClr val="accent1"/>
+          </a:solidFill>
+          <a:ln>
+            <a:noFill/>
+          </a:ln>
+        </p:spPr>
+        <p:style>
+          <a:lnRef idx="2">
+            <a:schemeClr val="accent1">
+              <a:shade val="50000"/>
+            </a:schemeClr>
+          </a:lnRef>
+          <a:fillRef idx="1">
+            <a:schemeClr val="accent1"/>
+          </a:fillRef>
+          <a:effectRef idx="0">
+            <a:schemeClr val="accent1"/>
+          </a:effectRef>
+          <a:fontRef idx="minor">
+            <a:schemeClr val="lt1"/>
+          </a:fontRef>
+        </p:style>
+      </p:sp>
+      <p:sp>
+        <p:nvSpPr>
+          <p:cNvPr id="8" name="TextBox 7">
+            <a:extLst>
+              <a:ext uri="{FF2B5EF4-FFF2-40B4-BE49-F238E27FC236}">
+                <a16:creationId xmlns:a16="http://schemas.microsoft.com/office/drawing/2014/main" id="{1B73731E-384F-417A-918A-9AC52FDC1D6D}"/>
               </a:ext>
             </a:extLst>
           </p:cNvPr>
@@ -4869,36 +5891,272 @@
         </p:nvSpPr>
         <p:spPr>
           <a:xfrm>
-            <a:off x="2438401" y="2835367"/>
-            <a:ext cx="5954485" cy="923330"/>
+            <a:off x="706695" y="1840946"/>
+            <a:ext cx="4010296" cy="3472543"/>
           </a:xfrm>
           <a:prstGeom prst="rect">
             <a:avLst/>
           </a:prstGeom>
-          <a:noFill/>
         </p:spPr>
         <p:txBody>
-          <a:bodyPr wrap="square">
-            <a:spAutoFit/>
+          <a:bodyPr vert="horz" lIns="91440" tIns="45720" rIns="91440" bIns="45720" rtlCol="0">
+            <a:normAutofit/>
           </a:bodyPr>
           <a:lstStyle/>
           <a:p>
-            <a:r>
-              <a:rPr lang="en-US" dirty="0"/>
-              <a:t>ECC Theory</a:t>
-            </a:r>
-          </a:p>
-          <a:p>
-            <a:endParaRPr lang="en-US" dirty="0"/>
-          </a:p>
-          <a:p>
-            <a:r>
-              <a:rPr lang="en-US" dirty="0"/>
-              <a:t>1 min</a:t>
-            </a:r>
-          </a:p>
-        </p:txBody>
-      </p:sp>
+            <a:pPr marL="384048" indent="-384048" defTabSz="914400">
+              <a:lnSpc>
+                <a:spcPct val="94000"/>
+              </a:lnSpc>
+              <a:spcAft>
+                <a:spcPts val="200"/>
+              </a:spcAft>
+              <a:buFont typeface="Franklin Gothic Book" panose="020B0503020102020204" pitchFamily="34" charset="0"/>
+              <a:buChar char="§"/>
+            </a:pPr>
+            <a:r>
+              <a:rPr lang="en-US" dirty="0">
+                <a:solidFill>
+                  <a:srgbClr val="191B0E"/>
+                </a:solidFill>
+              </a:rPr>
+              <a:t>In 1985, cryptographic algorithms were proposed based on elliptic curves.</a:t>
+            </a:r>
+          </a:p>
+          <a:p>
+            <a:pPr marL="384048" indent="-384048" defTabSz="914400">
+              <a:lnSpc>
+                <a:spcPct val="94000"/>
+              </a:lnSpc>
+              <a:spcAft>
+                <a:spcPts val="200"/>
+              </a:spcAft>
+              <a:buFont typeface="Franklin Gothic Book" panose="020B0503020102020204" pitchFamily="34" charset="0"/>
+              <a:buChar char="§"/>
+            </a:pPr>
+            <a:endParaRPr lang="en-US" dirty="0">
+              <a:solidFill>
+                <a:srgbClr val="191B0E"/>
+              </a:solidFill>
+            </a:endParaRPr>
+          </a:p>
+          <a:p>
+            <a:pPr marL="384048" indent="-384048" defTabSz="914400">
+              <a:lnSpc>
+                <a:spcPct val="94000"/>
+              </a:lnSpc>
+              <a:spcAft>
+                <a:spcPts val="200"/>
+              </a:spcAft>
+              <a:buFont typeface="Franklin Gothic Book" panose="020B0503020102020204" pitchFamily="34" charset="0"/>
+              <a:buChar char="§"/>
+            </a:pPr>
+            <a:r>
+              <a:rPr lang="en-US" dirty="0">
+                <a:solidFill>
+                  <a:srgbClr val="191B0E"/>
+                </a:solidFill>
+              </a:rPr>
+              <a:t>An elliptic curve is the set of points that satisfy a specific mathematical equation. </a:t>
+            </a:r>
+          </a:p>
+          <a:p>
+            <a:pPr marL="384048" indent="-384048" defTabSz="914400">
+              <a:lnSpc>
+                <a:spcPct val="94000"/>
+              </a:lnSpc>
+              <a:spcAft>
+                <a:spcPts val="200"/>
+              </a:spcAft>
+              <a:buFont typeface="Franklin Gothic Book" panose="020B0503020102020204" pitchFamily="34" charset="0"/>
+              <a:buChar char="§"/>
+            </a:pPr>
+            <a:endParaRPr lang="en-US" dirty="0">
+              <a:solidFill>
+                <a:srgbClr val="191B0E"/>
+              </a:solidFill>
+            </a:endParaRPr>
+          </a:p>
+          <a:p>
+            <a:pPr marL="384048" indent="-384048" defTabSz="914400">
+              <a:lnSpc>
+                <a:spcPct val="94000"/>
+              </a:lnSpc>
+              <a:spcAft>
+                <a:spcPts val="200"/>
+              </a:spcAft>
+              <a:buFont typeface="Franklin Gothic Book" panose="020B0503020102020204" pitchFamily="34" charset="0"/>
+              <a:buChar char="§"/>
+            </a:pPr>
+            <a:r>
+              <a:rPr lang="en-US" dirty="0">
+                <a:solidFill>
+                  <a:srgbClr val="191B0E"/>
+                </a:solidFill>
+              </a:rPr>
+              <a:t>The equation for an elliptic curve looks something like this:</a:t>
+            </a:r>
+          </a:p>
+          <a:p>
+            <a:pPr marL="384048" indent="-384048" defTabSz="914400">
+              <a:lnSpc>
+                <a:spcPct val="94000"/>
+              </a:lnSpc>
+              <a:spcAft>
+                <a:spcPts val="200"/>
+              </a:spcAft>
+              <a:buFont typeface="Franklin Gothic Book" panose="020B0503020102020204" pitchFamily="34" charset="0"/>
+            </a:pPr>
+            <a:endParaRPr lang="en-US" dirty="0">
+              <a:solidFill>
+                <a:srgbClr val="191B0E"/>
+              </a:solidFill>
+            </a:endParaRPr>
+          </a:p>
+          <a:p>
+            <a:pPr marL="384048" indent="-384048" algn="ctr" defTabSz="914400">
+              <a:lnSpc>
+                <a:spcPct val="94000"/>
+              </a:lnSpc>
+              <a:spcAft>
+                <a:spcPts val="200"/>
+              </a:spcAft>
+              <a:buFont typeface="Franklin Gothic Book" panose="020B0503020102020204" pitchFamily="34" charset="0"/>
+            </a:pPr>
+            <a:r>
+              <a:rPr lang="en-US" sz="2400" b="1" dirty="0">
+                <a:solidFill>
+                  <a:srgbClr val="191B0E"/>
+                </a:solidFill>
+              </a:rPr>
+              <a:t>y2 = x3 + ax + b</a:t>
+            </a:r>
+          </a:p>
+          <a:p>
+            <a:pPr marL="384048" indent="-384048" defTabSz="914400">
+              <a:lnSpc>
+                <a:spcPct val="94000"/>
+              </a:lnSpc>
+              <a:spcAft>
+                <a:spcPts val="200"/>
+              </a:spcAft>
+              <a:buFont typeface="Franklin Gothic Book" panose="020B0503020102020204" pitchFamily="34" charset="0"/>
+            </a:pPr>
+            <a:endParaRPr lang="en-US" b="1" dirty="0">
+              <a:solidFill>
+                <a:srgbClr val="191B0E"/>
+              </a:solidFill>
+            </a:endParaRPr>
+          </a:p>
+          <a:p>
+            <a:pPr marL="384048" indent="-384048" defTabSz="914400">
+              <a:lnSpc>
+                <a:spcPct val="94000"/>
+              </a:lnSpc>
+              <a:spcAft>
+                <a:spcPts val="200"/>
+              </a:spcAft>
+              <a:buFont typeface="Franklin Gothic Book" panose="020B0503020102020204" pitchFamily="34" charset="0"/>
+            </a:pPr>
+            <a:endParaRPr lang="en-US" b="1" dirty="0">
+              <a:solidFill>
+                <a:srgbClr val="191B0E"/>
+              </a:solidFill>
+            </a:endParaRPr>
+          </a:p>
+        </p:txBody>
+      </p:sp>
+      <p:sp>
+        <p:nvSpPr>
+          <p:cNvPr id="28" name="Rectangle 27">
+            <a:extLst>
+              <a:ext uri="{FF2B5EF4-FFF2-40B4-BE49-F238E27FC236}">
+                <a16:creationId xmlns:a16="http://schemas.microsoft.com/office/drawing/2014/main" id="{09CB4F78-37FA-4A6C-B624-E7F7D6916812}"/>
+              </a:ext>
+              <a:ext uri="{C183D7F6-B498-43B3-948B-1728B52AA6E4}">
+                <adec:decorative xmlns:adec="http://schemas.microsoft.com/office/drawing/2017/decorative" val="1"/>
+              </a:ext>
+            </a:extLst>
+          </p:cNvPr>
+          <p:cNvSpPr>
+            <a:spLocks noGrp="1" noRot="1" noChangeAspect="1" noMove="1" noResize="1" noEditPoints="1" noAdjustHandles="1" noChangeArrowheads="1" noChangeShapeType="1" noTextEdit="1"/>
+          </p:cNvSpPr>
+          <p:nvPr>
+            <p:extLst>
+              <p:ext uri="{386F3935-93C4-4BCD-93E2-E3B085C9AB24}">
+                <p16:designElem xmlns:p16="http://schemas.microsoft.com/office/powerpoint/2015/main" val="1"/>
+              </p:ext>
+            </p:extLst>
+          </p:nvPr>
+        </p:nvSpPr>
+        <p:spPr>
+          <a:xfrm>
+            <a:off x="5303520" y="376"/>
+            <a:ext cx="228600" cy="6858000"/>
+          </a:xfrm>
+          <a:prstGeom prst="rect">
+            <a:avLst/>
+          </a:prstGeom>
+          <a:solidFill>
+            <a:schemeClr val="tx2"/>
+          </a:solidFill>
+          <a:ln>
+            <a:noFill/>
+          </a:ln>
+        </p:spPr>
+        <p:style>
+          <a:lnRef idx="2">
+            <a:schemeClr val="accent1">
+              <a:shade val="50000"/>
+            </a:schemeClr>
+          </a:lnRef>
+          <a:fillRef idx="1">
+            <a:schemeClr val="accent1"/>
+          </a:fillRef>
+          <a:effectRef idx="0">
+            <a:schemeClr val="accent1"/>
+          </a:effectRef>
+          <a:fontRef idx="minor">
+            <a:schemeClr val="lt1"/>
+          </a:fontRef>
+        </p:style>
+      </p:sp>
+      <p:pic>
+        <p:nvPicPr>
+          <p:cNvPr id="14" name="Picture 13" descr="Diagram, schematic&#10;&#10;Description automatically generated">
+            <a:extLst>
+              <a:ext uri="{FF2B5EF4-FFF2-40B4-BE49-F238E27FC236}">
+                <a16:creationId xmlns:a16="http://schemas.microsoft.com/office/drawing/2014/main" id="{9837A0DD-B6F0-4F65-94CC-E3FDD8648820}"/>
+              </a:ext>
+            </a:extLst>
+          </p:cNvPr>
+          <p:cNvPicPr>
+            <a:picLocks noChangeAspect="1"/>
+          </p:cNvPicPr>
+          <p:nvPr/>
+        </p:nvPicPr>
+        <p:blipFill>
+          <a:blip r:embed="rId3">
+            <a:extLst>
+              <a:ext uri="{28A0092B-C50C-407E-A947-70E740481C1C}">
+                <a14:useLocalDpi xmlns:a14="http://schemas.microsoft.com/office/drawing/2010/main" val="0"/>
+              </a:ext>
+            </a:extLst>
+          </a:blip>
+          <a:stretch>
+            <a:fillRect/>
+          </a:stretch>
+        </p:blipFill>
+        <p:spPr>
+          <a:xfrm>
+            <a:off x="6167683" y="741296"/>
+            <a:ext cx="5384074" cy="5384074"/>
+          </a:xfrm>
+          <a:prstGeom prst="rect">
+            <a:avLst/>
+          </a:prstGeom>
+        </p:spPr>
+      </p:pic>
     </p:spTree>
     <p:extLst>
       <p:ext uri="{BB962C8B-B14F-4D97-AF65-F5344CB8AC3E}">
@@ -4931,128 +6189,6 @@
       </p:grpSpPr>
       <p:sp>
         <p:nvSpPr>
-          <p:cNvPr id="2" name="TextBox 1">
-            <a:extLst>
-              <a:ext uri="{FF2B5EF4-FFF2-40B4-BE49-F238E27FC236}">
-                <a16:creationId xmlns:a16="http://schemas.microsoft.com/office/drawing/2014/main" id="{5748A2B8-C1DE-447D-AFA0-3DF4D4634FB7}"/>
-              </a:ext>
-            </a:extLst>
-          </p:cNvPr>
-          <p:cNvSpPr txBox="1"/>
-          <p:nvPr/>
-        </p:nvSpPr>
-        <p:spPr>
-          <a:xfrm>
-            <a:off x="2438401" y="2835367"/>
-            <a:ext cx="5954485" cy="2031325"/>
-          </a:xfrm>
-          <a:prstGeom prst="rect">
-            <a:avLst/>
-          </a:prstGeom>
-          <a:noFill/>
-        </p:spPr>
-        <p:txBody>
-          <a:bodyPr wrap="square">
-            <a:spAutoFit/>
-          </a:bodyPr>
-          <a:lstStyle/>
-          <a:p>
-            <a:r>
-              <a:rPr lang="en-US" dirty="0"/>
-              <a:t>Our research paper info (3-4 slides)</a:t>
-            </a:r>
-          </a:p>
-          <a:p>
-            <a:r>
-              <a:rPr lang="en-US" dirty="0"/>
-              <a:t>And what we are going to do</a:t>
-            </a:r>
-          </a:p>
-          <a:p>
-            <a:endParaRPr lang="en-US" dirty="0"/>
-          </a:p>
-          <a:p>
-            <a:r>
-              <a:rPr lang="en-US" dirty="0"/>
-              <a:t>We are going to implement the different curves, </a:t>
-            </a:r>
-            <a:r>
-              <a:rPr lang="en-US" dirty="0" err="1"/>
-              <a:t>analyse</a:t>
-            </a:r>
-            <a:r>
-              <a:rPr lang="en-US" dirty="0"/>
-              <a:t> them using python </a:t>
-            </a:r>
-          </a:p>
-          <a:p>
-            <a:endParaRPr lang="en-US" dirty="0"/>
-          </a:p>
-          <a:p>
-            <a:r>
-              <a:rPr lang="en-US" dirty="0"/>
-              <a:t>4-5 min</a:t>
-            </a:r>
-          </a:p>
-        </p:txBody>
-      </p:sp>
-    </p:spTree>
-    <p:extLst>
-      <p:ext uri="{BB962C8B-B14F-4D97-AF65-F5344CB8AC3E}">
-        <p14:creationId xmlns:p14="http://schemas.microsoft.com/office/powerpoint/2010/main" val="832493531"/>
-      </p:ext>
-    </p:extLst>
-  </p:cSld>
-  <p:clrMapOvr>
-    <a:masterClrMapping/>
-  </p:clrMapOvr>
-</p:sld>
-</file>
-
-<file path=ppt/slides/slide8.xml><?xml version="1.0" encoding="utf-8"?>
-<p:sld xmlns:a="http://schemas.openxmlformats.org/drawingml/2006/main" xmlns:r="http://schemas.openxmlformats.org/officeDocument/2006/relationships" xmlns:p="http://schemas.openxmlformats.org/presentationml/2006/main">
-  <p:cSld>
-    <p:spTree>
-      <p:nvGrpSpPr>
-        <p:cNvPr id="1" name=""/>
-        <p:cNvGrpSpPr/>
-        <p:nvPr/>
-      </p:nvGrpSpPr>
-      <p:grpSpPr>
-        <a:xfrm>
-          <a:off x="0" y="0"/>
-          <a:ext cx="0" cy="0"/>
-          <a:chOff x="0" y="0"/>
-          <a:chExt cx="0" cy="0"/>
-        </a:xfrm>
-      </p:grpSpPr>
-      <p:sp>
-        <p:nvSpPr>
-          <p:cNvPr id="2" name="Title 1">
-            <a:extLst>
-              <a:ext uri="{FF2B5EF4-FFF2-40B4-BE49-F238E27FC236}">
-                <a16:creationId xmlns:a16="http://schemas.microsoft.com/office/drawing/2014/main" id="{ABA535E0-0483-48D5-B13D-5871C3EE4A69}"/>
-              </a:ext>
-            </a:extLst>
-          </p:cNvPr>
-          <p:cNvSpPr>
-            <a:spLocks noGrp="1"/>
-          </p:cNvSpPr>
-          <p:nvPr>
-            <p:ph type="title"/>
-          </p:nvPr>
-        </p:nvSpPr>
-        <p:spPr/>
-        <p:txBody>
-          <a:bodyPr/>
-          <a:lstStyle/>
-          <a:p>
-            <a:endParaRPr lang="en-US"/>
-          </a:p>
-        </p:txBody>
-      </p:sp>
-      <p:sp>
-        <p:nvSpPr>
           <p:cNvPr id="3" name="Content Placeholder 2">
             <a:extLst>
               <a:ext uri="{FF2B5EF4-FFF2-40B4-BE49-F238E27FC236}">
@@ -5067,12 +6203,155 @@
             <p:ph idx="1"/>
           </p:nvPr>
         </p:nvSpPr>
-        <p:spPr/>
-        <p:txBody>
-          <a:bodyPr/>
+        <p:spPr>
+          <a:xfrm>
+            <a:off x="1295399" y="668955"/>
+            <a:ext cx="10062411" cy="5905100"/>
+          </a:xfrm>
+        </p:spPr>
+        <p:txBody>
+          <a:bodyPr>
+            <a:normAutofit/>
+          </a:bodyPr>
           <a:lstStyle/>
           <a:p>
-            <a:endParaRPr lang="en-US"/>
+            <a:r>
+              <a:rPr lang="en-US" sz="2400" dirty="0">
+                <a:solidFill>
+                  <a:schemeClr val="tx1">
+                    <a:lumMod val="75000"/>
+                    <a:lumOff val="25000"/>
+                  </a:schemeClr>
+                </a:solidFill>
+              </a:rPr>
+              <a:t>For this, we restrict ourselves to numbers in a fixed range, like in RSA.</a:t>
+            </a:r>
+          </a:p>
+          <a:p>
+            <a:r>
+              <a:rPr lang="en-US" sz="2400" dirty="0">
+                <a:solidFill>
+                  <a:schemeClr val="tx1">
+                    <a:lumMod val="75000"/>
+                    <a:lumOff val="25000"/>
+                  </a:schemeClr>
+                </a:solidFill>
+              </a:rPr>
+              <a:t> Rather than allow any value for the points on the curve, we restrict ourselves to whole numbers in a fixed range. </a:t>
+            </a:r>
+          </a:p>
+          <a:p>
+            <a:r>
+              <a:rPr lang="en-US" sz="2400" dirty="0">
+                <a:solidFill>
+                  <a:schemeClr val="tx1">
+                    <a:lumMod val="75000"/>
+                    <a:lumOff val="25000"/>
+                  </a:schemeClr>
+                </a:solidFill>
+              </a:rPr>
+              <a:t>When computing the formula for the elliptic curve (y</a:t>
+            </a:r>
+            <a:r>
+              <a:rPr lang="en-US" sz="2400" baseline="30000" dirty="0">
+                <a:solidFill>
+                  <a:schemeClr val="tx1">
+                    <a:lumMod val="75000"/>
+                    <a:lumOff val="25000"/>
+                  </a:schemeClr>
+                </a:solidFill>
+              </a:rPr>
+              <a:t>2</a:t>
+            </a:r>
+            <a:r>
+              <a:rPr lang="en-US" sz="2400" dirty="0">
+                <a:solidFill>
+                  <a:schemeClr val="tx1">
+                    <a:lumMod val="75000"/>
+                    <a:lumOff val="25000"/>
+                  </a:schemeClr>
+                </a:solidFill>
+              </a:rPr>
+              <a:t> = x</a:t>
+            </a:r>
+            <a:r>
+              <a:rPr lang="en-US" sz="2400" baseline="30000" dirty="0">
+                <a:solidFill>
+                  <a:schemeClr val="tx1">
+                    <a:lumMod val="75000"/>
+                    <a:lumOff val="25000"/>
+                  </a:schemeClr>
+                </a:solidFill>
+              </a:rPr>
+              <a:t>3</a:t>
+            </a:r>
+            <a:r>
+              <a:rPr lang="en-US" sz="2400" dirty="0">
+                <a:solidFill>
+                  <a:schemeClr val="tx1">
+                    <a:lumMod val="75000"/>
+                    <a:lumOff val="25000"/>
+                  </a:schemeClr>
+                </a:solidFill>
+              </a:rPr>
+              <a:t> + ax + b), we use the same trick of rolling over numbers when we hit the maximum</a:t>
+            </a:r>
+            <a:br>
+              <a:rPr lang="en-US" sz="2400" dirty="0">
+                <a:solidFill>
+                  <a:schemeClr val="tx1">
+                    <a:lumMod val="75000"/>
+                    <a:lumOff val="25000"/>
+                  </a:schemeClr>
+                </a:solidFill>
+              </a:rPr>
+            </a:br>
+            <a:r>
+              <a:rPr lang="en-US" sz="2400" dirty="0">
+                <a:solidFill>
+                  <a:schemeClr val="tx1">
+                    <a:lumMod val="75000"/>
+                    <a:lumOff val="25000"/>
+                  </a:schemeClr>
+                </a:solidFill>
+              </a:rPr>
+              <a:t> (i.e. use the </a:t>
+            </a:r>
+            <a:r>
+              <a:rPr lang="en-US" sz="2400" i="1" dirty="0">
+                <a:solidFill>
+                  <a:schemeClr val="tx1">
+                    <a:lumMod val="75000"/>
+                    <a:lumOff val="25000"/>
+                  </a:schemeClr>
+                </a:solidFill>
+              </a:rPr>
+              <a:t>mod</a:t>
+            </a:r>
+            <a:r>
+              <a:rPr lang="en-US" sz="2400" dirty="0">
+                <a:solidFill>
+                  <a:schemeClr val="tx1">
+                    <a:lumMod val="75000"/>
+                    <a:lumOff val="25000"/>
+                  </a:schemeClr>
+                </a:solidFill>
+              </a:rPr>
+              <a:t> function)</a:t>
+            </a:r>
+          </a:p>
+          <a:p>
+            <a:r>
+              <a:rPr lang="en-US" sz="2400" dirty="0">
+                <a:solidFill>
+                  <a:schemeClr val="tx1">
+                    <a:lumMod val="75000"/>
+                    <a:lumOff val="25000"/>
+                  </a:schemeClr>
+                </a:solidFill>
+              </a:rPr>
+              <a:t>If we pick the maximum to be a prime number, the elliptic curve is called a prime curve and has excellent cryptographic properties.</a:t>
+            </a:r>
           </a:p>
         </p:txBody>
       </p:sp>

--- a/Ecc Cipher.pptx
+++ b/Ecc Cipher.pptx
@@ -5,7 +5,7 @@
     <p:sldMasterId id="2147483785" r:id="rId1"/>
   </p:sldMasterIdLst>
   <p:notesMasterIdLst>
-    <p:notesMasterId r:id="rId9"/>
+    <p:notesMasterId r:id="rId11"/>
   </p:notesMasterIdLst>
   <p:sldIdLst>
     <p:sldId id="256" r:id="rId2"/>
@@ -15,6 +15,8 @@
     <p:sldId id="293" r:id="rId6"/>
     <p:sldId id="292" r:id="rId7"/>
     <p:sldId id="259" r:id="rId8"/>
+    <p:sldId id="295" r:id="rId9"/>
+    <p:sldId id="296" r:id="rId10"/>
   </p:sldIdLst>
   <p:sldSz cx="12192000" cy="6858000"/>
   <p:notesSz cx="6858000" cy="9144000"/>
@@ -894,6 +896,97 @@
     <p:extLst>
       <p:ext uri="{BB962C8B-B14F-4D97-AF65-F5344CB8AC3E}">
         <p14:creationId xmlns:p14="http://schemas.microsoft.com/office/powerpoint/2010/main" val="3700418"/>
+      </p:ext>
+    </p:extLst>
+  </p:cSld>
+  <p:clrMapOvr>
+    <a:masterClrMapping/>
+  </p:clrMapOvr>
+</p:notes>
+</file>
+
+<file path=ppt/notesSlides/notesSlide5.xml><?xml version="1.0" encoding="utf-8"?>
+<p:notes xmlns:a="http://schemas.openxmlformats.org/drawingml/2006/main" xmlns:r="http://schemas.openxmlformats.org/officeDocument/2006/relationships" xmlns:p="http://schemas.openxmlformats.org/presentationml/2006/main">
+  <p:cSld>
+    <p:spTree>
+      <p:nvGrpSpPr>
+        <p:cNvPr id="1" name=""/>
+        <p:cNvGrpSpPr/>
+        <p:nvPr/>
+      </p:nvGrpSpPr>
+      <p:grpSpPr>
+        <a:xfrm>
+          <a:off x="0" y="0"/>
+          <a:ext cx="0" cy="0"/>
+          <a:chOff x="0" y="0"/>
+          <a:chExt cx="0" cy="0"/>
+        </a:xfrm>
+      </p:grpSpPr>
+      <p:sp>
+        <p:nvSpPr>
+          <p:cNvPr id="2" name="Slide Image Placeholder 1"/>
+          <p:cNvSpPr>
+            <a:spLocks noGrp="1" noRot="1" noChangeAspect="1"/>
+          </p:cNvSpPr>
+          <p:nvPr>
+            <p:ph type="sldImg"/>
+          </p:nvPr>
+        </p:nvSpPr>
+        <p:spPr/>
+      </p:sp>
+      <p:sp>
+        <p:nvSpPr>
+          <p:cNvPr id="3" name="Notes Placeholder 2"/>
+          <p:cNvSpPr>
+            <a:spLocks noGrp="1"/>
+          </p:cNvSpPr>
+          <p:nvPr>
+            <p:ph type="body" idx="1"/>
+          </p:nvPr>
+        </p:nvSpPr>
+        <p:spPr/>
+        <p:txBody>
+          <a:bodyPr/>
+          <a:lstStyle/>
+          <a:p>
+            <a:r>
+              <a:rPr lang="en-US" dirty="0"/>
+              <a:t>START WITH RESEARCH </a:t>
+            </a:r>
+            <a:r>
+              <a:rPr lang="en-US"/>
+              <a:t>PAPER SPECIFICALLY</a:t>
+            </a:r>
+          </a:p>
+        </p:txBody>
+      </p:sp>
+      <p:sp>
+        <p:nvSpPr>
+          <p:cNvPr id="4" name="Slide Number Placeholder 3"/>
+          <p:cNvSpPr>
+            <a:spLocks noGrp="1"/>
+          </p:cNvSpPr>
+          <p:nvPr>
+            <p:ph type="sldNum" sz="quarter" idx="5"/>
+          </p:nvPr>
+        </p:nvSpPr>
+        <p:spPr/>
+        <p:txBody>
+          <a:bodyPr/>
+          <a:lstStyle/>
+          <a:p>
+            <a:fld id="{E3BFD279-5C0D-4577-8BC8-F2A99E0295D8}" type="slidenum">
+              <a:rPr lang="en-US" smtClean="0"/>
+              <a:t>9</a:t>
+            </a:fld>
+            <a:endParaRPr lang="en-US"/>
+          </a:p>
+        </p:txBody>
+      </p:sp>
+    </p:spTree>
+    <p:extLst>
+      <p:ext uri="{BB962C8B-B14F-4D97-AF65-F5344CB8AC3E}">
+        <p14:creationId xmlns:p14="http://schemas.microsoft.com/office/powerpoint/2010/main" val="32246894"/>
       </p:ext>
     </p:extLst>
   </p:cSld>
@@ -5891,8 +5984,8 @@
         </p:nvSpPr>
         <p:spPr>
           <a:xfrm>
-            <a:off x="706695" y="1840946"/>
-            <a:ext cx="4010296" cy="3472543"/>
+            <a:off x="478095" y="1135782"/>
+            <a:ext cx="4238896" cy="4177708"/>
           </a:xfrm>
           <a:prstGeom prst="rect">
             <a:avLst/>
@@ -6024,27 +6117,81 @@
               <a:buFont typeface="Franklin Gothic Book" panose="020B0503020102020204" pitchFamily="34" charset="0"/>
             </a:pPr>
             <a:r>
-              <a:rPr lang="en-US" sz="2400" b="1" dirty="0">
-                <a:solidFill>
-                  <a:srgbClr val="191B0E"/>
-                </a:solidFill>
+              <a:rPr lang="en-US" sz="2800" b="1" dirty="0">
+                <a:solidFill>
+                  <a:schemeClr val="tx1">
+                    <a:lumMod val="75000"/>
+                    <a:lumOff val="25000"/>
+                  </a:schemeClr>
+                </a:solidFill>
+                <a:effectLst/>
+                <a:ea typeface="Times New Roman" panose="02020603050405020304" pitchFamily="18" charset="0"/>
+                <a:cs typeface="Times New Roman" panose="02020603050405020304" pitchFamily="18" charset="0"/>
               </a:rPr>
-              <a:t>y2 = x3 + ax + b</a:t>
-            </a:r>
-          </a:p>
-          <a:p>
-            <a:pPr marL="384048" indent="-384048" defTabSz="914400">
-              <a:lnSpc>
-                <a:spcPct val="94000"/>
-              </a:lnSpc>
-              <a:spcAft>
-                <a:spcPts val="200"/>
-              </a:spcAft>
-              <a:buFont typeface="Franklin Gothic Book" panose="020B0503020102020204" pitchFamily="34" charset="0"/>
-            </a:pPr>
-            <a:endParaRPr lang="en-US" b="1" dirty="0">
+              <a:t>y</a:t>
+            </a:r>
+            <a:r>
+              <a:rPr lang="en-US" sz="2800" b="1" baseline="30000" dirty="0">
+                <a:solidFill>
+                  <a:schemeClr val="tx1">
+                    <a:lumMod val="75000"/>
+                    <a:lumOff val="25000"/>
+                  </a:schemeClr>
+                </a:solidFill>
+                <a:effectLst/>
+                <a:ea typeface="Times New Roman" panose="02020603050405020304" pitchFamily="18" charset="0"/>
+                <a:cs typeface="Times New Roman" panose="02020603050405020304" pitchFamily="18" charset="0"/>
+              </a:rPr>
+              <a:t>2</a:t>
+            </a:r>
+            <a:r>
+              <a:rPr lang="en-US" sz="2800" b="1" dirty="0">
+                <a:solidFill>
+                  <a:schemeClr val="tx1">
+                    <a:lumMod val="75000"/>
+                    <a:lumOff val="25000"/>
+                  </a:schemeClr>
+                </a:solidFill>
+                <a:effectLst/>
+                <a:ea typeface="Times New Roman" panose="02020603050405020304" pitchFamily="18" charset="0"/>
+                <a:cs typeface="Times New Roman" panose="02020603050405020304" pitchFamily="18" charset="0"/>
+              </a:rPr>
+              <a:t> = x</a:t>
+            </a:r>
+            <a:r>
+              <a:rPr lang="en-US" sz="2800" b="1" baseline="30000" dirty="0">
+                <a:solidFill>
+                  <a:schemeClr val="tx1">
+                    <a:lumMod val="75000"/>
+                    <a:lumOff val="25000"/>
+                  </a:schemeClr>
+                </a:solidFill>
+                <a:effectLst/>
+                <a:ea typeface="Times New Roman" panose="02020603050405020304" pitchFamily="18" charset="0"/>
+                <a:cs typeface="Times New Roman" panose="02020603050405020304" pitchFamily="18" charset="0"/>
+              </a:rPr>
+              <a:t>3</a:t>
+            </a:r>
+            <a:r>
+              <a:rPr lang="en-US" sz="2800" b="1" dirty="0">
+                <a:solidFill>
+                  <a:schemeClr val="tx1">
+                    <a:lumMod val="75000"/>
+                    <a:lumOff val="25000"/>
+                  </a:schemeClr>
+                </a:solidFill>
+                <a:effectLst/>
+                <a:ea typeface="Times New Roman" panose="02020603050405020304" pitchFamily="18" charset="0"/>
+                <a:cs typeface="Times New Roman" panose="02020603050405020304" pitchFamily="18" charset="0"/>
+              </a:rPr>
+              <a:t> + ax + b</a:t>
+            </a:r>
+            <a:endParaRPr lang="en-US" sz="2800" b="1" dirty="0">
               <a:solidFill>
-                <a:srgbClr val="191B0E"/>
+                <a:schemeClr val="tx1">
+                  <a:lumMod val="75000"/>
+                  <a:lumOff val="25000"/>
+                </a:schemeClr>
               </a:solidFill>
             </a:endParaRPr>
           </a:p>
@@ -6157,6 +6304,54 @@
           </a:prstGeom>
         </p:spPr>
       </p:pic>
+      <p:sp>
+        <p:nvSpPr>
+          <p:cNvPr id="3" name="Rectangle 2">
+            <a:extLst>
+              <a:ext uri="{FF2B5EF4-FFF2-40B4-BE49-F238E27FC236}">
+                <a16:creationId xmlns:a16="http://schemas.microsoft.com/office/drawing/2014/main" id="{AE39CB10-6DF1-47FF-8367-36DE9002B3FE}"/>
+              </a:ext>
+            </a:extLst>
+          </p:cNvPr>
+          <p:cNvSpPr/>
+          <p:nvPr/>
+        </p:nvSpPr>
+        <p:spPr>
+          <a:xfrm>
+            <a:off x="1203158" y="4032985"/>
+            <a:ext cx="2772076" cy="750771"/>
+          </a:xfrm>
+          <a:prstGeom prst="rect">
+            <a:avLst/>
+          </a:prstGeom>
+          <a:noFill/>
+          <a:ln w="19050"/>
+        </p:spPr>
+        <p:style>
+          <a:lnRef idx="2">
+            <a:schemeClr val="accent1">
+              <a:shade val="50000"/>
+            </a:schemeClr>
+          </a:lnRef>
+          <a:fillRef idx="1">
+            <a:schemeClr val="accent1"/>
+          </a:fillRef>
+          <a:effectRef idx="0">
+            <a:schemeClr val="accent1"/>
+          </a:effectRef>
+          <a:fontRef idx="minor">
+            <a:schemeClr val="lt1"/>
+          </a:fontRef>
+        </p:style>
+        <p:txBody>
+          <a:bodyPr rtlCol="0" anchor="ctr"/>
+          <a:lstStyle/>
+          <a:p>
+            <a:pPr algn="ctr"/>
+            <a:endParaRPr lang="en-US" dirty="0"/>
+          </a:p>
+        </p:txBody>
+      </p:sp>
     </p:spTree>
     <p:extLst>
       <p:ext uri="{BB962C8B-B14F-4D97-AF65-F5344CB8AC3E}">
@@ -6205,7 +6400,7 @@
         </p:nvSpPr>
         <p:spPr>
           <a:xfrm>
-            <a:off x="1295399" y="668955"/>
+            <a:off x="1256898" y="1785486"/>
             <a:ext cx="10062411" cy="5905100"/>
           </a:xfrm>
         </p:spPr>
@@ -6359,6 +6554,545 @@
     <p:extLst>
       <p:ext uri="{BB962C8B-B14F-4D97-AF65-F5344CB8AC3E}">
         <p14:creationId xmlns:p14="http://schemas.microsoft.com/office/powerpoint/2010/main" val="3507718825"/>
+      </p:ext>
+    </p:extLst>
+  </p:cSld>
+  <p:clrMapOvr>
+    <a:masterClrMapping/>
+  </p:clrMapOvr>
+</p:sld>
+</file>
+
+<file path=ppt/slides/slide8.xml><?xml version="1.0" encoding="utf-8"?>
+<p:sld xmlns:a="http://schemas.openxmlformats.org/drawingml/2006/main" xmlns:r="http://schemas.openxmlformats.org/officeDocument/2006/relationships" xmlns:p="http://schemas.openxmlformats.org/presentationml/2006/main">
+  <p:cSld>
+    <p:bg>
+      <p:bgPr>
+        <a:solidFill>
+          <a:schemeClr val="bg2"/>
+        </a:solidFill>
+        <a:effectLst/>
+      </p:bgPr>
+    </p:bg>
+    <p:spTree>
+      <p:nvGrpSpPr>
+        <p:cNvPr id="1" name=""/>
+        <p:cNvGrpSpPr/>
+        <p:nvPr/>
+      </p:nvGrpSpPr>
+      <p:grpSpPr>
+        <a:xfrm>
+          <a:off x="0" y="0"/>
+          <a:ext cx="0" cy="0"/>
+          <a:chOff x="0" y="0"/>
+          <a:chExt cx="0" cy="0"/>
+        </a:xfrm>
+      </p:grpSpPr>
+      <p:sp>
+        <p:nvSpPr>
+          <p:cNvPr id="17" name="Rectangle 9">
+            <a:extLst>
+              <a:ext uri="{FF2B5EF4-FFF2-40B4-BE49-F238E27FC236}">
+                <a16:creationId xmlns:a16="http://schemas.microsoft.com/office/drawing/2014/main" id="{AA6EC888-B85F-410F-B430-06583E94BEEC}"/>
+              </a:ext>
+              <a:ext uri="{C183D7F6-B498-43B3-948B-1728B52AA6E4}">
+                <adec:decorative xmlns:adec="http://schemas.microsoft.com/office/drawing/2017/decorative" val="1"/>
+              </a:ext>
+            </a:extLst>
+          </p:cNvPr>
+          <p:cNvSpPr>
+            <a:spLocks noGrp="1" noRot="1" noChangeAspect="1" noMove="1" noResize="1" noEditPoints="1" noAdjustHandles="1" noChangeArrowheads="1" noChangeShapeType="1" noTextEdit="1"/>
+          </p:cNvSpPr>
+          <p:nvPr>
+            <p:extLst>
+              <p:ext uri="{386F3935-93C4-4BCD-93E2-E3B085C9AB24}">
+                <p16:designElem xmlns:p16="http://schemas.microsoft.com/office/powerpoint/2015/main" val="1"/>
+              </p:ext>
+            </p:extLst>
+          </p:nvPr>
+        </p:nvSpPr>
+        <p:spPr>
+          <a:xfrm>
+            <a:off x="478095" y="376"/>
+            <a:ext cx="228600" cy="6858000"/>
+          </a:xfrm>
+          <a:prstGeom prst="rect">
+            <a:avLst/>
+          </a:prstGeom>
+          <a:solidFill>
+            <a:schemeClr val="tx2"/>
+          </a:solidFill>
+          <a:ln>
+            <a:noFill/>
+          </a:ln>
+        </p:spPr>
+        <p:style>
+          <a:lnRef idx="2">
+            <a:schemeClr val="accent1">
+              <a:shade val="50000"/>
+            </a:schemeClr>
+          </a:lnRef>
+          <a:fillRef idx="1">
+            <a:schemeClr val="accent1"/>
+          </a:fillRef>
+          <a:effectRef idx="0">
+            <a:schemeClr val="accent1"/>
+          </a:effectRef>
+          <a:fontRef idx="minor">
+            <a:schemeClr val="lt1"/>
+          </a:fontRef>
+        </p:style>
+      </p:sp>
+      <p:sp>
+        <p:nvSpPr>
+          <p:cNvPr id="19" name="Rectangle 11">
+            <a:extLst>
+              <a:ext uri="{FF2B5EF4-FFF2-40B4-BE49-F238E27FC236}">
+                <a16:creationId xmlns:a16="http://schemas.microsoft.com/office/drawing/2014/main" id="{9485DA84-CB73-4E5E-9864-2460CE28055D}"/>
+              </a:ext>
+              <a:ext uri="{C183D7F6-B498-43B3-948B-1728B52AA6E4}">
+                <adec:decorative xmlns:adec="http://schemas.microsoft.com/office/drawing/2017/decorative" val="1"/>
+              </a:ext>
+            </a:extLst>
+          </p:cNvPr>
+          <p:cNvSpPr>
+            <a:spLocks noGrp="1" noRot="1" noChangeAspect="1" noMove="1" noResize="1" noEditPoints="1" noAdjustHandles="1" noChangeArrowheads="1" noChangeShapeType="1" noTextEdit="1"/>
+          </p:cNvSpPr>
+          <p:nvPr>
+            <p:extLst>
+              <p:ext uri="{386F3935-93C4-4BCD-93E2-E3B085C9AB24}">
+                <p16:designElem xmlns:p16="http://schemas.microsoft.com/office/powerpoint/2015/main" val="1"/>
+              </p:ext>
+            </p:extLst>
+          </p:nvPr>
+        </p:nvSpPr>
+        <p:spPr>
+          <a:xfrm>
+            <a:off x="0" y="0"/>
+            <a:ext cx="12192000" cy="6858000"/>
+          </a:xfrm>
+          <a:prstGeom prst="rect">
+            <a:avLst/>
+          </a:prstGeom>
+          <a:solidFill>
+            <a:schemeClr val="bg2"/>
+          </a:solidFill>
+          <a:ln>
+            <a:noFill/>
+          </a:ln>
+        </p:spPr>
+        <p:style>
+          <a:lnRef idx="2">
+            <a:schemeClr val="accent1">
+              <a:shade val="50000"/>
+            </a:schemeClr>
+          </a:lnRef>
+          <a:fillRef idx="1">
+            <a:schemeClr val="accent1"/>
+          </a:fillRef>
+          <a:effectRef idx="0">
+            <a:schemeClr val="accent1"/>
+          </a:effectRef>
+          <a:fontRef idx="minor">
+            <a:schemeClr val="lt1"/>
+          </a:fontRef>
+        </p:style>
+        <p:txBody>
+          <a:bodyPr rtlCol="0" anchor="ctr"/>
+          <a:lstStyle/>
+          <a:p>
+            <a:pPr algn="ctr"/>
+            <a:endParaRPr lang="en-US"/>
+          </a:p>
+        </p:txBody>
+      </p:sp>
+      <p:sp>
+        <p:nvSpPr>
+          <p:cNvPr id="21" name="Rectangle 13">
+            <a:extLst>
+              <a:ext uri="{FF2B5EF4-FFF2-40B4-BE49-F238E27FC236}">
+                <a16:creationId xmlns:a16="http://schemas.microsoft.com/office/drawing/2014/main" id="{7D49185E-361A-421B-8F2D-11C7FFC686F0}"/>
+              </a:ext>
+              <a:ext uri="{C183D7F6-B498-43B3-948B-1728B52AA6E4}">
+                <adec:decorative xmlns:adec="http://schemas.microsoft.com/office/drawing/2017/decorative" val="1"/>
+              </a:ext>
+            </a:extLst>
+          </p:cNvPr>
+          <p:cNvSpPr>
+            <a:spLocks noGrp="1" noRot="1" noChangeAspect="1" noMove="1" noResize="1" noEditPoints="1" noAdjustHandles="1" noChangeArrowheads="1" noChangeShapeType="1" noTextEdit="1"/>
+          </p:cNvSpPr>
+          <p:nvPr>
+            <p:extLst>
+              <p:ext uri="{386F3935-93C4-4BCD-93E2-E3B085C9AB24}">
+                <p16:designElem xmlns:p16="http://schemas.microsoft.com/office/powerpoint/2015/main" val="1"/>
+              </p:ext>
+            </p:extLst>
+          </p:nvPr>
+        </p:nvSpPr>
+        <p:spPr>
+          <a:xfrm>
+            <a:off x="0" y="0"/>
+            <a:ext cx="365760" cy="365760"/>
+          </a:xfrm>
+          <a:prstGeom prst="rect">
+            <a:avLst/>
+          </a:prstGeom>
+          <a:solidFill>
+            <a:schemeClr val="tx1"/>
+          </a:solidFill>
+          <a:ln>
+            <a:noFill/>
+          </a:ln>
+        </p:spPr>
+        <p:style>
+          <a:lnRef idx="2">
+            <a:schemeClr val="accent1">
+              <a:shade val="50000"/>
+            </a:schemeClr>
+          </a:lnRef>
+          <a:fillRef idx="1">
+            <a:schemeClr val="accent1"/>
+          </a:fillRef>
+          <a:effectRef idx="0">
+            <a:schemeClr val="accent1"/>
+          </a:effectRef>
+          <a:fontRef idx="minor">
+            <a:schemeClr val="lt1"/>
+          </a:fontRef>
+        </p:style>
+        <p:txBody>
+          <a:bodyPr rtlCol="0" anchor="ctr"/>
+          <a:lstStyle/>
+          <a:p>
+            <a:pPr algn="ctr"/>
+            <a:endParaRPr lang="en-US"/>
+          </a:p>
+        </p:txBody>
+      </p:sp>
+      <p:sp>
+        <p:nvSpPr>
+          <p:cNvPr id="16" name="Rectangle 15">
+            <a:extLst>
+              <a:ext uri="{FF2B5EF4-FFF2-40B4-BE49-F238E27FC236}">
+                <a16:creationId xmlns:a16="http://schemas.microsoft.com/office/drawing/2014/main" id="{14B85BAA-C37F-44B4-B427-B4F10EBB4183}"/>
+              </a:ext>
+              <a:ext uri="{C183D7F6-B498-43B3-948B-1728B52AA6E4}">
+                <adec:decorative xmlns:adec="http://schemas.microsoft.com/office/drawing/2017/decorative" val="1"/>
+              </a:ext>
+            </a:extLst>
+          </p:cNvPr>
+          <p:cNvSpPr>
+            <a:spLocks noGrp="1" noRot="1" noChangeAspect="1" noMove="1" noResize="1" noEditPoints="1" noAdjustHandles="1" noChangeArrowheads="1" noChangeShapeType="1" noTextEdit="1"/>
+          </p:cNvSpPr>
+          <p:nvPr>
+            <p:extLst>
+              <p:ext uri="{386F3935-93C4-4BCD-93E2-E3B085C9AB24}">
+                <p16:designElem xmlns:p16="http://schemas.microsoft.com/office/powerpoint/2015/main" val="1"/>
+              </p:ext>
+            </p:extLst>
+          </p:nvPr>
+        </p:nvSpPr>
+        <p:spPr>
+          <a:xfrm>
+            <a:off x="11826240" y="-4668"/>
+            <a:ext cx="365760" cy="365760"/>
+          </a:xfrm>
+          <a:prstGeom prst="rect">
+            <a:avLst/>
+          </a:prstGeom>
+          <a:solidFill>
+            <a:schemeClr val="tx1"/>
+          </a:solidFill>
+          <a:ln>
+            <a:noFill/>
+          </a:ln>
+        </p:spPr>
+        <p:style>
+          <a:lnRef idx="2">
+            <a:schemeClr val="accent1">
+              <a:shade val="50000"/>
+            </a:schemeClr>
+          </a:lnRef>
+          <a:fillRef idx="1">
+            <a:schemeClr val="accent1"/>
+          </a:fillRef>
+          <a:effectRef idx="0">
+            <a:schemeClr val="accent1"/>
+          </a:effectRef>
+          <a:fontRef idx="minor">
+            <a:schemeClr val="lt1"/>
+          </a:fontRef>
+        </p:style>
+        <p:txBody>
+          <a:bodyPr rtlCol="0" anchor="ctr"/>
+          <a:lstStyle/>
+          <a:p>
+            <a:pPr algn="ctr"/>
+            <a:endParaRPr lang="en-US"/>
+          </a:p>
+        </p:txBody>
+      </p:sp>
+      <p:sp>
+        <p:nvSpPr>
+          <p:cNvPr id="18" name="Rectangle 17">
+            <a:extLst>
+              <a:ext uri="{FF2B5EF4-FFF2-40B4-BE49-F238E27FC236}">
+                <a16:creationId xmlns:a16="http://schemas.microsoft.com/office/drawing/2014/main" id="{EDC4EE06-D7B4-4FAC-A561-38A1C380232A}"/>
+              </a:ext>
+              <a:ext uri="{C183D7F6-B498-43B3-948B-1728B52AA6E4}">
+                <adec:decorative xmlns:adec="http://schemas.microsoft.com/office/drawing/2017/decorative" val="1"/>
+              </a:ext>
+            </a:extLst>
+          </p:cNvPr>
+          <p:cNvSpPr>
+            <a:spLocks noGrp="1" noRot="1" noChangeAspect="1" noMove="1" noResize="1" noEditPoints="1" noAdjustHandles="1" noChangeArrowheads="1" noChangeShapeType="1" noTextEdit="1"/>
+          </p:cNvSpPr>
+          <p:nvPr>
+            <p:extLst>
+              <p:ext uri="{386F3935-93C4-4BCD-93E2-E3B085C9AB24}">
+                <p16:designElem xmlns:p16="http://schemas.microsoft.com/office/powerpoint/2015/main" val="1"/>
+              </p:ext>
+            </p:extLst>
+          </p:nvPr>
+        </p:nvSpPr>
+        <p:spPr>
+          <a:xfrm>
+            <a:off x="0" y="6494325"/>
+            <a:ext cx="365760" cy="365760"/>
+          </a:xfrm>
+          <a:prstGeom prst="rect">
+            <a:avLst/>
+          </a:prstGeom>
+          <a:solidFill>
+            <a:schemeClr val="tx1"/>
+          </a:solidFill>
+          <a:ln>
+            <a:noFill/>
+          </a:ln>
+        </p:spPr>
+        <p:style>
+          <a:lnRef idx="2">
+            <a:schemeClr val="accent1">
+              <a:shade val="50000"/>
+            </a:schemeClr>
+          </a:lnRef>
+          <a:fillRef idx="1">
+            <a:schemeClr val="accent1"/>
+          </a:fillRef>
+          <a:effectRef idx="0">
+            <a:schemeClr val="accent1"/>
+          </a:effectRef>
+          <a:fontRef idx="minor">
+            <a:schemeClr val="lt1"/>
+          </a:fontRef>
+        </p:style>
+        <p:txBody>
+          <a:bodyPr rtlCol="0" anchor="ctr"/>
+          <a:lstStyle/>
+          <a:p>
+            <a:pPr algn="ctr"/>
+            <a:endParaRPr lang="en-US"/>
+          </a:p>
+        </p:txBody>
+      </p:sp>
+      <p:sp>
+        <p:nvSpPr>
+          <p:cNvPr id="20" name="Rectangle 19">
+            <a:extLst>
+              <a:ext uri="{FF2B5EF4-FFF2-40B4-BE49-F238E27FC236}">
+                <a16:creationId xmlns:a16="http://schemas.microsoft.com/office/drawing/2014/main" id="{9018D83B-903C-4782-B1BB-A45164A71F60}"/>
+              </a:ext>
+              <a:ext uri="{C183D7F6-B498-43B3-948B-1728B52AA6E4}">
+                <adec:decorative xmlns:adec="http://schemas.microsoft.com/office/drawing/2017/decorative" val="1"/>
+              </a:ext>
+            </a:extLst>
+          </p:cNvPr>
+          <p:cNvSpPr>
+            <a:spLocks noGrp="1" noRot="1" noChangeAspect="1" noMove="1" noResize="1" noEditPoints="1" noAdjustHandles="1" noChangeArrowheads="1" noChangeShapeType="1" noTextEdit="1"/>
+          </p:cNvSpPr>
+          <p:nvPr>
+            <p:extLst>
+              <p:ext uri="{386F3935-93C4-4BCD-93E2-E3B085C9AB24}">
+                <p16:designElem xmlns:p16="http://schemas.microsoft.com/office/powerpoint/2015/main" val="1"/>
+              </p:ext>
+            </p:extLst>
+          </p:nvPr>
+        </p:nvSpPr>
+        <p:spPr>
+          <a:xfrm>
+            <a:off x="11826240" y="6494325"/>
+            <a:ext cx="365760" cy="365760"/>
+          </a:xfrm>
+          <a:prstGeom prst="rect">
+            <a:avLst/>
+          </a:prstGeom>
+          <a:solidFill>
+            <a:schemeClr val="tx1"/>
+          </a:solidFill>
+          <a:ln>
+            <a:noFill/>
+          </a:ln>
+        </p:spPr>
+        <p:style>
+          <a:lnRef idx="2">
+            <a:schemeClr val="accent1">
+              <a:shade val="50000"/>
+            </a:schemeClr>
+          </a:lnRef>
+          <a:fillRef idx="1">
+            <a:schemeClr val="accent1"/>
+          </a:fillRef>
+          <a:effectRef idx="0">
+            <a:schemeClr val="accent1"/>
+          </a:effectRef>
+          <a:fontRef idx="minor">
+            <a:schemeClr val="lt1"/>
+          </a:fontRef>
+        </p:style>
+        <p:txBody>
+          <a:bodyPr rtlCol="0" anchor="ctr"/>
+          <a:lstStyle/>
+          <a:p>
+            <a:pPr algn="ctr"/>
+            <a:endParaRPr lang="en-US"/>
+          </a:p>
+        </p:txBody>
+      </p:sp>
+      <p:sp>
+        <p:nvSpPr>
+          <p:cNvPr id="22" name="Rectangle 21">
+            <a:extLst>
+              <a:ext uri="{FF2B5EF4-FFF2-40B4-BE49-F238E27FC236}">
+                <a16:creationId xmlns:a16="http://schemas.microsoft.com/office/drawing/2014/main" id="{8785589A-A5AC-409A-B2A2-24D871B4CEF0}"/>
+              </a:ext>
+              <a:ext uri="{C183D7F6-B498-43B3-948B-1728B52AA6E4}">
+                <adec:decorative xmlns:adec="http://schemas.microsoft.com/office/drawing/2017/decorative" val="1"/>
+              </a:ext>
+            </a:extLst>
+          </p:cNvPr>
+          <p:cNvSpPr>
+            <a:spLocks noGrp="1" noRot="1" noChangeAspect="1" noMove="1" noResize="1" noEditPoints="1" noAdjustHandles="1" noChangeArrowheads="1" noChangeShapeType="1" noTextEdit="1"/>
+          </p:cNvSpPr>
+          <p:nvPr>
+            <p:extLst>
+              <p:ext uri="{386F3935-93C4-4BCD-93E2-E3B085C9AB24}">
+                <p16:designElem xmlns:p16="http://schemas.microsoft.com/office/powerpoint/2015/main" val="1"/>
+              </p:ext>
+            </p:extLst>
+          </p:nvPr>
+        </p:nvSpPr>
+        <p:spPr>
+          <a:xfrm>
+            <a:off x="160867" y="158782"/>
+            <a:ext cx="11870265" cy="6537850"/>
+          </a:xfrm>
+          <a:prstGeom prst="rect">
+            <a:avLst/>
+          </a:prstGeom>
+          <a:solidFill>
+            <a:srgbClr val="FFFFFF"/>
+          </a:solidFill>
+          <a:ln>
+            <a:noFill/>
+          </a:ln>
+        </p:spPr>
+        <p:style>
+          <a:lnRef idx="2">
+            <a:schemeClr val="accent1">
+              <a:shade val="50000"/>
+            </a:schemeClr>
+          </a:lnRef>
+          <a:fillRef idx="1">
+            <a:schemeClr val="accent1"/>
+          </a:fillRef>
+          <a:effectRef idx="0">
+            <a:schemeClr val="accent1"/>
+          </a:effectRef>
+          <a:fontRef idx="minor">
+            <a:schemeClr val="lt1"/>
+          </a:fontRef>
+        </p:style>
+        <p:txBody>
+          <a:bodyPr rtlCol="0" anchor="ctr"/>
+          <a:lstStyle/>
+          <a:p>
+            <a:pPr algn="ctr"/>
+            <a:endParaRPr lang="en-US"/>
+          </a:p>
+        </p:txBody>
+      </p:sp>
+      <p:pic>
+        <p:nvPicPr>
+          <p:cNvPr id="5" name="Content Placeholder 4" descr="Diagram&#10;&#10;Description automatically generated">
+            <a:extLst>
+              <a:ext uri="{FF2B5EF4-FFF2-40B4-BE49-F238E27FC236}">
+                <a16:creationId xmlns:a16="http://schemas.microsoft.com/office/drawing/2014/main" id="{2D8C6E18-D1F4-4BD7-A6FE-0A5B69563567}"/>
+              </a:ext>
+            </a:extLst>
+          </p:cNvPr>
+          <p:cNvPicPr>
+            <a:picLocks noGrp="1" noChangeAspect="1"/>
+          </p:cNvPicPr>
+          <p:nvPr>
+            <p:ph idx="1"/>
+          </p:nvPr>
+        </p:nvPicPr>
+        <p:blipFill>
+          <a:blip r:embed="rId2">
+            <a:extLst>
+              <a:ext uri="{28A0092B-C50C-407E-A947-70E740481C1C}">
+                <a14:useLocalDpi xmlns:a14="http://schemas.microsoft.com/office/drawing/2010/main" val="0"/>
+              </a:ext>
+            </a:extLst>
+          </a:blip>
+          <a:stretch>
+            <a:fillRect/>
+          </a:stretch>
+        </p:blipFill>
+        <p:spPr>
+          <a:xfrm>
+            <a:off x="2193812" y="480515"/>
+            <a:ext cx="7804375" cy="5892302"/>
+          </a:xfrm>
+          <a:prstGeom prst="rect">
+            <a:avLst/>
+          </a:prstGeom>
+        </p:spPr>
+      </p:pic>
+    </p:spTree>
+    <p:extLst>
+      <p:ext uri="{BB962C8B-B14F-4D97-AF65-F5344CB8AC3E}">
+        <p14:creationId xmlns:p14="http://schemas.microsoft.com/office/powerpoint/2010/main" val="163109145"/>
+      </p:ext>
+    </p:extLst>
+  </p:cSld>
+  <p:clrMapOvr>
+    <a:masterClrMapping/>
+  </p:clrMapOvr>
+</p:sld>
+</file>
+
+<file path=ppt/slides/slide9.xml><?xml version="1.0" encoding="utf-8"?>
+<p:sld xmlns:a="http://schemas.openxmlformats.org/drawingml/2006/main" xmlns:r="http://schemas.openxmlformats.org/officeDocument/2006/relationships" xmlns:p="http://schemas.openxmlformats.org/presentationml/2006/main">
+  <p:cSld>
+    <p:spTree>
+      <p:nvGrpSpPr>
+        <p:cNvPr id="1" name=""/>
+        <p:cNvGrpSpPr/>
+        <p:nvPr/>
+      </p:nvGrpSpPr>
+      <p:grpSpPr>
+        <a:xfrm>
+          <a:off x="0" y="0"/>
+          <a:ext cx="0" cy="0"/>
+          <a:chOff x="0" y="0"/>
+          <a:chExt cx="0" cy="0"/>
+        </a:xfrm>
+      </p:grpSpPr>
+    </p:spTree>
+    <p:extLst>
+      <p:ext uri="{BB962C8B-B14F-4D97-AF65-F5344CB8AC3E}">
+        <p14:creationId xmlns:p14="http://schemas.microsoft.com/office/powerpoint/2010/main" val="3565059014"/>
       </p:ext>
     </p:extLst>
   </p:cSld>

--- a/Ecc Cipher.pptx
+++ b/Ecc Cipher.pptx
@@ -5,18 +5,23 @@
     <p:sldMasterId id="2147483785" r:id="rId1"/>
   </p:sldMasterIdLst>
   <p:notesMasterIdLst>
-    <p:notesMasterId r:id="rId11"/>
+    <p:notesMasterId r:id="rId16"/>
   </p:notesMasterIdLst>
   <p:sldIdLst>
     <p:sldId id="256" r:id="rId2"/>
     <p:sldId id="257" r:id="rId3"/>
     <p:sldId id="258" r:id="rId4"/>
-    <p:sldId id="294" r:id="rId5"/>
-    <p:sldId id="293" r:id="rId6"/>
-    <p:sldId id="292" r:id="rId7"/>
-    <p:sldId id="259" r:id="rId8"/>
-    <p:sldId id="295" r:id="rId9"/>
+    <p:sldId id="299" r:id="rId5"/>
+    <p:sldId id="294" r:id="rId6"/>
+    <p:sldId id="293" r:id="rId7"/>
+    <p:sldId id="292" r:id="rId8"/>
+    <p:sldId id="259" r:id="rId9"/>
     <p:sldId id="296" r:id="rId10"/>
+    <p:sldId id="295" r:id="rId11"/>
+    <p:sldId id="297" r:id="rId12"/>
+    <p:sldId id="298" r:id="rId13"/>
+    <p:sldId id="300" r:id="rId14"/>
+    <p:sldId id="285" r:id="rId15"/>
   </p:sldIdLst>
   <p:sldSz cx="12192000" cy="6858000"/>
   <p:notesSz cx="6858000" cy="9144000"/>
@@ -560,7 +565,7 @@
           <a:p>
             <a:fld id="{E3BFD279-5C0D-4577-8BC8-F2A99E0295D8}" type="slidenum">
               <a:rPr lang="en-US" smtClean="0"/>
-              <a:t>4</a:t>
+              <a:t>5</a:t>
             </a:fld>
             <a:endParaRPr lang="en-US"/>
           </a:p>
@@ -665,7 +670,7 @@
           <a:p>
             <a:fld id="{E3BFD279-5C0D-4577-8BC8-F2A99E0295D8}" type="slidenum">
               <a:rPr lang="en-US" smtClean="0"/>
-              <a:t>5</a:t>
+              <a:t>6</a:t>
             </a:fld>
             <a:endParaRPr lang="en-US"/>
           </a:p>
@@ -764,7 +769,7 @@
           <a:p>
             <a:fld id="{E3BFD279-5C0D-4577-8BC8-F2A99E0295D8}" type="slidenum">
               <a:rPr lang="en-US" smtClean="0"/>
-              <a:t>6</a:t>
+              <a:t>7</a:t>
             </a:fld>
             <a:endParaRPr lang="en-US"/>
           </a:p>
@@ -886,7 +891,7 @@
           <a:p>
             <a:fld id="{E3BFD279-5C0D-4577-8BC8-F2A99E0295D8}" type="slidenum">
               <a:rPr lang="en-US" smtClean="0"/>
-              <a:t>7</a:t>
+              <a:t>8</a:t>
             </a:fld>
             <a:endParaRPr lang="en-US"/>
           </a:p>
@@ -949,14 +954,7 @@
           <a:bodyPr/>
           <a:lstStyle/>
           <a:p>
-            <a:r>
-              <a:rPr lang="en-US" dirty="0"/>
-              <a:t>START WITH RESEARCH </a:t>
-            </a:r>
-            <a:r>
-              <a:rPr lang="en-US"/>
-              <a:t>PAPER SPECIFICALLY</a:t>
-            </a:r>
+            <a:endParaRPr lang="en-US" dirty="0"/>
           </a:p>
         </p:txBody>
       </p:sp>
@@ -987,6 +985,110 @@
     <p:extLst>
       <p:ext uri="{BB962C8B-B14F-4D97-AF65-F5344CB8AC3E}">
         <p14:creationId xmlns:p14="http://schemas.microsoft.com/office/powerpoint/2010/main" val="32246894"/>
+      </p:ext>
+    </p:extLst>
+  </p:cSld>
+  <p:clrMapOvr>
+    <a:masterClrMapping/>
+  </p:clrMapOvr>
+</p:notes>
+</file>
+
+<file path=ppt/notesSlides/notesSlide6.xml><?xml version="1.0" encoding="utf-8"?>
+<p:notes xmlns:a="http://schemas.openxmlformats.org/drawingml/2006/main" xmlns:r="http://schemas.openxmlformats.org/officeDocument/2006/relationships" xmlns:p="http://schemas.openxmlformats.org/presentationml/2006/main">
+  <p:cSld>
+    <p:spTree>
+      <p:nvGrpSpPr>
+        <p:cNvPr id="1" name=""/>
+        <p:cNvGrpSpPr/>
+        <p:nvPr/>
+      </p:nvGrpSpPr>
+      <p:grpSpPr>
+        <a:xfrm>
+          <a:off x="0" y="0"/>
+          <a:ext cx="0" cy="0"/>
+          <a:chOff x="0" y="0"/>
+          <a:chExt cx="0" cy="0"/>
+        </a:xfrm>
+      </p:grpSpPr>
+      <p:sp>
+        <p:nvSpPr>
+          <p:cNvPr id="2" name="Slide Image Placeholder 1"/>
+          <p:cNvSpPr>
+            <a:spLocks noGrp="1" noRot="1" noChangeAspect="1"/>
+          </p:cNvSpPr>
+          <p:nvPr>
+            <p:ph type="sldImg"/>
+          </p:nvPr>
+        </p:nvSpPr>
+        <p:spPr/>
+      </p:sp>
+      <p:sp>
+        <p:nvSpPr>
+          <p:cNvPr id="3" name="Notes Placeholder 2"/>
+          <p:cNvSpPr>
+            <a:spLocks noGrp="1"/>
+          </p:cNvSpPr>
+          <p:nvPr>
+            <p:ph type="body" idx="1"/>
+          </p:nvPr>
+        </p:nvSpPr>
+        <p:spPr/>
+        <p:txBody>
+          <a:bodyPr/>
+          <a:lstStyle/>
+          <a:p>
+            <a:pPr marL="0" marR="0" lvl="0" indent="0" algn="l" defTabSz="914400" rtl="0" eaLnBrk="1" fontAlgn="auto" latinLnBrk="0" hangingPunct="1">
+              <a:lnSpc>
+                <a:spcPct val="100000"/>
+              </a:lnSpc>
+              <a:spcBef>
+                <a:spcPts val="0"/>
+              </a:spcBef>
+              <a:spcAft>
+                <a:spcPts val="0"/>
+              </a:spcAft>
+              <a:buClrTx/>
+              <a:buSzTx/>
+              <a:buFontTx/>
+              <a:buNone/>
+              <a:tabLst/>
+              <a:defRPr/>
+            </a:pPr>
+            <a:r>
+              <a:rPr lang="en-US" dirty="0"/>
+              <a:t>START WITH RESEARCH PAPER SPECIFICALLY</a:t>
+            </a:r>
+          </a:p>
+        </p:txBody>
+      </p:sp>
+      <p:sp>
+        <p:nvSpPr>
+          <p:cNvPr id="4" name="Slide Number Placeholder 3"/>
+          <p:cNvSpPr>
+            <a:spLocks noGrp="1"/>
+          </p:cNvSpPr>
+          <p:nvPr>
+            <p:ph type="sldNum" sz="quarter" idx="5"/>
+          </p:nvPr>
+        </p:nvSpPr>
+        <p:spPr/>
+        <p:txBody>
+          <a:bodyPr/>
+          <a:lstStyle/>
+          <a:p>
+            <a:fld id="{E3BFD279-5C0D-4577-8BC8-F2A99E0295D8}" type="slidenum">
+              <a:rPr lang="en-US" smtClean="0"/>
+              <a:t>11</a:t>
+            </a:fld>
+            <a:endParaRPr lang="en-US"/>
+          </a:p>
+        </p:txBody>
+      </p:sp>
+    </p:spTree>
+    <p:extLst>
+      <p:ext uri="{BB962C8B-B14F-4D97-AF65-F5344CB8AC3E}">
+        <p14:creationId xmlns:p14="http://schemas.microsoft.com/office/powerpoint/2010/main" val="3010847491"/>
       </p:ext>
     </p:extLst>
   </p:cSld>
@@ -4880,6 +4982,2239 @@
 </p:sld>
 </file>
 
+<file path=ppt/slides/slide10.xml><?xml version="1.0" encoding="utf-8"?>
+<p:sld xmlns:a="http://schemas.openxmlformats.org/drawingml/2006/main" xmlns:r="http://schemas.openxmlformats.org/officeDocument/2006/relationships" xmlns:p="http://schemas.openxmlformats.org/presentationml/2006/main">
+  <p:cSld>
+    <p:bg>
+      <p:bgPr>
+        <a:solidFill>
+          <a:schemeClr val="bg2"/>
+        </a:solidFill>
+        <a:effectLst/>
+      </p:bgPr>
+    </p:bg>
+    <p:spTree>
+      <p:nvGrpSpPr>
+        <p:cNvPr id="1" name=""/>
+        <p:cNvGrpSpPr/>
+        <p:nvPr/>
+      </p:nvGrpSpPr>
+      <p:grpSpPr>
+        <a:xfrm>
+          <a:off x="0" y="0"/>
+          <a:ext cx="0" cy="0"/>
+          <a:chOff x="0" y="0"/>
+          <a:chExt cx="0" cy="0"/>
+        </a:xfrm>
+      </p:grpSpPr>
+      <p:sp>
+        <p:nvSpPr>
+          <p:cNvPr id="17" name="Rectangle 9">
+            <a:extLst>
+              <a:ext uri="{FF2B5EF4-FFF2-40B4-BE49-F238E27FC236}">
+                <a16:creationId xmlns:a16="http://schemas.microsoft.com/office/drawing/2014/main" id="{AA6EC888-B85F-410F-B430-06583E94BEEC}"/>
+              </a:ext>
+              <a:ext uri="{C183D7F6-B498-43B3-948B-1728B52AA6E4}">
+                <adec:decorative xmlns:adec="http://schemas.microsoft.com/office/drawing/2017/decorative" val="1"/>
+              </a:ext>
+            </a:extLst>
+          </p:cNvPr>
+          <p:cNvSpPr>
+            <a:spLocks noGrp="1" noRot="1" noChangeAspect="1" noMove="1" noResize="1" noEditPoints="1" noAdjustHandles="1" noChangeArrowheads="1" noChangeShapeType="1" noTextEdit="1"/>
+          </p:cNvSpPr>
+          <p:nvPr>
+            <p:extLst>
+              <p:ext uri="{386F3935-93C4-4BCD-93E2-E3B085C9AB24}">
+                <p16:designElem xmlns:p16="http://schemas.microsoft.com/office/powerpoint/2015/main" val="1"/>
+              </p:ext>
+            </p:extLst>
+          </p:nvPr>
+        </p:nvSpPr>
+        <p:spPr>
+          <a:xfrm>
+            <a:off x="478095" y="376"/>
+            <a:ext cx="228600" cy="6858000"/>
+          </a:xfrm>
+          <a:prstGeom prst="rect">
+            <a:avLst/>
+          </a:prstGeom>
+          <a:solidFill>
+            <a:schemeClr val="tx2"/>
+          </a:solidFill>
+          <a:ln>
+            <a:noFill/>
+          </a:ln>
+        </p:spPr>
+        <p:style>
+          <a:lnRef idx="2">
+            <a:schemeClr val="accent1">
+              <a:shade val="50000"/>
+            </a:schemeClr>
+          </a:lnRef>
+          <a:fillRef idx="1">
+            <a:schemeClr val="accent1"/>
+          </a:fillRef>
+          <a:effectRef idx="0">
+            <a:schemeClr val="accent1"/>
+          </a:effectRef>
+          <a:fontRef idx="minor">
+            <a:schemeClr val="lt1"/>
+          </a:fontRef>
+        </p:style>
+      </p:sp>
+      <p:sp>
+        <p:nvSpPr>
+          <p:cNvPr id="19" name="Rectangle 11">
+            <a:extLst>
+              <a:ext uri="{FF2B5EF4-FFF2-40B4-BE49-F238E27FC236}">
+                <a16:creationId xmlns:a16="http://schemas.microsoft.com/office/drawing/2014/main" id="{9485DA84-CB73-4E5E-9864-2460CE28055D}"/>
+              </a:ext>
+              <a:ext uri="{C183D7F6-B498-43B3-948B-1728B52AA6E4}">
+                <adec:decorative xmlns:adec="http://schemas.microsoft.com/office/drawing/2017/decorative" val="1"/>
+              </a:ext>
+            </a:extLst>
+          </p:cNvPr>
+          <p:cNvSpPr>
+            <a:spLocks noGrp="1" noRot="1" noChangeAspect="1" noMove="1" noResize="1" noEditPoints="1" noAdjustHandles="1" noChangeArrowheads="1" noChangeShapeType="1" noTextEdit="1"/>
+          </p:cNvSpPr>
+          <p:nvPr>
+            <p:extLst>
+              <p:ext uri="{386F3935-93C4-4BCD-93E2-E3B085C9AB24}">
+                <p16:designElem xmlns:p16="http://schemas.microsoft.com/office/powerpoint/2015/main" val="1"/>
+              </p:ext>
+            </p:extLst>
+          </p:nvPr>
+        </p:nvSpPr>
+        <p:spPr>
+          <a:xfrm>
+            <a:off x="0" y="0"/>
+            <a:ext cx="12192000" cy="6858000"/>
+          </a:xfrm>
+          <a:prstGeom prst="rect">
+            <a:avLst/>
+          </a:prstGeom>
+          <a:solidFill>
+            <a:schemeClr val="bg2"/>
+          </a:solidFill>
+          <a:ln>
+            <a:noFill/>
+          </a:ln>
+        </p:spPr>
+        <p:style>
+          <a:lnRef idx="2">
+            <a:schemeClr val="accent1">
+              <a:shade val="50000"/>
+            </a:schemeClr>
+          </a:lnRef>
+          <a:fillRef idx="1">
+            <a:schemeClr val="accent1"/>
+          </a:fillRef>
+          <a:effectRef idx="0">
+            <a:schemeClr val="accent1"/>
+          </a:effectRef>
+          <a:fontRef idx="minor">
+            <a:schemeClr val="lt1"/>
+          </a:fontRef>
+        </p:style>
+        <p:txBody>
+          <a:bodyPr rtlCol="0" anchor="ctr"/>
+          <a:lstStyle/>
+          <a:p>
+            <a:pPr algn="ctr"/>
+            <a:endParaRPr lang="en-US"/>
+          </a:p>
+        </p:txBody>
+      </p:sp>
+      <p:sp>
+        <p:nvSpPr>
+          <p:cNvPr id="21" name="Rectangle 13">
+            <a:extLst>
+              <a:ext uri="{FF2B5EF4-FFF2-40B4-BE49-F238E27FC236}">
+                <a16:creationId xmlns:a16="http://schemas.microsoft.com/office/drawing/2014/main" id="{7D49185E-361A-421B-8F2D-11C7FFC686F0}"/>
+              </a:ext>
+              <a:ext uri="{C183D7F6-B498-43B3-948B-1728B52AA6E4}">
+                <adec:decorative xmlns:adec="http://schemas.microsoft.com/office/drawing/2017/decorative" val="1"/>
+              </a:ext>
+            </a:extLst>
+          </p:cNvPr>
+          <p:cNvSpPr>
+            <a:spLocks noGrp="1" noRot="1" noChangeAspect="1" noMove="1" noResize="1" noEditPoints="1" noAdjustHandles="1" noChangeArrowheads="1" noChangeShapeType="1" noTextEdit="1"/>
+          </p:cNvSpPr>
+          <p:nvPr>
+            <p:extLst>
+              <p:ext uri="{386F3935-93C4-4BCD-93E2-E3B085C9AB24}">
+                <p16:designElem xmlns:p16="http://schemas.microsoft.com/office/powerpoint/2015/main" val="1"/>
+              </p:ext>
+            </p:extLst>
+          </p:nvPr>
+        </p:nvSpPr>
+        <p:spPr>
+          <a:xfrm>
+            <a:off x="0" y="0"/>
+            <a:ext cx="365760" cy="365760"/>
+          </a:xfrm>
+          <a:prstGeom prst="rect">
+            <a:avLst/>
+          </a:prstGeom>
+          <a:solidFill>
+            <a:schemeClr val="tx1"/>
+          </a:solidFill>
+          <a:ln>
+            <a:noFill/>
+          </a:ln>
+        </p:spPr>
+        <p:style>
+          <a:lnRef idx="2">
+            <a:schemeClr val="accent1">
+              <a:shade val="50000"/>
+            </a:schemeClr>
+          </a:lnRef>
+          <a:fillRef idx="1">
+            <a:schemeClr val="accent1"/>
+          </a:fillRef>
+          <a:effectRef idx="0">
+            <a:schemeClr val="accent1"/>
+          </a:effectRef>
+          <a:fontRef idx="minor">
+            <a:schemeClr val="lt1"/>
+          </a:fontRef>
+        </p:style>
+        <p:txBody>
+          <a:bodyPr rtlCol="0" anchor="ctr"/>
+          <a:lstStyle/>
+          <a:p>
+            <a:pPr algn="ctr"/>
+            <a:endParaRPr lang="en-US"/>
+          </a:p>
+        </p:txBody>
+      </p:sp>
+      <p:sp>
+        <p:nvSpPr>
+          <p:cNvPr id="16" name="Rectangle 15">
+            <a:extLst>
+              <a:ext uri="{FF2B5EF4-FFF2-40B4-BE49-F238E27FC236}">
+                <a16:creationId xmlns:a16="http://schemas.microsoft.com/office/drawing/2014/main" id="{14B85BAA-C37F-44B4-B427-B4F10EBB4183}"/>
+              </a:ext>
+              <a:ext uri="{C183D7F6-B498-43B3-948B-1728B52AA6E4}">
+                <adec:decorative xmlns:adec="http://schemas.microsoft.com/office/drawing/2017/decorative" val="1"/>
+              </a:ext>
+            </a:extLst>
+          </p:cNvPr>
+          <p:cNvSpPr>
+            <a:spLocks noGrp="1" noRot="1" noChangeAspect="1" noMove="1" noResize="1" noEditPoints="1" noAdjustHandles="1" noChangeArrowheads="1" noChangeShapeType="1" noTextEdit="1"/>
+          </p:cNvSpPr>
+          <p:nvPr>
+            <p:extLst>
+              <p:ext uri="{386F3935-93C4-4BCD-93E2-E3B085C9AB24}">
+                <p16:designElem xmlns:p16="http://schemas.microsoft.com/office/powerpoint/2015/main" val="1"/>
+              </p:ext>
+            </p:extLst>
+          </p:nvPr>
+        </p:nvSpPr>
+        <p:spPr>
+          <a:xfrm>
+            <a:off x="11826240" y="-4668"/>
+            <a:ext cx="365760" cy="365760"/>
+          </a:xfrm>
+          <a:prstGeom prst="rect">
+            <a:avLst/>
+          </a:prstGeom>
+          <a:solidFill>
+            <a:schemeClr val="tx1"/>
+          </a:solidFill>
+          <a:ln>
+            <a:noFill/>
+          </a:ln>
+        </p:spPr>
+        <p:style>
+          <a:lnRef idx="2">
+            <a:schemeClr val="accent1">
+              <a:shade val="50000"/>
+            </a:schemeClr>
+          </a:lnRef>
+          <a:fillRef idx="1">
+            <a:schemeClr val="accent1"/>
+          </a:fillRef>
+          <a:effectRef idx="0">
+            <a:schemeClr val="accent1"/>
+          </a:effectRef>
+          <a:fontRef idx="minor">
+            <a:schemeClr val="lt1"/>
+          </a:fontRef>
+        </p:style>
+        <p:txBody>
+          <a:bodyPr rtlCol="0" anchor="ctr"/>
+          <a:lstStyle/>
+          <a:p>
+            <a:pPr algn="ctr"/>
+            <a:endParaRPr lang="en-US"/>
+          </a:p>
+        </p:txBody>
+      </p:sp>
+      <p:sp>
+        <p:nvSpPr>
+          <p:cNvPr id="18" name="Rectangle 17">
+            <a:extLst>
+              <a:ext uri="{FF2B5EF4-FFF2-40B4-BE49-F238E27FC236}">
+                <a16:creationId xmlns:a16="http://schemas.microsoft.com/office/drawing/2014/main" id="{EDC4EE06-D7B4-4FAC-A561-38A1C380232A}"/>
+              </a:ext>
+              <a:ext uri="{C183D7F6-B498-43B3-948B-1728B52AA6E4}">
+                <adec:decorative xmlns:adec="http://schemas.microsoft.com/office/drawing/2017/decorative" val="1"/>
+              </a:ext>
+            </a:extLst>
+          </p:cNvPr>
+          <p:cNvSpPr>
+            <a:spLocks noGrp="1" noRot="1" noChangeAspect="1" noMove="1" noResize="1" noEditPoints="1" noAdjustHandles="1" noChangeArrowheads="1" noChangeShapeType="1" noTextEdit="1"/>
+          </p:cNvSpPr>
+          <p:nvPr>
+            <p:extLst>
+              <p:ext uri="{386F3935-93C4-4BCD-93E2-E3B085C9AB24}">
+                <p16:designElem xmlns:p16="http://schemas.microsoft.com/office/powerpoint/2015/main" val="1"/>
+              </p:ext>
+            </p:extLst>
+          </p:nvPr>
+        </p:nvSpPr>
+        <p:spPr>
+          <a:xfrm>
+            <a:off x="0" y="6494325"/>
+            <a:ext cx="365760" cy="365760"/>
+          </a:xfrm>
+          <a:prstGeom prst="rect">
+            <a:avLst/>
+          </a:prstGeom>
+          <a:solidFill>
+            <a:schemeClr val="tx1"/>
+          </a:solidFill>
+          <a:ln>
+            <a:noFill/>
+          </a:ln>
+        </p:spPr>
+        <p:style>
+          <a:lnRef idx="2">
+            <a:schemeClr val="accent1">
+              <a:shade val="50000"/>
+            </a:schemeClr>
+          </a:lnRef>
+          <a:fillRef idx="1">
+            <a:schemeClr val="accent1"/>
+          </a:fillRef>
+          <a:effectRef idx="0">
+            <a:schemeClr val="accent1"/>
+          </a:effectRef>
+          <a:fontRef idx="minor">
+            <a:schemeClr val="lt1"/>
+          </a:fontRef>
+        </p:style>
+        <p:txBody>
+          <a:bodyPr rtlCol="0" anchor="ctr"/>
+          <a:lstStyle/>
+          <a:p>
+            <a:pPr algn="ctr"/>
+            <a:endParaRPr lang="en-US"/>
+          </a:p>
+        </p:txBody>
+      </p:sp>
+      <p:sp>
+        <p:nvSpPr>
+          <p:cNvPr id="20" name="Rectangle 19">
+            <a:extLst>
+              <a:ext uri="{FF2B5EF4-FFF2-40B4-BE49-F238E27FC236}">
+                <a16:creationId xmlns:a16="http://schemas.microsoft.com/office/drawing/2014/main" id="{9018D83B-903C-4782-B1BB-A45164A71F60}"/>
+              </a:ext>
+              <a:ext uri="{C183D7F6-B498-43B3-948B-1728B52AA6E4}">
+                <adec:decorative xmlns:adec="http://schemas.microsoft.com/office/drawing/2017/decorative" val="1"/>
+              </a:ext>
+            </a:extLst>
+          </p:cNvPr>
+          <p:cNvSpPr>
+            <a:spLocks noGrp="1" noRot="1" noChangeAspect="1" noMove="1" noResize="1" noEditPoints="1" noAdjustHandles="1" noChangeArrowheads="1" noChangeShapeType="1" noTextEdit="1"/>
+          </p:cNvSpPr>
+          <p:nvPr>
+            <p:extLst>
+              <p:ext uri="{386F3935-93C4-4BCD-93E2-E3B085C9AB24}">
+                <p16:designElem xmlns:p16="http://schemas.microsoft.com/office/powerpoint/2015/main" val="1"/>
+              </p:ext>
+            </p:extLst>
+          </p:nvPr>
+        </p:nvSpPr>
+        <p:spPr>
+          <a:xfrm>
+            <a:off x="11826240" y="6494325"/>
+            <a:ext cx="365760" cy="365760"/>
+          </a:xfrm>
+          <a:prstGeom prst="rect">
+            <a:avLst/>
+          </a:prstGeom>
+          <a:solidFill>
+            <a:schemeClr val="tx1"/>
+          </a:solidFill>
+          <a:ln>
+            <a:noFill/>
+          </a:ln>
+        </p:spPr>
+        <p:style>
+          <a:lnRef idx="2">
+            <a:schemeClr val="accent1">
+              <a:shade val="50000"/>
+            </a:schemeClr>
+          </a:lnRef>
+          <a:fillRef idx="1">
+            <a:schemeClr val="accent1"/>
+          </a:fillRef>
+          <a:effectRef idx="0">
+            <a:schemeClr val="accent1"/>
+          </a:effectRef>
+          <a:fontRef idx="minor">
+            <a:schemeClr val="lt1"/>
+          </a:fontRef>
+        </p:style>
+        <p:txBody>
+          <a:bodyPr rtlCol="0" anchor="ctr"/>
+          <a:lstStyle/>
+          <a:p>
+            <a:pPr algn="ctr"/>
+            <a:endParaRPr lang="en-US"/>
+          </a:p>
+        </p:txBody>
+      </p:sp>
+      <p:sp>
+        <p:nvSpPr>
+          <p:cNvPr id="22" name="Rectangle 21">
+            <a:extLst>
+              <a:ext uri="{FF2B5EF4-FFF2-40B4-BE49-F238E27FC236}">
+                <a16:creationId xmlns:a16="http://schemas.microsoft.com/office/drawing/2014/main" id="{8785589A-A5AC-409A-B2A2-24D871B4CEF0}"/>
+              </a:ext>
+              <a:ext uri="{C183D7F6-B498-43B3-948B-1728B52AA6E4}">
+                <adec:decorative xmlns:adec="http://schemas.microsoft.com/office/drawing/2017/decorative" val="1"/>
+              </a:ext>
+            </a:extLst>
+          </p:cNvPr>
+          <p:cNvSpPr>
+            <a:spLocks noGrp="1" noRot="1" noChangeAspect="1" noMove="1" noResize="1" noEditPoints="1" noAdjustHandles="1" noChangeArrowheads="1" noChangeShapeType="1" noTextEdit="1"/>
+          </p:cNvSpPr>
+          <p:nvPr>
+            <p:extLst>
+              <p:ext uri="{386F3935-93C4-4BCD-93E2-E3B085C9AB24}">
+                <p16:designElem xmlns:p16="http://schemas.microsoft.com/office/powerpoint/2015/main" val="1"/>
+              </p:ext>
+            </p:extLst>
+          </p:nvPr>
+        </p:nvSpPr>
+        <p:spPr>
+          <a:xfrm>
+            <a:off x="160867" y="158782"/>
+            <a:ext cx="11870265" cy="6537850"/>
+          </a:xfrm>
+          <a:prstGeom prst="rect">
+            <a:avLst/>
+          </a:prstGeom>
+          <a:solidFill>
+            <a:srgbClr val="FFFFFF"/>
+          </a:solidFill>
+          <a:ln>
+            <a:noFill/>
+          </a:ln>
+        </p:spPr>
+        <p:style>
+          <a:lnRef idx="2">
+            <a:schemeClr val="accent1">
+              <a:shade val="50000"/>
+            </a:schemeClr>
+          </a:lnRef>
+          <a:fillRef idx="1">
+            <a:schemeClr val="accent1"/>
+          </a:fillRef>
+          <a:effectRef idx="0">
+            <a:schemeClr val="accent1"/>
+          </a:effectRef>
+          <a:fontRef idx="minor">
+            <a:schemeClr val="lt1"/>
+          </a:fontRef>
+        </p:style>
+        <p:txBody>
+          <a:bodyPr rtlCol="0" anchor="ctr"/>
+          <a:lstStyle/>
+          <a:p>
+            <a:pPr algn="ctr"/>
+            <a:endParaRPr lang="en-US"/>
+          </a:p>
+        </p:txBody>
+      </p:sp>
+      <p:pic>
+        <p:nvPicPr>
+          <p:cNvPr id="5" name="Content Placeholder 4" descr="Diagram&#10;&#10;Description automatically generated">
+            <a:extLst>
+              <a:ext uri="{FF2B5EF4-FFF2-40B4-BE49-F238E27FC236}">
+                <a16:creationId xmlns:a16="http://schemas.microsoft.com/office/drawing/2014/main" id="{2D8C6E18-D1F4-4BD7-A6FE-0A5B69563567}"/>
+              </a:ext>
+            </a:extLst>
+          </p:cNvPr>
+          <p:cNvPicPr>
+            <a:picLocks noGrp="1" noChangeAspect="1"/>
+          </p:cNvPicPr>
+          <p:nvPr>
+            <p:ph idx="1"/>
+          </p:nvPr>
+        </p:nvPicPr>
+        <p:blipFill>
+          <a:blip r:embed="rId2">
+            <a:extLst>
+              <a:ext uri="{28A0092B-C50C-407E-A947-70E740481C1C}">
+                <a14:useLocalDpi xmlns:a14="http://schemas.microsoft.com/office/drawing/2010/main" val="0"/>
+              </a:ext>
+            </a:extLst>
+          </a:blip>
+          <a:stretch>
+            <a:fillRect/>
+          </a:stretch>
+        </p:blipFill>
+        <p:spPr>
+          <a:xfrm>
+            <a:off x="2193812" y="665179"/>
+            <a:ext cx="7804375" cy="5892302"/>
+          </a:xfrm>
+          <a:prstGeom prst="rect">
+            <a:avLst/>
+          </a:prstGeom>
+        </p:spPr>
+      </p:pic>
+      <p:sp>
+        <p:nvSpPr>
+          <p:cNvPr id="2" name="TextBox 1">
+            <a:extLst>
+              <a:ext uri="{FF2B5EF4-FFF2-40B4-BE49-F238E27FC236}">
+                <a16:creationId xmlns:a16="http://schemas.microsoft.com/office/drawing/2014/main" id="{E89C51E4-0346-4666-B085-0AFA43CC5FAF}"/>
+              </a:ext>
+            </a:extLst>
+          </p:cNvPr>
+          <p:cNvSpPr txBox="1"/>
+          <p:nvPr/>
+        </p:nvSpPr>
+        <p:spPr>
+          <a:xfrm>
+            <a:off x="2973460" y="156697"/>
+            <a:ext cx="5644067" cy="400110"/>
+          </a:xfrm>
+          <a:prstGeom prst="rect">
+            <a:avLst/>
+          </a:prstGeom>
+          <a:noFill/>
+          <a:ln w="19050">
+            <a:solidFill>
+              <a:schemeClr val="tx1">
+                <a:lumMod val="50000"/>
+                <a:lumOff val="50000"/>
+              </a:schemeClr>
+            </a:solidFill>
+          </a:ln>
+        </p:spPr>
+        <p:txBody>
+          <a:bodyPr wrap="square" rtlCol="0">
+            <a:spAutoFit/>
+          </a:bodyPr>
+          <a:lstStyle/>
+          <a:p>
+            <a:r>
+              <a:rPr lang="en-US" sz="2000" dirty="0"/>
+              <a:t>OVERVIEW of ENCRYPTION-DECRYPTION using ECC</a:t>
+            </a:r>
+          </a:p>
+        </p:txBody>
+      </p:sp>
+    </p:spTree>
+    <p:extLst>
+      <p:ext uri="{BB962C8B-B14F-4D97-AF65-F5344CB8AC3E}">
+        <p14:creationId xmlns:p14="http://schemas.microsoft.com/office/powerpoint/2010/main" val="163109145"/>
+      </p:ext>
+    </p:extLst>
+  </p:cSld>
+  <p:clrMapOvr>
+    <a:masterClrMapping/>
+  </p:clrMapOvr>
+</p:sld>
+</file>
+
+<file path=ppt/slides/slide11.xml><?xml version="1.0" encoding="utf-8"?>
+<p:sld xmlns:a="http://schemas.openxmlformats.org/drawingml/2006/main" xmlns:r="http://schemas.openxmlformats.org/officeDocument/2006/relationships" xmlns:p="http://schemas.openxmlformats.org/presentationml/2006/main">
+  <p:cSld>
+    <p:spTree>
+      <p:nvGrpSpPr>
+        <p:cNvPr id="1" name=""/>
+        <p:cNvGrpSpPr/>
+        <p:nvPr/>
+      </p:nvGrpSpPr>
+      <p:grpSpPr>
+        <a:xfrm>
+          <a:off x="0" y="0"/>
+          <a:ext cx="0" cy="0"/>
+          <a:chOff x="0" y="0"/>
+          <a:chExt cx="0" cy="0"/>
+        </a:xfrm>
+      </p:grpSpPr>
+      <p:sp>
+        <p:nvSpPr>
+          <p:cNvPr id="2" name="Title 1">
+            <a:extLst>
+              <a:ext uri="{FF2B5EF4-FFF2-40B4-BE49-F238E27FC236}">
+                <a16:creationId xmlns:a16="http://schemas.microsoft.com/office/drawing/2014/main" id="{2B924E35-F8C2-4634-B7CB-BC528534230C}"/>
+              </a:ext>
+            </a:extLst>
+          </p:cNvPr>
+          <p:cNvSpPr txBox="1">
+            <a:spLocks/>
+          </p:cNvSpPr>
+          <p:nvPr/>
+        </p:nvSpPr>
+        <p:spPr>
+          <a:xfrm>
+            <a:off x="1371599" y="406667"/>
+            <a:ext cx="5638801" cy="854242"/>
+          </a:xfrm>
+          <a:prstGeom prst="rect">
+            <a:avLst/>
+          </a:prstGeom>
+        </p:spPr>
+        <p:txBody>
+          <a:bodyPr/>
+          <a:lstStyle>
+            <a:lvl1pPr algn="l" defTabSz="914400" rtl="0" eaLnBrk="1" latinLnBrk="0" hangingPunct="1">
+              <a:lnSpc>
+                <a:spcPct val="89000"/>
+              </a:lnSpc>
+              <a:spcBef>
+                <a:spcPct val="0"/>
+              </a:spcBef>
+              <a:buNone/>
+              <a:defRPr sz="4400" kern="1200" baseline="0">
+                <a:solidFill>
+                  <a:schemeClr val="tx2"/>
+                </a:solidFill>
+                <a:latin typeface="+mj-lt"/>
+                <a:ea typeface="+mj-ea"/>
+                <a:cs typeface="+mj-cs"/>
+              </a:defRPr>
+            </a:lvl1pPr>
+          </a:lstStyle>
+          <a:p>
+            <a:r>
+              <a:rPr lang="en-US" dirty="0"/>
+              <a:t>What is our  </a:t>
+            </a:r>
+            <a:r>
+              <a:rPr lang="en-US" sz="4800" b="1" dirty="0"/>
+              <a:t>GOAL</a:t>
+            </a:r>
+            <a:r>
+              <a:rPr lang="en-US" b="1" dirty="0"/>
+              <a:t>  </a:t>
+            </a:r>
+            <a:r>
+              <a:rPr lang="en-US" dirty="0"/>
+              <a:t>?</a:t>
+            </a:r>
+          </a:p>
+        </p:txBody>
+      </p:sp>
+      <p:sp>
+        <p:nvSpPr>
+          <p:cNvPr id="3" name="Content Placeholder 2">
+            <a:extLst>
+              <a:ext uri="{FF2B5EF4-FFF2-40B4-BE49-F238E27FC236}">
+                <a16:creationId xmlns:a16="http://schemas.microsoft.com/office/drawing/2014/main" id="{F1E6C468-059D-4B2B-8A6D-A6600A041AA4}"/>
+              </a:ext>
+            </a:extLst>
+          </p:cNvPr>
+          <p:cNvSpPr txBox="1">
+            <a:spLocks/>
+          </p:cNvSpPr>
+          <p:nvPr/>
+        </p:nvSpPr>
+        <p:spPr>
+          <a:xfrm>
+            <a:off x="1590963" y="1459880"/>
+            <a:ext cx="10062411" cy="5905100"/>
+          </a:xfrm>
+          <a:prstGeom prst="rect">
+            <a:avLst/>
+          </a:prstGeom>
+        </p:spPr>
+        <p:txBody>
+          <a:bodyPr>
+            <a:normAutofit/>
+          </a:bodyPr>
+          <a:lstStyle>
+            <a:lvl1pPr marL="384048" indent="-384048" algn="l" defTabSz="914400" rtl="0" eaLnBrk="1" latinLnBrk="0" hangingPunct="1">
+              <a:lnSpc>
+                <a:spcPct val="94000"/>
+              </a:lnSpc>
+              <a:spcBef>
+                <a:spcPts val="1000"/>
+              </a:spcBef>
+              <a:spcAft>
+                <a:spcPts val="200"/>
+              </a:spcAft>
+              <a:buFont typeface="Franklin Gothic Book" panose="020B0503020102020204" pitchFamily="34" charset="0"/>
+              <a:buChar char="■"/>
+              <a:defRPr sz="2000" kern="1200" baseline="0">
+                <a:solidFill>
+                  <a:schemeClr val="tx2"/>
+                </a:solidFill>
+                <a:latin typeface="+mn-lt"/>
+                <a:ea typeface="+mn-ea"/>
+                <a:cs typeface="+mn-cs"/>
+              </a:defRPr>
+            </a:lvl1pPr>
+            <a:lvl2pPr marL="914400" indent="-384048" algn="l" defTabSz="914400" rtl="0" eaLnBrk="1" latinLnBrk="0" hangingPunct="1">
+              <a:lnSpc>
+                <a:spcPct val="94000"/>
+              </a:lnSpc>
+              <a:spcBef>
+                <a:spcPts val="500"/>
+              </a:spcBef>
+              <a:spcAft>
+                <a:spcPts val="200"/>
+              </a:spcAft>
+              <a:buFont typeface="Franklin Gothic Book" panose="020B0503020102020204" pitchFamily="34" charset="0"/>
+              <a:buChar char="–"/>
+              <a:defRPr sz="2000" i="1" kern="1200" baseline="0">
+                <a:solidFill>
+                  <a:schemeClr val="tx2"/>
+                </a:solidFill>
+                <a:latin typeface="+mn-lt"/>
+                <a:ea typeface="+mn-ea"/>
+                <a:cs typeface="+mn-cs"/>
+              </a:defRPr>
+            </a:lvl2pPr>
+            <a:lvl3pPr marL="1371600" indent="-384048" algn="l" defTabSz="914400" rtl="0" eaLnBrk="1" latinLnBrk="0" hangingPunct="1">
+              <a:lnSpc>
+                <a:spcPct val="94000"/>
+              </a:lnSpc>
+              <a:spcBef>
+                <a:spcPts val="500"/>
+              </a:spcBef>
+              <a:spcAft>
+                <a:spcPts val="200"/>
+              </a:spcAft>
+              <a:buFont typeface="Franklin Gothic Book" panose="020B0503020102020204" pitchFamily="34" charset="0"/>
+              <a:buChar char="■"/>
+              <a:defRPr sz="1800" kern="1200" baseline="0">
+                <a:solidFill>
+                  <a:schemeClr val="tx2"/>
+                </a:solidFill>
+                <a:latin typeface="+mn-lt"/>
+                <a:ea typeface="+mn-ea"/>
+                <a:cs typeface="+mn-cs"/>
+              </a:defRPr>
+            </a:lvl3pPr>
+            <a:lvl4pPr marL="1828800" indent="-384048" algn="l" defTabSz="914400" rtl="0" eaLnBrk="1" latinLnBrk="0" hangingPunct="1">
+              <a:lnSpc>
+                <a:spcPct val="94000"/>
+              </a:lnSpc>
+              <a:spcBef>
+                <a:spcPts val="500"/>
+              </a:spcBef>
+              <a:spcAft>
+                <a:spcPts val="200"/>
+              </a:spcAft>
+              <a:buFont typeface="Franklin Gothic Book" panose="020B0503020102020204" pitchFamily="34" charset="0"/>
+              <a:buChar char="–"/>
+              <a:defRPr sz="1800" i="1" kern="1200" baseline="0">
+                <a:solidFill>
+                  <a:schemeClr val="tx2"/>
+                </a:solidFill>
+                <a:latin typeface="+mn-lt"/>
+                <a:ea typeface="+mn-ea"/>
+                <a:cs typeface="+mn-cs"/>
+              </a:defRPr>
+            </a:lvl4pPr>
+            <a:lvl5pPr marL="2286000" indent="-384048" algn="l" defTabSz="914400" rtl="0" eaLnBrk="1" latinLnBrk="0" hangingPunct="1">
+              <a:lnSpc>
+                <a:spcPct val="94000"/>
+              </a:lnSpc>
+              <a:spcBef>
+                <a:spcPts val="500"/>
+              </a:spcBef>
+              <a:spcAft>
+                <a:spcPts val="200"/>
+              </a:spcAft>
+              <a:buFont typeface="Franklin Gothic Book" panose="020B0503020102020204" pitchFamily="34" charset="0"/>
+              <a:buChar char="■"/>
+              <a:defRPr sz="1600" kern="1200" baseline="0">
+                <a:solidFill>
+                  <a:schemeClr val="tx2"/>
+                </a:solidFill>
+                <a:latin typeface="+mn-lt"/>
+                <a:ea typeface="+mn-ea"/>
+                <a:cs typeface="+mn-cs"/>
+              </a:defRPr>
+            </a:lvl5pPr>
+            <a:lvl6pPr marL="2743200" indent="-384048" algn="l" defTabSz="914400" rtl="0" eaLnBrk="1" latinLnBrk="0" hangingPunct="1">
+              <a:lnSpc>
+                <a:spcPct val="94000"/>
+              </a:lnSpc>
+              <a:spcBef>
+                <a:spcPts val="500"/>
+              </a:spcBef>
+              <a:spcAft>
+                <a:spcPts val="200"/>
+              </a:spcAft>
+              <a:buFont typeface="Franklin Gothic Book" panose="020B0503020102020204" pitchFamily="34" charset="0"/>
+              <a:buChar char="–"/>
+              <a:defRPr sz="1600" i="1" kern="1200" baseline="0">
+                <a:solidFill>
+                  <a:schemeClr val="tx2"/>
+                </a:solidFill>
+                <a:latin typeface="+mn-lt"/>
+                <a:ea typeface="+mn-ea"/>
+                <a:cs typeface="+mn-cs"/>
+              </a:defRPr>
+            </a:lvl6pPr>
+            <a:lvl7pPr marL="3200400" indent="-384048" algn="l" defTabSz="914400" rtl="0" eaLnBrk="1" latinLnBrk="0" hangingPunct="1">
+              <a:lnSpc>
+                <a:spcPct val="94000"/>
+              </a:lnSpc>
+              <a:spcBef>
+                <a:spcPts val="500"/>
+              </a:spcBef>
+              <a:spcAft>
+                <a:spcPts val="200"/>
+              </a:spcAft>
+              <a:buFont typeface="Franklin Gothic Book" panose="020B0503020102020204" pitchFamily="34" charset="0"/>
+              <a:buChar char="■"/>
+              <a:defRPr sz="1400" kern="1200" baseline="0">
+                <a:solidFill>
+                  <a:schemeClr val="tx2"/>
+                </a:solidFill>
+                <a:latin typeface="+mn-lt"/>
+                <a:ea typeface="+mn-ea"/>
+                <a:cs typeface="+mn-cs"/>
+              </a:defRPr>
+            </a:lvl7pPr>
+            <a:lvl8pPr marL="3657600" indent="-384048" algn="l" defTabSz="914400" rtl="0" eaLnBrk="1" latinLnBrk="0" hangingPunct="1">
+              <a:lnSpc>
+                <a:spcPct val="94000"/>
+              </a:lnSpc>
+              <a:spcBef>
+                <a:spcPts val="500"/>
+              </a:spcBef>
+              <a:spcAft>
+                <a:spcPts val="200"/>
+              </a:spcAft>
+              <a:buFont typeface="Franklin Gothic Book" panose="020B0503020102020204" pitchFamily="34" charset="0"/>
+              <a:buChar char="–"/>
+              <a:defRPr sz="1400" i="1" kern="1200" baseline="0">
+                <a:solidFill>
+                  <a:schemeClr val="tx2"/>
+                </a:solidFill>
+                <a:latin typeface="+mn-lt"/>
+                <a:ea typeface="+mn-ea"/>
+                <a:cs typeface="+mn-cs"/>
+              </a:defRPr>
+            </a:lvl8pPr>
+            <a:lvl9pPr marL="4114800" indent="-384048" algn="l" defTabSz="914400" rtl="0" eaLnBrk="1" latinLnBrk="0" hangingPunct="1">
+              <a:lnSpc>
+                <a:spcPct val="94000"/>
+              </a:lnSpc>
+              <a:spcBef>
+                <a:spcPts val="500"/>
+              </a:spcBef>
+              <a:spcAft>
+                <a:spcPts val="200"/>
+              </a:spcAft>
+              <a:buFont typeface="Franklin Gothic Book" panose="020B0503020102020204" pitchFamily="34" charset="0"/>
+              <a:buChar char="■"/>
+              <a:defRPr sz="1400" kern="1200" baseline="0">
+                <a:solidFill>
+                  <a:schemeClr val="tx2"/>
+                </a:solidFill>
+                <a:latin typeface="+mn-lt"/>
+                <a:ea typeface="+mn-ea"/>
+                <a:cs typeface="+mn-cs"/>
+              </a:defRPr>
+            </a:lvl9pPr>
+          </a:lstStyle>
+          <a:p>
+            <a:r>
+              <a:rPr lang="en-US" dirty="0">
+                <a:solidFill>
+                  <a:schemeClr val="tx1">
+                    <a:lumMod val="75000"/>
+                    <a:lumOff val="25000"/>
+                  </a:schemeClr>
+                </a:solidFill>
+              </a:rPr>
+              <a:t>There are multiple standard Elliptical Curves that can be used with the ECC scheme</a:t>
+            </a:r>
+          </a:p>
+          <a:p>
+            <a:endParaRPr lang="en-US" dirty="0">
+              <a:solidFill>
+                <a:schemeClr val="tx1">
+                  <a:lumMod val="75000"/>
+                  <a:lumOff val="25000"/>
+                </a:schemeClr>
+              </a:solidFill>
+            </a:endParaRPr>
+          </a:p>
+          <a:p>
+            <a:r>
+              <a:rPr lang="en-US" dirty="0">
+                <a:solidFill>
+                  <a:schemeClr val="tx1">
+                    <a:lumMod val="75000"/>
+                    <a:lumOff val="25000"/>
+                  </a:schemeClr>
+                </a:solidFill>
+              </a:rPr>
+              <a:t>Each standard of curve strives to maintain the difficulty of the </a:t>
+            </a:r>
+            <a:r>
+              <a:rPr lang="en-US" i="1" dirty="0">
+                <a:solidFill>
+                  <a:schemeClr val="tx1">
+                    <a:lumMod val="75000"/>
+                    <a:lumOff val="25000"/>
+                  </a:schemeClr>
+                </a:solidFill>
+              </a:rPr>
+              <a:t>Elliptic Curve Discrete Logarithm Problem (ECDLP)</a:t>
+            </a:r>
+          </a:p>
+          <a:p>
+            <a:endParaRPr lang="en-US" i="1" dirty="0">
+              <a:solidFill>
+                <a:schemeClr val="tx1">
+                  <a:lumMod val="75000"/>
+                  <a:lumOff val="25000"/>
+                </a:schemeClr>
+              </a:solidFill>
+            </a:endParaRPr>
+          </a:p>
+          <a:p>
+            <a:r>
+              <a:rPr lang="en-US" dirty="0">
+                <a:solidFill>
+                  <a:schemeClr val="tx1">
+                    <a:lumMod val="75000"/>
+                    <a:lumOff val="25000"/>
+                  </a:schemeClr>
+                </a:solidFill>
+              </a:rPr>
+              <a:t>The main idea is to select a curve which is safe against the known attacks on ECDLP</a:t>
+            </a:r>
+          </a:p>
+          <a:p>
+            <a:endParaRPr lang="en-US" dirty="0">
+              <a:solidFill>
+                <a:schemeClr val="tx1">
+                  <a:lumMod val="75000"/>
+                  <a:lumOff val="25000"/>
+                </a:schemeClr>
+              </a:solidFill>
+            </a:endParaRPr>
+          </a:p>
+          <a:p>
+            <a:r>
+              <a:rPr lang="en-US" dirty="0">
+                <a:solidFill>
+                  <a:schemeClr val="tx1">
+                    <a:lumMod val="75000"/>
+                    <a:lumOff val="25000"/>
+                  </a:schemeClr>
+                </a:solidFill>
+              </a:rPr>
+              <a:t>The analysis will be performed by considering each curve for the implementation of the </a:t>
+            </a:r>
+            <a:r>
+              <a:rPr lang="en-US" i="1" dirty="0">
+                <a:solidFill>
+                  <a:schemeClr val="tx1">
+                    <a:lumMod val="75000"/>
+                    <a:lumOff val="25000"/>
+                  </a:schemeClr>
+                </a:solidFill>
+              </a:rPr>
+              <a:t>Elliptic Curve Diffie-Hellman (ECDH)</a:t>
+            </a:r>
+            <a:r>
+              <a:rPr lang="en-US" dirty="0">
+                <a:solidFill>
+                  <a:schemeClr val="tx1">
+                    <a:lumMod val="75000"/>
+                    <a:lumOff val="25000"/>
+                  </a:schemeClr>
+                </a:solidFill>
+              </a:rPr>
+              <a:t> algorithm and the </a:t>
+            </a:r>
+            <a:r>
+              <a:rPr lang="en-US" i="1" dirty="0">
+                <a:solidFill>
+                  <a:schemeClr val="tx1">
+                    <a:lumMod val="75000"/>
+                    <a:lumOff val="25000"/>
+                  </a:schemeClr>
+                </a:solidFill>
+              </a:rPr>
+              <a:t>Elliptic Curve Digital Signature Algorithm (ECDSA)</a:t>
+            </a:r>
+            <a:r>
+              <a:rPr lang="en-US" dirty="0">
+                <a:solidFill>
+                  <a:schemeClr val="tx1">
+                    <a:lumMod val="75000"/>
+                    <a:lumOff val="25000"/>
+                  </a:schemeClr>
+                </a:solidFill>
+              </a:rPr>
+              <a:t>.</a:t>
+            </a:r>
+          </a:p>
+          <a:p>
+            <a:r>
+              <a:rPr lang="en-US" dirty="0">
+                <a:solidFill>
+                  <a:schemeClr val="tx1">
+                    <a:lumMod val="75000"/>
+                    <a:lumOff val="25000"/>
+                  </a:schemeClr>
+                </a:solidFill>
+              </a:rPr>
+              <a:t>The analysis is carried out using </a:t>
+            </a:r>
+            <a:r>
+              <a:rPr lang="en-US" b="1" u="sng" dirty="0">
+                <a:solidFill>
+                  <a:schemeClr val="tx1">
+                    <a:lumMod val="75000"/>
+                    <a:lumOff val="25000"/>
+                  </a:schemeClr>
+                </a:solidFill>
+              </a:rPr>
+              <a:t>SageMath</a:t>
+            </a:r>
+            <a:r>
+              <a:rPr lang="en-US" dirty="0">
+                <a:solidFill>
+                  <a:schemeClr val="tx1">
+                    <a:lumMod val="75000"/>
+                    <a:lumOff val="25000"/>
+                  </a:schemeClr>
+                </a:solidFill>
+              </a:rPr>
+              <a:t>, which is a free open-source mathematics software system licensed under the GPL, using Python 3.</a:t>
+            </a:r>
+          </a:p>
+        </p:txBody>
+      </p:sp>
+    </p:spTree>
+    <p:extLst>
+      <p:ext uri="{BB962C8B-B14F-4D97-AF65-F5344CB8AC3E}">
+        <p14:creationId xmlns:p14="http://schemas.microsoft.com/office/powerpoint/2010/main" val="418494847"/>
+      </p:ext>
+    </p:extLst>
+  </p:cSld>
+  <p:clrMapOvr>
+    <a:masterClrMapping/>
+  </p:clrMapOvr>
+</p:sld>
+</file>
+
+<file path=ppt/slides/slide12.xml><?xml version="1.0" encoding="utf-8"?>
+<p:sld xmlns:a="http://schemas.openxmlformats.org/drawingml/2006/main" xmlns:r="http://schemas.openxmlformats.org/officeDocument/2006/relationships" xmlns:p="http://schemas.openxmlformats.org/presentationml/2006/main">
+  <p:cSld>
+    <p:spTree>
+      <p:nvGrpSpPr>
+        <p:cNvPr id="1" name=""/>
+        <p:cNvGrpSpPr/>
+        <p:nvPr/>
+      </p:nvGrpSpPr>
+      <p:grpSpPr>
+        <a:xfrm>
+          <a:off x="0" y="0"/>
+          <a:ext cx="0" cy="0"/>
+          <a:chOff x="0" y="0"/>
+          <a:chExt cx="0" cy="0"/>
+        </a:xfrm>
+      </p:grpSpPr>
+      <p:sp>
+        <p:nvSpPr>
+          <p:cNvPr id="2" name="Title 1">
+            <a:extLst>
+              <a:ext uri="{FF2B5EF4-FFF2-40B4-BE49-F238E27FC236}">
+                <a16:creationId xmlns:a16="http://schemas.microsoft.com/office/drawing/2014/main" id="{200A8ABD-0CFB-4698-A7F8-C77B75FDDB82}"/>
+              </a:ext>
+            </a:extLst>
+          </p:cNvPr>
+          <p:cNvSpPr txBox="1">
+            <a:spLocks/>
+          </p:cNvSpPr>
+          <p:nvPr/>
+        </p:nvSpPr>
+        <p:spPr>
+          <a:xfrm>
+            <a:off x="1371599" y="406667"/>
+            <a:ext cx="5638801" cy="854242"/>
+          </a:xfrm>
+          <a:prstGeom prst="rect">
+            <a:avLst/>
+          </a:prstGeom>
+        </p:spPr>
+        <p:txBody>
+          <a:bodyPr/>
+          <a:lstStyle>
+            <a:lvl1pPr algn="l" defTabSz="914400" rtl="0" eaLnBrk="1" latinLnBrk="0" hangingPunct="1">
+              <a:lnSpc>
+                <a:spcPct val="89000"/>
+              </a:lnSpc>
+              <a:spcBef>
+                <a:spcPct val="0"/>
+              </a:spcBef>
+              <a:buNone/>
+              <a:defRPr sz="4400" kern="1200" baseline="0">
+                <a:solidFill>
+                  <a:schemeClr val="tx2"/>
+                </a:solidFill>
+                <a:latin typeface="+mj-lt"/>
+                <a:ea typeface="+mj-ea"/>
+                <a:cs typeface="+mj-cs"/>
+              </a:defRPr>
+            </a:lvl1pPr>
+          </a:lstStyle>
+          <a:p>
+            <a:endParaRPr lang="en-US" dirty="0"/>
+          </a:p>
+        </p:txBody>
+      </p:sp>
+      <p:sp>
+        <p:nvSpPr>
+          <p:cNvPr id="3" name="Title 1">
+            <a:extLst>
+              <a:ext uri="{FF2B5EF4-FFF2-40B4-BE49-F238E27FC236}">
+                <a16:creationId xmlns:a16="http://schemas.microsoft.com/office/drawing/2014/main" id="{9E60E7B9-3538-429A-8280-3D29D9FA711C}"/>
+              </a:ext>
+            </a:extLst>
+          </p:cNvPr>
+          <p:cNvSpPr txBox="1">
+            <a:spLocks/>
+          </p:cNvSpPr>
+          <p:nvPr/>
+        </p:nvSpPr>
+        <p:spPr>
+          <a:xfrm>
+            <a:off x="1523999" y="559067"/>
+            <a:ext cx="7527637" cy="854242"/>
+          </a:xfrm>
+          <a:prstGeom prst="rect">
+            <a:avLst/>
+          </a:prstGeom>
+        </p:spPr>
+        <p:txBody>
+          <a:bodyPr/>
+          <a:lstStyle>
+            <a:lvl1pPr algn="l" defTabSz="914400" rtl="0" eaLnBrk="1" latinLnBrk="0" hangingPunct="1">
+              <a:lnSpc>
+                <a:spcPct val="89000"/>
+              </a:lnSpc>
+              <a:spcBef>
+                <a:spcPct val="0"/>
+              </a:spcBef>
+              <a:buNone/>
+              <a:defRPr sz="4400" kern="1200" baseline="0">
+                <a:solidFill>
+                  <a:schemeClr val="tx2"/>
+                </a:solidFill>
+                <a:latin typeface="+mj-lt"/>
+                <a:ea typeface="+mj-ea"/>
+                <a:cs typeface="+mj-cs"/>
+              </a:defRPr>
+            </a:lvl1pPr>
+          </a:lstStyle>
+          <a:p>
+            <a:r>
+              <a:rPr lang="en-US" dirty="0"/>
+              <a:t>What we have </a:t>
+            </a:r>
+            <a:r>
+              <a:rPr lang="en-US" b="1" dirty="0"/>
+              <a:t>completed</a:t>
+            </a:r>
+            <a:r>
+              <a:rPr lang="en-US" dirty="0"/>
+              <a:t> </a:t>
+            </a:r>
+          </a:p>
+        </p:txBody>
+      </p:sp>
+      <p:sp>
+        <p:nvSpPr>
+          <p:cNvPr id="4" name="Content Placeholder 2">
+            <a:extLst>
+              <a:ext uri="{FF2B5EF4-FFF2-40B4-BE49-F238E27FC236}">
+                <a16:creationId xmlns:a16="http://schemas.microsoft.com/office/drawing/2014/main" id="{AD52EE13-CEB9-4FA1-A148-54D4A73AF237}"/>
+              </a:ext>
+            </a:extLst>
+          </p:cNvPr>
+          <p:cNvSpPr txBox="1">
+            <a:spLocks/>
+          </p:cNvSpPr>
+          <p:nvPr/>
+        </p:nvSpPr>
+        <p:spPr>
+          <a:xfrm>
+            <a:off x="1711037" y="1565709"/>
+            <a:ext cx="10019146" cy="5223018"/>
+          </a:xfrm>
+          <a:prstGeom prst="rect">
+            <a:avLst/>
+          </a:prstGeom>
+        </p:spPr>
+        <p:txBody>
+          <a:bodyPr>
+            <a:normAutofit/>
+          </a:bodyPr>
+          <a:lstStyle>
+            <a:lvl1pPr marL="384048" indent="-384048" algn="l" defTabSz="914400" rtl="0" eaLnBrk="1" latinLnBrk="0" hangingPunct="1">
+              <a:lnSpc>
+                <a:spcPct val="94000"/>
+              </a:lnSpc>
+              <a:spcBef>
+                <a:spcPts val="1000"/>
+              </a:spcBef>
+              <a:spcAft>
+                <a:spcPts val="200"/>
+              </a:spcAft>
+              <a:buFont typeface="Franklin Gothic Book" panose="020B0503020102020204" pitchFamily="34" charset="0"/>
+              <a:buChar char="■"/>
+              <a:defRPr sz="2000" kern="1200" baseline="0">
+                <a:solidFill>
+                  <a:schemeClr val="tx2"/>
+                </a:solidFill>
+                <a:latin typeface="+mn-lt"/>
+                <a:ea typeface="+mn-ea"/>
+                <a:cs typeface="+mn-cs"/>
+              </a:defRPr>
+            </a:lvl1pPr>
+            <a:lvl2pPr marL="914400" indent="-384048" algn="l" defTabSz="914400" rtl="0" eaLnBrk="1" latinLnBrk="0" hangingPunct="1">
+              <a:lnSpc>
+                <a:spcPct val="94000"/>
+              </a:lnSpc>
+              <a:spcBef>
+                <a:spcPts val="500"/>
+              </a:spcBef>
+              <a:spcAft>
+                <a:spcPts val="200"/>
+              </a:spcAft>
+              <a:buFont typeface="Franklin Gothic Book" panose="020B0503020102020204" pitchFamily="34" charset="0"/>
+              <a:buChar char="–"/>
+              <a:defRPr sz="2000" i="1" kern="1200" baseline="0">
+                <a:solidFill>
+                  <a:schemeClr val="tx2"/>
+                </a:solidFill>
+                <a:latin typeface="+mn-lt"/>
+                <a:ea typeface="+mn-ea"/>
+                <a:cs typeface="+mn-cs"/>
+              </a:defRPr>
+            </a:lvl2pPr>
+            <a:lvl3pPr marL="1371600" indent="-384048" algn="l" defTabSz="914400" rtl="0" eaLnBrk="1" latinLnBrk="0" hangingPunct="1">
+              <a:lnSpc>
+                <a:spcPct val="94000"/>
+              </a:lnSpc>
+              <a:spcBef>
+                <a:spcPts val="500"/>
+              </a:spcBef>
+              <a:spcAft>
+                <a:spcPts val="200"/>
+              </a:spcAft>
+              <a:buFont typeface="Franklin Gothic Book" panose="020B0503020102020204" pitchFamily="34" charset="0"/>
+              <a:buChar char="■"/>
+              <a:defRPr sz="1800" kern="1200" baseline="0">
+                <a:solidFill>
+                  <a:schemeClr val="tx2"/>
+                </a:solidFill>
+                <a:latin typeface="+mn-lt"/>
+                <a:ea typeface="+mn-ea"/>
+                <a:cs typeface="+mn-cs"/>
+              </a:defRPr>
+            </a:lvl3pPr>
+            <a:lvl4pPr marL="1828800" indent="-384048" algn="l" defTabSz="914400" rtl="0" eaLnBrk="1" latinLnBrk="0" hangingPunct="1">
+              <a:lnSpc>
+                <a:spcPct val="94000"/>
+              </a:lnSpc>
+              <a:spcBef>
+                <a:spcPts val="500"/>
+              </a:spcBef>
+              <a:spcAft>
+                <a:spcPts val="200"/>
+              </a:spcAft>
+              <a:buFont typeface="Franklin Gothic Book" panose="020B0503020102020204" pitchFamily="34" charset="0"/>
+              <a:buChar char="–"/>
+              <a:defRPr sz="1800" i="1" kern="1200" baseline="0">
+                <a:solidFill>
+                  <a:schemeClr val="tx2"/>
+                </a:solidFill>
+                <a:latin typeface="+mn-lt"/>
+                <a:ea typeface="+mn-ea"/>
+                <a:cs typeface="+mn-cs"/>
+              </a:defRPr>
+            </a:lvl4pPr>
+            <a:lvl5pPr marL="2286000" indent="-384048" algn="l" defTabSz="914400" rtl="0" eaLnBrk="1" latinLnBrk="0" hangingPunct="1">
+              <a:lnSpc>
+                <a:spcPct val="94000"/>
+              </a:lnSpc>
+              <a:spcBef>
+                <a:spcPts val="500"/>
+              </a:spcBef>
+              <a:spcAft>
+                <a:spcPts val="200"/>
+              </a:spcAft>
+              <a:buFont typeface="Franklin Gothic Book" panose="020B0503020102020204" pitchFamily="34" charset="0"/>
+              <a:buChar char="■"/>
+              <a:defRPr sz="1600" kern="1200" baseline="0">
+                <a:solidFill>
+                  <a:schemeClr val="tx2"/>
+                </a:solidFill>
+                <a:latin typeface="+mn-lt"/>
+                <a:ea typeface="+mn-ea"/>
+                <a:cs typeface="+mn-cs"/>
+              </a:defRPr>
+            </a:lvl5pPr>
+            <a:lvl6pPr marL="2743200" indent="-384048" algn="l" defTabSz="914400" rtl="0" eaLnBrk="1" latinLnBrk="0" hangingPunct="1">
+              <a:lnSpc>
+                <a:spcPct val="94000"/>
+              </a:lnSpc>
+              <a:spcBef>
+                <a:spcPts val="500"/>
+              </a:spcBef>
+              <a:spcAft>
+                <a:spcPts val="200"/>
+              </a:spcAft>
+              <a:buFont typeface="Franklin Gothic Book" panose="020B0503020102020204" pitchFamily="34" charset="0"/>
+              <a:buChar char="–"/>
+              <a:defRPr sz="1600" i="1" kern="1200" baseline="0">
+                <a:solidFill>
+                  <a:schemeClr val="tx2"/>
+                </a:solidFill>
+                <a:latin typeface="+mn-lt"/>
+                <a:ea typeface="+mn-ea"/>
+                <a:cs typeface="+mn-cs"/>
+              </a:defRPr>
+            </a:lvl6pPr>
+            <a:lvl7pPr marL="3200400" indent="-384048" algn="l" defTabSz="914400" rtl="0" eaLnBrk="1" latinLnBrk="0" hangingPunct="1">
+              <a:lnSpc>
+                <a:spcPct val="94000"/>
+              </a:lnSpc>
+              <a:spcBef>
+                <a:spcPts val="500"/>
+              </a:spcBef>
+              <a:spcAft>
+                <a:spcPts val="200"/>
+              </a:spcAft>
+              <a:buFont typeface="Franklin Gothic Book" panose="020B0503020102020204" pitchFamily="34" charset="0"/>
+              <a:buChar char="■"/>
+              <a:defRPr sz="1400" kern="1200" baseline="0">
+                <a:solidFill>
+                  <a:schemeClr val="tx2"/>
+                </a:solidFill>
+                <a:latin typeface="+mn-lt"/>
+                <a:ea typeface="+mn-ea"/>
+                <a:cs typeface="+mn-cs"/>
+              </a:defRPr>
+            </a:lvl7pPr>
+            <a:lvl8pPr marL="3657600" indent="-384048" algn="l" defTabSz="914400" rtl="0" eaLnBrk="1" latinLnBrk="0" hangingPunct="1">
+              <a:lnSpc>
+                <a:spcPct val="94000"/>
+              </a:lnSpc>
+              <a:spcBef>
+                <a:spcPts val="500"/>
+              </a:spcBef>
+              <a:spcAft>
+                <a:spcPts val="200"/>
+              </a:spcAft>
+              <a:buFont typeface="Franklin Gothic Book" panose="020B0503020102020204" pitchFamily="34" charset="0"/>
+              <a:buChar char="–"/>
+              <a:defRPr sz="1400" i="1" kern="1200" baseline="0">
+                <a:solidFill>
+                  <a:schemeClr val="tx2"/>
+                </a:solidFill>
+                <a:latin typeface="+mn-lt"/>
+                <a:ea typeface="+mn-ea"/>
+                <a:cs typeface="+mn-cs"/>
+              </a:defRPr>
+            </a:lvl8pPr>
+            <a:lvl9pPr marL="4114800" indent="-384048" algn="l" defTabSz="914400" rtl="0" eaLnBrk="1" latinLnBrk="0" hangingPunct="1">
+              <a:lnSpc>
+                <a:spcPct val="94000"/>
+              </a:lnSpc>
+              <a:spcBef>
+                <a:spcPts val="500"/>
+              </a:spcBef>
+              <a:spcAft>
+                <a:spcPts val="200"/>
+              </a:spcAft>
+              <a:buFont typeface="Franklin Gothic Book" panose="020B0503020102020204" pitchFamily="34" charset="0"/>
+              <a:buChar char="■"/>
+              <a:defRPr sz="1400" kern="1200" baseline="0">
+                <a:solidFill>
+                  <a:schemeClr val="tx2"/>
+                </a:solidFill>
+                <a:latin typeface="+mn-lt"/>
+                <a:ea typeface="+mn-ea"/>
+                <a:cs typeface="+mn-cs"/>
+              </a:defRPr>
+            </a:lvl9pPr>
+          </a:lstStyle>
+          <a:p>
+            <a:r>
+              <a:rPr lang="en-US" sz="2400" dirty="0">
+                <a:solidFill>
+                  <a:schemeClr val="tx1">
+                    <a:lumMod val="75000"/>
+                    <a:lumOff val="25000"/>
+                  </a:schemeClr>
+                </a:solidFill>
+              </a:rPr>
+              <a:t>Understood the mathematical foundations reqd.</a:t>
+            </a:r>
+          </a:p>
+          <a:p>
+            <a:endParaRPr lang="en-US" sz="2400" dirty="0">
+              <a:solidFill>
+                <a:schemeClr val="tx1">
+                  <a:lumMod val="75000"/>
+                  <a:lumOff val="25000"/>
+                </a:schemeClr>
+              </a:solidFill>
+            </a:endParaRPr>
+          </a:p>
+          <a:p>
+            <a:r>
+              <a:rPr lang="en-US" sz="2400" dirty="0">
+                <a:solidFill>
+                  <a:schemeClr val="tx1">
+                    <a:lumMod val="75000"/>
+                    <a:lumOff val="25000"/>
+                  </a:schemeClr>
+                </a:solidFill>
+              </a:rPr>
+              <a:t>Understood the algorithmic concepts reqd.</a:t>
+            </a:r>
+          </a:p>
+          <a:p>
+            <a:endParaRPr lang="en-US" sz="2400" dirty="0">
+              <a:solidFill>
+                <a:schemeClr val="tx1">
+                  <a:lumMod val="75000"/>
+                  <a:lumOff val="25000"/>
+                </a:schemeClr>
+              </a:solidFill>
+            </a:endParaRPr>
+          </a:p>
+          <a:p>
+            <a:r>
+              <a:rPr lang="en-US" sz="2400" dirty="0">
+                <a:solidFill>
+                  <a:schemeClr val="tx1">
+                    <a:lumMod val="75000"/>
+                    <a:lumOff val="25000"/>
+                  </a:schemeClr>
+                </a:solidFill>
+              </a:rPr>
+              <a:t>Created a web-app that plots the curves that are pre-defined</a:t>
+            </a:r>
+          </a:p>
+          <a:p>
+            <a:pPr lvl="1"/>
+            <a:r>
+              <a:rPr lang="en-US" sz="2400" dirty="0">
+                <a:solidFill>
+                  <a:schemeClr val="tx1">
+                    <a:lumMod val="75000"/>
+                    <a:lumOff val="25000"/>
+                  </a:schemeClr>
+                </a:solidFill>
+              </a:rPr>
+              <a:t>Basic interface ready</a:t>
+            </a:r>
+          </a:p>
+          <a:p>
+            <a:pPr lvl="1"/>
+            <a:r>
+              <a:rPr lang="en-US" sz="2400" dirty="0">
+                <a:solidFill>
+                  <a:schemeClr val="tx1">
+                    <a:lumMod val="75000"/>
+                    <a:lumOff val="25000"/>
+                  </a:schemeClr>
+                </a:solidFill>
+              </a:rPr>
+              <a:t>Back-end majorly completed</a:t>
+            </a:r>
+          </a:p>
+          <a:p>
+            <a:pPr lvl="1"/>
+            <a:r>
+              <a:rPr lang="en-US" sz="2400" dirty="0">
+                <a:solidFill>
+                  <a:schemeClr val="tx1">
+                    <a:lumMod val="75000"/>
+                    <a:lumOff val="25000"/>
+                  </a:schemeClr>
+                </a:solidFill>
+              </a:rPr>
+              <a:t>Currently gives O/P for predefined parameters</a:t>
+            </a:r>
+          </a:p>
+        </p:txBody>
+      </p:sp>
+    </p:spTree>
+    <p:extLst>
+      <p:ext uri="{BB962C8B-B14F-4D97-AF65-F5344CB8AC3E}">
+        <p14:creationId xmlns:p14="http://schemas.microsoft.com/office/powerpoint/2010/main" val="2609061679"/>
+      </p:ext>
+    </p:extLst>
+  </p:cSld>
+  <p:clrMapOvr>
+    <a:masterClrMapping/>
+  </p:clrMapOvr>
+</p:sld>
+</file>
+
+<file path=ppt/slides/slide13.xml><?xml version="1.0" encoding="utf-8"?>
+<p:sld xmlns:a="http://schemas.openxmlformats.org/drawingml/2006/main" xmlns:r="http://schemas.openxmlformats.org/officeDocument/2006/relationships" xmlns:p="http://schemas.openxmlformats.org/presentationml/2006/main">
+  <p:cSld>
+    <p:spTree>
+      <p:nvGrpSpPr>
+        <p:cNvPr id="1" name=""/>
+        <p:cNvGrpSpPr/>
+        <p:nvPr/>
+      </p:nvGrpSpPr>
+      <p:grpSpPr>
+        <a:xfrm>
+          <a:off x="0" y="0"/>
+          <a:ext cx="0" cy="0"/>
+          <a:chOff x="0" y="0"/>
+          <a:chExt cx="0" cy="0"/>
+        </a:xfrm>
+      </p:grpSpPr>
+      <p:sp>
+        <p:nvSpPr>
+          <p:cNvPr id="2" name="Title 1">
+            <a:extLst>
+              <a:ext uri="{FF2B5EF4-FFF2-40B4-BE49-F238E27FC236}">
+                <a16:creationId xmlns:a16="http://schemas.microsoft.com/office/drawing/2014/main" id="{D1751D89-6D9D-4F9B-A000-619F5DC6E1E8}"/>
+              </a:ext>
+            </a:extLst>
+          </p:cNvPr>
+          <p:cNvSpPr txBox="1">
+            <a:spLocks/>
+          </p:cNvSpPr>
+          <p:nvPr/>
+        </p:nvSpPr>
+        <p:spPr>
+          <a:xfrm>
+            <a:off x="1523999" y="559067"/>
+            <a:ext cx="9097819" cy="854242"/>
+          </a:xfrm>
+          <a:prstGeom prst="rect">
+            <a:avLst/>
+          </a:prstGeom>
+        </p:spPr>
+        <p:txBody>
+          <a:bodyPr/>
+          <a:lstStyle>
+            <a:lvl1pPr algn="l" defTabSz="914400" rtl="0" eaLnBrk="1" latinLnBrk="0" hangingPunct="1">
+              <a:lnSpc>
+                <a:spcPct val="89000"/>
+              </a:lnSpc>
+              <a:spcBef>
+                <a:spcPct val="0"/>
+              </a:spcBef>
+              <a:buNone/>
+              <a:defRPr sz="4400" kern="1200" baseline="0">
+                <a:solidFill>
+                  <a:schemeClr val="tx2"/>
+                </a:solidFill>
+                <a:latin typeface="+mj-lt"/>
+                <a:ea typeface="+mj-ea"/>
+                <a:cs typeface="+mj-cs"/>
+              </a:defRPr>
+            </a:lvl1pPr>
+          </a:lstStyle>
+          <a:p>
+            <a:r>
+              <a:rPr lang="en-US" dirty="0"/>
+              <a:t>What we plan to do </a:t>
+            </a:r>
+            <a:r>
+              <a:rPr lang="en-US" b="1" dirty="0"/>
+              <a:t>Next</a:t>
+            </a:r>
+          </a:p>
+        </p:txBody>
+      </p:sp>
+      <p:sp>
+        <p:nvSpPr>
+          <p:cNvPr id="3" name="Content Placeholder 2">
+            <a:extLst>
+              <a:ext uri="{FF2B5EF4-FFF2-40B4-BE49-F238E27FC236}">
+                <a16:creationId xmlns:a16="http://schemas.microsoft.com/office/drawing/2014/main" id="{1711F4B8-2219-4ADC-B647-AD1C0C0B8841}"/>
+              </a:ext>
+            </a:extLst>
+          </p:cNvPr>
+          <p:cNvSpPr txBox="1">
+            <a:spLocks/>
+          </p:cNvSpPr>
+          <p:nvPr/>
+        </p:nvSpPr>
+        <p:spPr>
+          <a:xfrm>
+            <a:off x="1711037" y="1565709"/>
+            <a:ext cx="8707581" cy="4364036"/>
+          </a:xfrm>
+          <a:prstGeom prst="rect">
+            <a:avLst/>
+          </a:prstGeom>
+        </p:spPr>
+        <p:txBody>
+          <a:bodyPr>
+            <a:normAutofit/>
+          </a:bodyPr>
+          <a:lstStyle>
+            <a:lvl1pPr marL="384048" indent="-384048" algn="l" defTabSz="914400" rtl="0" eaLnBrk="1" latinLnBrk="0" hangingPunct="1">
+              <a:lnSpc>
+                <a:spcPct val="94000"/>
+              </a:lnSpc>
+              <a:spcBef>
+                <a:spcPts val="1000"/>
+              </a:spcBef>
+              <a:spcAft>
+                <a:spcPts val="200"/>
+              </a:spcAft>
+              <a:buFont typeface="Franklin Gothic Book" panose="020B0503020102020204" pitchFamily="34" charset="0"/>
+              <a:buChar char="■"/>
+              <a:defRPr sz="2000" kern="1200" baseline="0">
+                <a:solidFill>
+                  <a:schemeClr val="tx2"/>
+                </a:solidFill>
+                <a:latin typeface="+mn-lt"/>
+                <a:ea typeface="+mn-ea"/>
+                <a:cs typeface="+mn-cs"/>
+              </a:defRPr>
+            </a:lvl1pPr>
+            <a:lvl2pPr marL="914400" indent="-384048" algn="l" defTabSz="914400" rtl="0" eaLnBrk="1" latinLnBrk="0" hangingPunct="1">
+              <a:lnSpc>
+                <a:spcPct val="94000"/>
+              </a:lnSpc>
+              <a:spcBef>
+                <a:spcPts val="500"/>
+              </a:spcBef>
+              <a:spcAft>
+                <a:spcPts val="200"/>
+              </a:spcAft>
+              <a:buFont typeface="Franklin Gothic Book" panose="020B0503020102020204" pitchFamily="34" charset="0"/>
+              <a:buChar char="–"/>
+              <a:defRPr sz="2000" i="1" kern="1200" baseline="0">
+                <a:solidFill>
+                  <a:schemeClr val="tx2"/>
+                </a:solidFill>
+                <a:latin typeface="+mn-lt"/>
+                <a:ea typeface="+mn-ea"/>
+                <a:cs typeface="+mn-cs"/>
+              </a:defRPr>
+            </a:lvl2pPr>
+            <a:lvl3pPr marL="1371600" indent="-384048" algn="l" defTabSz="914400" rtl="0" eaLnBrk="1" latinLnBrk="0" hangingPunct="1">
+              <a:lnSpc>
+                <a:spcPct val="94000"/>
+              </a:lnSpc>
+              <a:spcBef>
+                <a:spcPts val="500"/>
+              </a:spcBef>
+              <a:spcAft>
+                <a:spcPts val="200"/>
+              </a:spcAft>
+              <a:buFont typeface="Franklin Gothic Book" panose="020B0503020102020204" pitchFamily="34" charset="0"/>
+              <a:buChar char="■"/>
+              <a:defRPr sz="1800" kern="1200" baseline="0">
+                <a:solidFill>
+                  <a:schemeClr val="tx2"/>
+                </a:solidFill>
+                <a:latin typeface="+mn-lt"/>
+                <a:ea typeface="+mn-ea"/>
+                <a:cs typeface="+mn-cs"/>
+              </a:defRPr>
+            </a:lvl3pPr>
+            <a:lvl4pPr marL="1828800" indent="-384048" algn="l" defTabSz="914400" rtl="0" eaLnBrk="1" latinLnBrk="0" hangingPunct="1">
+              <a:lnSpc>
+                <a:spcPct val="94000"/>
+              </a:lnSpc>
+              <a:spcBef>
+                <a:spcPts val="500"/>
+              </a:spcBef>
+              <a:spcAft>
+                <a:spcPts val="200"/>
+              </a:spcAft>
+              <a:buFont typeface="Franklin Gothic Book" panose="020B0503020102020204" pitchFamily="34" charset="0"/>
+              <a:buChar char="–"/>
+              <a:defRPr sz="1800" i="1" kern="1200" baseline="0">
+                <a:solidFill>
+                  <a:schemeClr val="tx2"/>
+                </a:solidFill>
+                <a:latin typeface="+mn-lt"/>
+                <a:ea typeface="+mn-ea"/>
+                <a:cs typeface="+mn-cs"/>
+              </a:defRPr>
+            </a:lvl4pPr>
+            <a:lvl5pPr marL="2286000" indent="-384048" algn="l" defTabSz="914400" rtl="0" eaLnBrk="1" latinLnBrk="0" hangingPunct="1">
+              <a:lnSpc>
+                <a:spcPct val="94000"/>
+              </a:lnSpc>
+              <a:spcBef>
+                <a:spcPts val="500"/>
+              </a:spcBef>
+              <a:spcAft>
+                <a:spcPts val="200"/>
+              </a:spcAft>
+              <a:buFont typeface="Franklin Gothic Book" panose="020B0503020102020204" pitchFamily="34" charset="0"/>
+              <a:buChar char="■"/>
+              <a:defRPr sz="1600" kern="1200" baseline="0">
+                <a:solidFill>
+                  <a:schemeClr val="tx2"/>
+                </a:solidFill>
+                <a:latin typeface="+mn-lt"/>
+                <a:ea typeface="+mn-ea"/>
+                <a:cs typeface="+mn-cs"/>
+              </a:defRPr>
+            </a:lvl5pPr>
+            <a:lvl6pPr marL="2743200" indent="-384048" algn="l" defTabSz="914400" rtl="0" eaLnBrk="1" latinLnBrk="0" hangingPunct="1">
+              <a:lnSpc>
+                <a:spcPct val="94000"/>
+              </a:lnSpc>
+              <a:spcBef>
+                <a:spcPts val="500"/>
+              </a:spcBef>
+              <a:spcAft>
+                <a:spcPts val="200"/>
+              </a:spcAft>
+              <a:buFont typeface="Franklin Gothic Book" panose="020B0503020102020204" pitchFamily="34" charset="0"/>
+              <a:buChar char="–"/>
+              <a:defRPr sz="1600" i="1" kern="1200" baseline="0">
+                <a:solidFill>
+                  <a:schemeClr val="tx2"/>
+                </a:solidFill>
+                <a:latin typeface="+mn-lt"/>
+                <a:ea typeface="+mn-ea"/>
+                <a:cs typeface="+mn-cs"/>
+              </a:defRPr>
+            </a:lvl6pPr>
+            <a:lvl7pPr marL="3200400" indent="-384048" algn="l" defTabSz="914400" rtl="0" eaLnBrk="1" latinLnBrk="0" hangingPunct="1">
+              <a:lnSpc>
+                <a:spcPct val="94000"/>
+              </a:lnSpc>
+              <a:spcBef>
+                <a:spcPts val="500"/>
+              </a:spcBef>
+              <a:spcAft>
+                <a:spcPts val="200"/>
+              </a:spcAft>
+              <a:buFont typeface="Franklin Gothic Book" panose="020B0503020102020204" pitchFamily="34" charset="0"/>
+              <a:buChar char="■"/>
+              <a:defRPr sz="1400" kern="1200" baseline="0">
+                <a:solidFill>
+                  <a:schemeClr val="tx2"/>
+                </a:solidFill>
+                <a:latin typeface="+mn-lt"/>
+                <a:ea typeface="+mn-ea"/>
+                <a:cs typeface="+mn-cs"/>
+              </a:defRPr>
+            </a:lvl7pPr>
+            <a:lvl8pPr marL="3657600" indent="-384048" algn="l" defTabSz="914400" rtl="0" eaLnBrk="1" latinLnBrk="0" hangingPunct="1">
+              <a:lnSpc>
+                <a:spcPct val="94000"/>
+              </a:lnSpc>
+              <a:spcBef>
+                <a:spcPts val="500"/>
+              </a:spcBef>
+              <a:spcAft>
+                <a:spcPts val="200"/>
+              </a:spcAft>
+              <a:buFont typeface="Franklin Gothic Book" panose="020B0503020102020204" pitchFamily="34" charset="0"/>
+              <a:buChar char="–"/>
+              <a:defRPr sz="1400" i="1" kern="1200" baseline="0">
+                <a:solidFill>
+                  <a:schemeClr val="tx2"/>
+                </a:solidFill>
+                <a:latin typeface="+mn-lt"/>
+                <a:ea typeface="+mn-ea"/>
+                <a:cs typeface="+mn-cs"/>
+              </a:defRPr>
+            </a:lvl8pPr>
+            <a:lvl9pPr marL="4114800" indent="-384048" algn="l" defTabSz="914400" rtl="0" eaLnBrk="1" latinLnBrk="0" hangingPunct="1">
+              <a:lnSpc>
+                <a:spcPct val="94000"/>
+              </a:lnSpc>
+              <a:spcBef>
+                <a:spcPts val="500"/>
+              </a:spcBef>
+              <a:spcAft>
+                <a:spcPts val="200"/>
+              </a:spcAft>
+              <a:buFont typeface="Franklin Gothic Book" panose="020B0503020102020204" pitchFamily="34" charset="0"/>
+              <a:buChar char="■"/>
+              <a:defRPr sz="1400" kern="1200" baseline="0">
+                <a:solidFill>
+                  <a:schemeClr val="tx2"/>
+                </a:solidFill>
+                <a:latin typeface="+mn-lt"/>
+                <a:ea typeface="+mn-ea"/>
+                <a:cs typeface="+mn-cs"/>
+              </a:defRPr>
+            </a:lvl9pPr>
+          </a:lstStyle>
+          <a:p>
+            <a:r>
+              <a:rPr lang="en-US" sz="2800" dirty="0">
+                <a:solidFill>
+                  <a:schemeClr val="tx1">
+                    <a:lumMod val="75000"/>
+                    <a:lumOff val="25000"/>
+                  </a:schemeClr>
+                </a:solidFill>
+              </a:rPr>
+              <a:t>Learn SageMath (used for analysis of curves)</a:t>
+            </a:r>
+          </a:p>
+          <a:p>
+            <a:endParaRPr lang="en-US" sz="2800" dirty="0">
+              <a:solidFill>
+                <a:schemeClr val="tx1">
+                  <a:lumMod val="75000"/>
+                  <a:lumOff val="25000"/>
+                </a:schemeClr>
+              </a:solidFill>
+            </a:endParaRPr>
+          </a:p>
+          <a:p>
+            <a:r>
+              <a:rPr lang="en-US" sz="2800" dirty="0">
+                <a:solidFill>
+                  <a:schemeClr val="tx1">
+                    <a:lumMod val="75000"/>
+                    <a:lumOff val="25000"/>
+                  </a:schemeClr>
+                </a:solidFill>
+              </a:rPr>
+              <a:t>Improve UI of our web-app</a:t>
+            </a:r>
+          </a:p>
+          <a:p>
+            <a:endParaRPr lang="en-US" sz="2800" dirty="0">
+              <a:solidFill>
+                <a:schemeClr val="tx1">
+                  <a:lumMod val="75000"/>
+                  <a:lumOff val="25000"/>
+                </a:schemeClr>
+              </a:solidFill>
+            </a:endParaRPr>
+          </a:p>
+          <a:p>
+            <a:r>
+              <a:rPr lang="en-US" sz="2800" dirty="0">
+                <a:solidFill>
+                  <a:schemeClr val="tx1">
+                    <a:lumMod val="75000"/>
+                    <a:lumOff val="25000"/>
+                  </a:schemeClr>
+                </a:solidFill>
+              </a:rPr>
+              <a:t>Planning to shift our database to Firebase</a:t>
+            </a:r>
+          </a:p>
+          <a:p>
+            <a:endParaRPr lang="en-US" sz="2800" dirty="0">
+              <a:solidFill>
+                <a:schemeClr val="tx1">
+                  <a:lumMod val="75000"/>
+                  <a:lumOff val="25000"/>
+                </a:schemeClr>
+              </a:solidFill>
+            </a:endParaRPr>
+          </a:p>
+          <a:p>
+            <a:r>
+              <a:rPr lang="en-US" sz="2800" dirty="0">
+                <a:solidFill>
+                  <a:schemeClr val="tx1">
+                    <a:lumMod val="75000"/>
+                    <a:lumOff val="25000"/>
+                  </a:schemeClr>
+                </a:solidFill>
+              </a:rPr>
+              <a:t>Giving option for user input of Parameters for curves</a:t>
+            </a:r>
+          </a:p>
+        </p:txBody>
+      </p:sp>
+    </p:spTree>
+    <p:extLst>
+      <p:ext uri="{BB962C8B-B14F-4D97-AF65-F5344CB8AC3E}">
+        <p14:creationId xmlns:p14="http://schemas.microsoft.com/office/powerpoint/2010/main" val="3356772664"/>
+      </p:ext>
+    </p:extLst>
+  </p:cSld>
+  <p:clrMapOvr>
+    <a:masterClrMapping/>
+  </p:clrMapOvr>
+</p:sld>
+</file>
+
+<file path=ppt/slides/slide14.xml><?xml version="1.0" encoding="utf-8"?>
+<p:sld xmlns:a="http://schemas.openxmlformats.org/drawingml/2006/main" xmlns:r="http://schemas.openxmlformats.org/officeDocument/2006/relationships" xmlns:p="http://schemas.openxmlformats.org/presentationml/2006/main">
+  <p:cSld>
+    <p:spTree>
+      <p:nvGrpSpPr>
+        <p:cNvPr id="1" name=""/>
+        <p:cNvGrpSpPr/>
+        <p:nvPr/>
+      </p:nvGrpSpPr>
+      <p:grpSpPr>
+        <a:xfrm>
+          <a:off x="0" y="0"/>
+          <a:ext cx="0" cy="0"/>
+          <a:chOff x="0" y="0"/>
+          <a:chExt cx="0" cy="0"/>
+        </a:xfrm>
+      </p:grpSpPr>
+      <p:sp>
+        <p:nvSpPr>
+          <p:cNvPr id="41986" name="Text Box 4">
+            <a:extLst>
+              <a:ext uri="{FF2B5EF4-FFF2-40B4-BE49-F238E27FC236}">
+                <a16:creationId xmlns:a16="http://schemas.microsoft.com/office/drawing/2014/main" id="{EA43A416-CF15-4A8D-A9E1-7FAC46CE9D7D}"/>
+              </a:ext>
+            </a:extLst>
+          </p:cNvPr>
+          <p:cNvSpPr txBox="1">
+            <a:spLocks noChangeArrowheads="1"/>
+          </p:cNvSpPr>
+          <p:nvPr/>
+        </p:nvSpPr>
+        <p:spPr bwMode="auto">
+          <a:xfrm>
+            <a:off x="2057400" y="334964"/>
+            <a:ext cx="2324675" cy="646331"/>
+          </a:xfrm>
+          <a:prstGeom prst="rect">
+            <a:avLst/>
+          </a:prstGeom>
+          <a:noFill/>
+          <a:ln>
+            <a:noFill/>
+          </a:ln>
+          <a:extLst>
+            <a:ext uri="{909E8E84-426E-40DD-AFC4-6F175D3DCCD1}">
+              <a14:hiddenFill xmlns:a14="http://schemas.microsoft.com/office/drawing/2010/main">
+                <a:solidFill>
+                  <a:srgbClr val="FFFFFF"/>
+                </a:solidFill>
+              </a14:hiddenFill>
+            </a:ext>
+            <a:ext uri="{91240B29-F687-4F45-9708-019B960494DF}">
+              <a14:hiddenLine xmlns:a14="http://schemas.microsoft.com/office/drawing/2010/main" w="9525">
+                <a:solidFill>
+                  <a:srgbClr val="000000"/>
+                </a:solidFill>
+                <a:miter lim="800000"/>
+                <a:headEnd/>
+                <a:tailEnd/>
+              </a14:hiddenLine>
+            </a:ext>
+          </a:extLst>
+        </p:spPr>
+        <p:txBody>
+          <a:bodyPr wrap="none">
+            <a:spAutoFit/>
+          </a:bodyPr>
+          <a:lstStyle>
+            <a:lvl1pPr>
+              <a:defRPr>
+                <a:solidFill>
+                  <a:schemeClr val="tx1"/>
+                </a:solidFill>
+                <a:latin typeface="Avenir Next LT Pro" panose="020B0504020202020204" pitchFamily="34" charset="0"/>
+              </a:defRPr>
+            </a:lvl1pPr>
+            <a:lvl2pPr marL="742950" indent="-285750">
+              <a:defRPr>
+                <a:solidFill>
+                  <a:schemeClr val="tx1"/>
+                </a:solidFill>
+                <a:latin typeface="Avenir Next LT Pro" panose="020B0504020202020204" pitchFamily="34" charset="0"/>
+              </a:defRPr>
+            </a:lvl2pPr>
+            <a:lvl3pPr marL="1143000" indent="-228600">
+              <a:defRPr>
+                <a:solidFill>
+                  <a:schemeClr val="tx1"/>
+                </a:solidFill>
+                <a:latin typeface="Avenir Next LT Pro" panose="020B0504020202020204" pitchFamily="34" charset="0"/>
+              </a:defRPr>
+            </a:lvl3pPr>
+            <a:lvl4pPr marL="1600200" indent="-228600">
+              <a:defRPr>
+                <a:solidFill>
+                  <a:schemeClr val="tx1"/>
+                </a:solidFill>
+                <a:latin typeface="Avenir Next LT Pro" panose="020B0504020202020204" pitchFamily="34" charset="0"/>
+              </a:defRPr>
+            </a:lvl4pPr>
+            <a:lvl5pPr marL="2057400" indent="-228600">
+              <a:defRPr>
+                <a:solidFill>
+                  <a:schemeClr val="tx1"/>
+                </a:solidFill>
+                <a:latin typeface="Avenir Next LT Pro" panose="020B0504020202020204" pitchFamily="34" charset="0"/>
+              </a:defRPr>
+            </a:lvl5pPr>
+            <a:lvl6pPr marL="2514600" indent="-228600" fontAlgn="base">
+              <a:spcBef>
+                <a:spcPct val="0"/>
+              </a:spcBef>
+              <a:spcAft>
+                <a:spcPct val="0"/>
+              </a:spcAft>
+              <a:defRPr>
+                <a:solidFill>
+                  <a:schemeClr val="tx1"/>
+                </a:solidFill>
+                <a:latin typeface="Avenir Next LT Pro" panose="020B0504020202020204" pitchFamily="34" charset="0"/>
+              </a:defRPr>
+            </a:lvl6pPr>
+            <a:lvl7pPr marL="2971800" indent="-228600" fontAlgn="base">
+              <a:spcBef>
+                <a:spcPct val="0"/>
+              </a:spcBef>
+              <a:spcAft>
+                <a:spcPct val="0"/>
+              </a:spcAft>
+              <a:defRPr>
+                <a:solidFill>
+                  <a:schemeClr val="tx1"/>
+                </a:solidFill>
+                <a:latin typeface="Avenir Next LT Pro" panose="020B0504020202020204" pitchFamily="34" charset="0"/>
+              </a:defRPr>
+            </a:lvl7pPr>
+            <a:lvl8pPr marL="3429000" indent="-228600" fontAlgn="base">
+              <a:spcBef>
+                <a:spcPct val="0"/>
+              </a:spcBef>
+              <a:spcAft>
+                <a:spcPct val="0"/>
+              </a:spcAft>
+              <a:defRPr>
+                <a:solidFill>
+                  <a:schemeClr val="tx1"/>
+                </a:solidFill>
+                <a:latin typeface="Avenir Next LT Pro" panose="020B0504020202020204" pitchFamily="34" charset="0"/>
+              </a:defRPr>
+            </a:lvl8pPr>
+            <a:lvl9pPr marL="3886200" indent="-228600" fontAlgn="base">
+              <a:spcBef>
+                <a:spcPct val="0"/>
+              </a:spcBef>
+              <a:spcAft>
+                <a:spcPct val="0"/>
+              </a:spcAft>
+              <a:defRPr>
+                <a:solidFill>
+                  <a:schemeClr val="tx1"/>
+                </a:solidFill>
+                <a:latin typeface="Avenir Next LT Pro" panose="020B0504020202020204" pitchFamily="34" charset="0"/>
+              </a:defRPr>
+            </a:lvl9pPr>
+          </a:lstStyle>
+          <a:p>
+            <a:pPr eaLnBrk="1" hangingPunct="1"/>
+            <a:r>
+              <a:rPr lang="en-US" altLang="en-US" sz="3600" b="1" dirty="0">
+                <a:latin typeface="+mj-lt"/>
+              </a:rPr>
+              <a:t>Conclusion</a:t>
+            </a:r>
+          </a:p>
+        </p:txBody>
+      </p:sp>
+      <p:sp>
+        <p:nvSpPr>
+          <p:cNvPr id="41987" name="Text Box 5">
+            <a:extLst>
+              <a:ext uri="{FF2B5EF4-FFF2-40B4-BE49-F238E27FC236}">
+                <a16:creationId xmlns:a16="http://schemas.microsoft.com/office/drawing/2014/main" id="{E135B816-E9D3-4017-B1CB-C6B469CF70FD}"/>
+              </a:ext>
+            </a:extLst>
+          </p:cNvPr>
+          <p:cNvSpPr txBox="1">
+            <a:spLocks noChangeArrowheads="1"/>
+          </p:cNvSpPr>
+          <p:nvPr/>
+        </p:nvSpPr>
+        <p:spPr bwMode="auto">
+          <a:xfrm>
+            <a:off x="2171700" y="1782762"/>
+            <a:ext cx="7848600" cy="3292475"/>
+          </a:xfrm>
+          <a:prstGeom prst="rect">
+            <a:avLst/>
+          </a:prstGeom>
+          <a:noFill/>
+          <a:ln>
+            <a:noFill/>
+          </a:ln>
+          <a:extLst>
+            <a:ext uri="{909E8E84-426E-40DD-AFC4-6F175D3DCCD1}">
+              <a14:hiddenFill xmlns:a14="http://schemas.microsoft.com/office/drawing/2010/main">
+                <a:solidFill>
+                  <a:srgbClr val="FFFFFF"/>
+                </a:solidFill>
+              </a14:hiddenFill>
+            </a:ext>
+            <a:ext uri="{91240B29-F687-4F45-9708-019B960494DF}">
+              <a14:hiddenLine xmlns:a14="http://schemas.microsoft.com/office/drawing/2010/main" w="9525">
+                <a:solidFill>
+                  <a:srgbClr val="000000"/>
+                </a:solidFill>
+                <a:miter lim="800000"/>
+                <a:headEnd/>
+                <a:tailEnd/>
+              </a14:hiddenLine>
+            </a:ext>
+          </a:extLst>
+        </p:spPr>
+        <p:txBody>
+          <a:bodyPr>
+            <a:spAutoFit/>
+          </a:bodyPr>
+          <a:lstStyle>
+            <a:lvl1pPr>
+              <a:defRPr>
+                <a:solidFill>
+                  <a:schemeClr val="tx1"/>
+                </a:solidFill>
+                <a:latin typeface="Avenir Next LT Pro" panose="020B0504020202020204" pitchFamily="34" charset="0"/>
+              </a:defRPr>
+            </a:lvl1pPr>
+            <a:lvl2pPr marL="742950" indent="-285750">
+              <a:defRPr>
+                <a:solidFill>
+                  <a:schemeClr val="tx1"/>
+                </a:solidFill>
+                <a:latin typeface="Avenir Next LT Pro" panose="020B0504020202020204" pitchFamily="34" charset="0"/>
+              </a:defRPr>
+            </a:lvl2pPr>
+            <a:lvl3pPr marL="1143000" indent="-228600">
+              <a:defRPr>
+                <a:solidFill>
+                  <a:schemeClr val="tx1"/>
+                </a:solidFill>
+                <a:latin typeface="Avenir Next LT Pro" panose="020B0504020202020204" pitchFamily="34" charset="0"/>
+              </a:defRPr>
+            </a:lvl3pPr>
+            <a:lvl4pPr marL="1600200" indent="-228600">
+              <a:defRPr>
+                <a:solidFill>
+                  <a:schemeClr val="tx1"/>
+                </a:solidFill>
+                <a:latin typeface="Avenir Next LT Pro" panose="020B0504020202020204" pitchFamily="34" charset="0"/>
+              </a:defRPr>
+            </a:lvl4pPr>
+            <a:lvl5pPr marL="2057400" indent="-228600">
+              <a:defRPr>
+                <a:solidFill>
+                  <a:schemeClr val="tx1"/>
+                </a:solidFill>
+                <a:latin typeface="Avenir Next LT Pro" panose="020B0504020202020204" pitchFamily="34" charset="0"/>
+              </a:defRPr>
+            </a:lvl5pPr>
+            <a:lvl6pPr marL="2514600" indent="-228600" fontAlgn="base">
+              <a:spcBef>
+                <a:spcPct val="0"/>
+              </a:spcBef>
+              <a:spcAft>
+                <a:spcPct val="0"/>
+              </a:spcAft>
+              <a:defRPr>
+                <a:solidFill>
+                  <a:schemeClr val="tx1"/>
+                </a:solidFill>
+                <a:latin typeface="Avenir Next LT Pro" panose="020B0504020202020204" pitchFamily="34" charset="0"/>
+              </a:defRPr>
+            </a:lvl6pPr>
+            <a:lvl7pPr marL="2971800" indent="-228600" fontAlgn="base">
+              <a:spcBef>
+                <a:spcPct val="0"/>
+              </a:spcBef>
+              <a:spcAft>
+                <a:spcPct val="0"/>
+              </a:spcAft>
+              <a:defRPr>
+                <a:solidFill>
+                  <a:schemeClr val="tx1"/>
+                </a:solidFill>
+                <a:latin typeface="Avenir Next LT Pro" panose="020B0504020202020204" pitchFamily="34" charset="0"/>
+              </a:defRPr>
+            </a:lvl7pPr>
+            <a:lvl8pPr marL="3429000" indent="-228600" fontAlgn="base">
+              <a:spcBef>
+                <a:spcPct val="0"/>
+              </a:spcBef>
+              <a:spcAft>
+                <a:spcPct val="0"/>
+              </a:spcAft>
+              <a:defRPr>
+                <a:solidFill>
+                  <a:schemeClr val="tx1"/>
+                </a:solidFill>
+                <a:latin typeface="Avenir Next LT Pro" panose="020B0504020202020204" pitchFamily="34" charset="0"/>
+              </a:defRPr>
+            </a:lvl8pPr>
+            <a:lvl9pPr marL="3886200" indent="-228600" fontAlgn="base">
+              <a:spcBef>
+                <a:spcPct val="0"/>
+              </a:spcBef>
+              <a:spcAft>
+                <a:spcPct val="0"/>
+              </a:spcAft>
+              <a:defRPr>
+                <a:solidFill>
+                  <a:schemeClr val="tx1"/>
+                </a:solidFill>
+                <a:latin typeface="Avenir Next LT Pro" panose="020B0504020202020204" pitchFamily="34" charset="0"/>
+              </a:defRPr>
+            </a:lvl9pPr>
+          </a:lstStyle>
+          <a:p>
+            <a:pPr algn="just" eaLnBrk="1" hangingPunct="1">
+              <a:lnSpc>
+                <a:spcPct val="150000"/>
+              </a:lnSpc>
+            </a:pPr>
+            <a:r>
+              <a:rPr lang="en-US" altLang="en-US" sz="2000" dirty="0">
+                <a:latin typeface="+mn-lt"/>
+              </a:rPr>
+              <a:t>Elliptic curve cryptosystems offer the highest strength-per-key-bit of any known public key system. With a 160 bits modulus, an elliptic curve system offers the same level of cryptographic security as RSA with 1024-bits modulus. The smaller key sizes result in smaller system parameters, smaller public key certificates, bandwidth savings, faster implementations, lower power requirements and small hardware processors.</a:t>
+            </a:r>
+          </a:p>
+        </p:txBody>
+      </p:sp>
+    </p:spTree>
+  </p:cSld>
+  <p:clrMapOvr>
+    <a:masterClrMapping/>
+  </p:clrMapOvr>
+</p:sld>
+</file>
+
 <file path=ppt/slides/slide2.xml><?xml version="1.0" encoding="utf-8"?>
 <p:sld xmlns:a="http://schemas.openxmlformats.org/drawingml/2006/main" xmlns:r="http://schemas.openxmlformats.org/officeDocument/2006/relationships" xmlns:p="http://schemas.openxmlformats.org/presentationml/2006/main">
   <p:cSld>
@@ -5164,7 +7499,7 @@
           <a:lstStyle/>
           <a:p>
             <a:r>
-              <a:rPr lang="en-US" sz="2400" b="0" i="0" dirty="0">
+              <a:rPr lang="en-US" sz="2400" b="0" i="0">
                 <a:solidFill>
                   <a:srgbClr val="40424E"/>
                 </a:solidFill>
@@ -5173,7 +7508,7 @@
               <a:t>In </a:t>
             </a:r>
             <a:r>
-              <a:rPr lang="en-US" sz="2400" b="1" i="0" dirty="0">
+              <a:rPr lang="en-US" sz="2400" b="1" i="0">
                 <a:solidFill>
                   <a:srgbClr val="40424E"/>
                 </a:solidFill>
@@ -5182,7 +7517,7 @@
               <a:t>Private key</a:t>
             </a:r>
             <a:r>
-              <a:rPr lang="en-US" sz="2400" b="0" i="0" dirty="0">
+              <a:rPr lang="en-US" sz="2400" b="0" i="0">
                 <a:solidFill>
                   <a:srgbClr val="40424E"/>
                 </a:solidFill>
@@ -5195,58 +7530,64 @@
             <a:pPr marL="0" indent="0">
               <a:buNone/>
             </a:pPr>
+            <a:endParaRPr lang="en-US" sz="2400" b="0" i="0">
+              <a:solidFill>
+                <a:srgbClr val="40424E"/>
+              </a:solidFill>
+              <a:effectLst/>
+            </a:endParaRPr>
+          </a:p>
+          <a:p>
+            <a:r>
+              <a:rPr lang="en-US" sz="2400" b="0" i="0">
+                <a:solidFill>
+                  <a:srgbClr val="40424E"/>
+                </a:solidFill>
+                <a:effectLst/>
+              </a:rPr>
+              <a:t>In </a:t>
+            </a:r>
+            <a:r>
+              <a:rPr lang="en-US" sz="2400" b="1" i="0">
+                <a:solidFill>
+                  <a:srgbClr val="40424E"/>
+                </a:solidFill>
+                <a:effectLst/>
+              </a:rPr>
+              <a:t>Public key</a:t>
+            </a:r>
+            <a:r>
+              <a:rPr lang="en-US" sz="2400" b="0" i="0">
+                <a:solidFill>
+                  <a:srgbClr val="40424E"/>
+                </a:solidFill>
+                <a:effectLst/>
+              </a:rPr>
+              <a:t>, two keys are used, one key is used for encryption and another key is used for decryption. One key (public key) is used </a:t>
+            </a:r>
+            <a:r>
+              <a:rPr lang="en-US" sz="2400">
+                <a:solidFill>
+                  <a:srgbClr val="40424E"/>
+                </a:solidFill>
+              </a:rPr>
+              <a:t>to</a:t>
+            </a:r>
+            <a:r>
+              <a:rPr lang="en-US" sz="2400" b="0" i="0">
+                <a:solidFill>
+                  <a:srgbClr val="40424E"/>
+                </a:solidFill>
+                <a:effectLst/>
+              </a:rPr>
+              <a:t> encrypt the plain text to convert it into cipher text and another key (private key) is used by receiver to decrypt the cipher text to read the message.</a:t>
+            </a:r>
             <a:endParaRPr lang="en-US" sz="2400" b="0" i="0" dirty="0">
               <a:solidFill>
                 <a:srgbClr val="40424E"/>
               </a:solidFill>
               <a:effectLst/>
             </a:endParaRPr>
-          </a:p>
-          <a:p>
-            <a:r>
-              <a:rPr lang="en-US" sz="2400" b="0" i="0" dirty="0">
-                <a:solidFill>
-                  <a:srgbClr val="40424E"/>
-                </a:solidFill>
-                <a:effectLst/>
-              </a:rPr>
-              <a:t>In </a:t>
-            </a:r>
-            <a:r>
-              <a:rPr lang="en-US" sz="2400" b="1" i="0" dirty="0">
-                <a:solidFill>
-                  <a:srgbClr val="40424E"/>
-                </a:solidFill>
-                <a:effectLst/>
-              </a:rPr>
-              <a:t>Public key</a:t>
-            </a:r>
-            <a:r>
-              <a:rPr lang="en-US" sz="2400" b="0" i="0" dirty="0">
-                <a:solidFill>
-                  <a:srgbClr val="40424E"/>
-                </a:solidFill>
-                <a:effectLst/>
-              </a:rPr>
-              <a:t>, two keys are used, one key is used for encryption and another key is used for decryption. One key (public key) is used </a:t>
-            </a:r>
-            <a:r>
-              <a:rPr lang="en-US" sz="2400" dirty="0">
-                <a:solidFill>
-                  <a:srgbClr val="40424E"/>
-                </a:solidFill>
-              </a:rPr>
-              <a:t>to</a:t>
-            </a:r>
-            <a:r>
-              <a:rPr lang="en-US" sz="2400" b="0" i="0" dirty="0">
-                <a:solidFill>
-                  <a:srgbClr val="40424E"/>
-                </a:solidFill>
-                <a:effectLst/>
-              </a:rPr>
-              <a:t> encrypt the plain text to convert it into cipher text and another key (private key) is used by receiver to decrypt the cipher text to read the message.</a:t>
-            </a:r>
           </a:p>
         </p:txBody>
       </p:sp>
@@ -5264,6 +7605,322 @@
 </file>
 
 <file path=ppt/slides/slide4.xml><?xml version="1.0" encoding="utf-8"?>
+<p:sld xmlns:a="http://schemas.openxmlformats.org/drawingml/2006/main" xmlns:r="http://schemas.openxmlformats.org/officeDocument/2006/relationships" xmlns:p="http://schemas.openxmlformats.org/presentationml/2006/main">
+  <p:cSld>
+    <p:bg>
+      <p:bgPr>
+        <a:solidFill>
+          <a:schemeClr val="bg2"/>
+        </a:solidFill>
+        <a:effectLst/>
+      </p:bgPr>
+    </p:bg>
+    <p:spTree>
+      <p:nvGrpSpPr>
+        <p:cNvPr id="1" name=""/>
+        <p:cNvGrpSpPr/>
+        <p:nvPr/>
+      </p:nvGrpSpPr>
+      <p:grpSpPr>
+        <a:xfrm>
+          <a:off x="0" y="0"/>
+          <a:ext cx="0" cy="0"/>
+          <a:chOff x="0" y="0"/>
+          <a:chExt cx="0" cy="0"/>
+        </a:xfrm>
+      </p:grpSpPr>
+      <p:sp>
+        <p:nvSpPr>
+          <p:cNvPr id="44" name="Rectangle 18">
+            <a:extLst>
+              <a:ext uri="{FF2B5EF4-FFF2-40B4-BE49-F238E27FC236}">
+                <a16:creationId xmlns:a16="http://schemas.microsoft.com/office/drawing/2014/main" id="{AA6EC888-B85F-410F-B430-06583E94BEEC}"/>
+              </a:ext>
+              <a:ext uri="{C183D7F6-B498-43B3-948B-1728B52AA6E4}">
+                <adec:decorative xmlns:adec="http://schemas.microsoft.com/office/drawing/2017/decorative" val="1"/>
+              </a:ext>
+            </a:extLst>
+          </p:cNvPr>
+          <p:cNvSpPr>
+            <a:spLocks noGrp="1" noRot="1" noChangeAspect="1" noMove="1" noResize="1" noEditPoints="1" noAdjustHandles="1" noChangeArrowheads="1" noChangeShapeType="1" noTextEdit="1"/>
+          </p:cNvSpPr>
+          <p:nvPr>
+            <p:extLst>
+              <p:ext uri="{386F3935-93C4-4BCD-93E2-E3B085C9AB24}">
+                <p16:designElem xmlns:p16="http://schemas.microsoft.com/office/powerpoint/2015/main" val="1"/>
+              </p:ext>
+            </p:extLst>
+          </p:nvPr>
+        </p:nvSpPr>
+        <p:spPr>
+          <a:xfrm>
+            <a:off x="478095" y="376"/>
+            <a:ext cx="228600" cy="6858000"/>
+          </a:xfrm>
+          <a:prstGeom prst="rect">
+            <a:avLst/>
+          </a:prstGeom>
+          <a:solidFill>
+            <a:schemeClr val="tx2"/>
+          </a:solidFill>
+          <a:ln>
+            <a:noFill/>
+          </a:ln>
+        </p:spPr>
+        <p:style>
+          <a:lnRef idx="2">
+            <a:schemeClr val="accent1">
+              <a:shade val="50000"/>
+            </a:schemeClr>
+          </a:lnRef>
+          <a:fillRef idx="1">
+            <a:schemeClr val="accent1"/>
+          </a:fillRef>
+          <a:effectRef idx="0">
+            <a:schemeClr val="accent1"/>
+          </a:effectRef>
+          <a:fontRef idx="minor">
+            <a:schemeClr val="lt1"/>
+          </a:fontRef>
+        </p:style>
+      </p:sp>
+      <p:sp>
+        <p:nvSpPr>
+          <p:cNvPr id="45" name="Rectangle 20">
+            <a:extLst>
+              <a:ext uri="{FF2B5EF4-FFF2-40B4-BE49-F238E27FC236}">
+                <a16:creationId xmlns:a16="http://schemas.microsoft.com/office/drawing/2014/main" id="{9F8240C3-AA7A-4675-B08A-687C8BF5D5B1}"/>
+              </a:ext>
+              <a:ext uri="{C183D7F6-B498-43B3-948B-1728B52AA6E4}">
+                <adec:decorative xmlns:adec="http://schemas.microsoft.com/office/drawing/2017/decorative" val="1"/>
+              </a:ext>
+            </a:extLst>
+          </p:cNvPr>
+          <p:cNvSpPr>
+            <a:spLocks noGrp="1" noRot="1" noChangeAspect="1" noMove="1" noResize="1" noEditPoints="1" noAdjustHandles="1" noChangeArrowheads="1" noChangeShapeType="1" noTextEdit="1"/>
+          </p:cNvSpPr>
+          <p:nvPr>
+            <p:extLst>
+              <p:ext uri="{386F3935-93C4-4BCD-93E2-E3B085C9AB24}">
+                <p16:designElem xmlns:p16="http://schemas.microsoft.com/office/powerpoint/2015/main" val="1"/>
+              </p:ext>
+            </p:extLst>
+          </p:nvPr>
+        </p:nvSpPr>
+        <p:spPr>
+          <a:xfrm>
+            <a:off x="0" y="0"/>
+            <a:ext cx="12192000" cy="6858000"/>
+          </a:xfrm>
+          <a:prstGeom prst="rect">
+            <a:avLst/>
+          </a:prstGeom>
+          <a:solidFill>
+            <a:schemeClr val="bg1">
+              <a:lumMod val="75000"/>
+            </a:schemeClr>
+          </a:solidFill>
+          <a:ln>
+            <a:noFill/>
+          </a:ln>
+        </p:spPr>
+        <p:style>
+          <a:lnRef idx="2">
+            <a:schemeClr val="accent1">
+              <a:shade val="50000"/>
+            </a:schemeClr>
+          </a:lnRef>
+          <a:fillRef idx="1">
+            <a:schemeClr val="accent1"/>
+          </a:fillRef>
+          <a:effectRef idx="0">
+            <a:schemeClr val="accent1"/>
+          </a:effectRef>
+          <a:fontRef idx="minor">
+            <a:schemeClr val="lt1"/>
+          </a:fontRef>
+        </p:style>
+        <p:txBody>
+          <a:bodyPr rtlCol="0" anchor="ctr"/>
+          <a:lstStyle/>
+          <a:p>
+            <a:pPr algn="ctr"/>
+            <a:endParaRPr lang="en-US"/>
+          </a:p>
+        </p:txBody>
+      </p:sp>
+      <p:sp>
+        <p:nvSpPr>
+          <p:cNvPr id="23" name="Rectangle 22">
+            <a:extLst>
+              <a:ext uri="{FF2B5EF4-FFF2-40B4-BE49-F238E27FC236}">
+                <a16:creationId xmlns:a16="http://schemas.microsoft.com/office/drawing/2014/main" id="{B98FE5FF-6839-4B2B-BA4F-78C87E8EDE43}"/>
+              </a:ext>
+              <a:ext uri="{C183D7F6-B498-43B3-948B-1728B52AA6E4}">
+                <adec:decorative xmlns:adec="http://schemas.microsoft.com/office/drawing/2017/decorative" val="1"/>
+              </a:ext>
+            </a:extLst>
+          </p:cNvPr>
+          <p:cNvSpPr>
+            <a:spLocks noGrp="1" noRot="1" noChangeAspect="1" noMove="1" noResize="1" noEditPoints="1" noAdjustHandles="1" noChangeArrowheads="1" noChangeShapeType="1" noTextEdit="1"/>
+          </p:cNvSpPr>
+          <p:nvPr>
+            <p:extLst>
+              <p:ext uri="{386F3935-93C4-4BCD-93E2-E3B085C9AB24}">
+                <p16:designElem xmlns:p16="http://schemas.microsoft.com/office/powerpoint/2015/main" val="1"/>
+              </p:ext>
+            </p:extLst>
+          </p:nvPr>
+        </p:nvSpPr>
+        <p:spPr>
+          <a:xfrm>
+            <a:off x="477012" y="480060"/>
+            <a:ext cx="11237976" cy="5897880"/>
+          </a:xfrm>
+          <a:prstGeom prst="rect">
+            <a:avLst/>
+          </a:prstGeom>
+          <a:noFill/>
+          <a:ln>
+            <a:solidFill>
+              <a:schemeClr val="bg1"/>
+            </a:solidFill>
+          </a:ln>
+        </p:spPr>
+        <p:style>
+          <a:lnRef idx="2">
+            <a:schemeClr val="accent1">
+              <a:shade val="50000"/>
+            </a:schemeClr>
+          </a:lnRef>
+          <a:fillRef idx="1">
+            <a:schemeClr val="accent1"/>
+          </a:fillRef>
+          <a:effectRef idx="0">
+            <a:schemeClr val="accent1"/>
+          </a:effectRef>
+          <a:fontRef idx="minor">
+            <a:schemeClr val="lt1"/>
+          </a:fontRef>
+        </p:style>
+        <p:txBody>
+          <a:bodyPr rtlCol="0" anchor="ctr"/>
+          <a:lstStyle/>
+          <a:p>
+            <a:pPr algn="ctr"/>
+            <a:endParaRPr lang="en-US"/>
+          </a:p>
+        </p:txBody>
+      </p:sp>
+      <p:sp>
+        <p:nvSpPr>
+          <p:cNvPr id="25" name="Rectangle 24">
+            <a:extLst>
+              <a:ext uri="{FF2B5EF4-FFF2-40B4-BE49-F238E27FC236}">
+                <a16:creationId xmlns:a16="http://schemas.microsoft.com/office/drawing/2014/main" id="{D17E82A2-6E5A-4DC5-921D-8ABC19E53E18}"/>
+              </a:ext>
+              <a:ext uri="{C183D7F6-B498-43B3-948B-1728B52AA6E4}">
+                <adec:decorative xmlns:adec="http://schemas.microsoft.com/office/drawing/2017/decorative" val="1"/>
+              </a:ext>
+            </a:extLst>
+          </p:cNvPr>
+          <p:cNvSpPr>
+            <a:spLocks noGrp="1" noRot="1" noChangeAspect="1" noMove="1" noResize="1" noEditPoints="1" noAdjustHandles="1" noChangeArrowheads="1" noChangeShapeType="1" noTextEdit="1"/>
+          </p:cNvSpPr>
+          <p:nvPr>
+            <p:extLst>
+              <p:ext uri="{386F3935-93C4-4BCD-93E2-E3B085C9AB24}">
+                <p16:designElem xmlns:p16="http://schemas.microsoft.com/office/powerpoint/2015/main" val="1"/>
+              </p:ext>
+            </p:extLst>
+          </p:nvPr>
+        </p:nvSpPr>
+        <p:spPr>
+          <a:xfrm>
+            <a:off x="643466" y="643468"/>
+            <a:ext cx="10905067" cy="5571066"/>
+          </a:xfrm>
+          <a:prstGeom prst="rect">
+            <a:avLst/>
+          </a:prstGeom>
+          <a:solidFill>
+            <a:srgbClr val="FFFFFF"/>
+          </a:solidFill>
+          <a:ln>
+            <a:noFill/>
+          </a:ln>
+        </p:spPr>
+        <p:style>
+          <a:lnRef idx="2">
+            <a:schemeClr val="accent1">
+              <a:shade val="50000"/>
+            </a:schemeClr>
+          </a:lnRef>
+          <a:fillRef idx="1">
+            <a:schemeClr val="accent1"/>
+          </a:fillRef>
+          <a:effectRef idx="0">
+            <a:schemeClr val="accent1"/>
+          </a:effectRef>
+          <a:fontRef idx="minor">
+            <a:schemeClr val="lt1"/>
+          </a:fontRef>
+        </p:style>
+        <p:txBody>
+          <a:bodyPr rtlCol="0" anchor="ctr"/>
+          <a:lstStyle/>
+          <a:p>
+            <a:pPr algn="ctr"/>
+            <a:endParaRPr lang="en-US"/>
+          </a:p>
+        </p:txBody>
+      </p:sp>
+      <p:pic>
+        <p:nvPicPr>
+          <p:cNvPr id="9" name="Content Placeholder 8">
+            <a:extLst>
+              <a:ext uri="{FF2B5EF4-FFF2-40B4-BE49-F238E27FC236}">
+                <a16:creationId xmlns:a16="http://schemas.microsoft.com/office/drawing/2014/main" id="{CCE86EC8-742E-408D-89FA-A1F8925B6F12}"/>
+              </a:ext>
+            </a:extLst>
+          </p:cNvPr>
+          <p:cNvPicPr>
+            <a:picLocks noGrp="1" noChangeAspect="1"/>
+          </p:cNvPicPr>
+          <p:nvPr>
+            <p:ph idx="1"/>
+          </p:nvPr>
+        </p:nvPicPr>
+        <p:blipFill>
+          <a:blip r:embed="rId2"/>
+          <a:stretch>
+            <a:fillRect/>
+          </a:stretch>
+        </p:blipFill>
+        <p:spPr>
+          <a:xfrm>
+            <a:off x="1731259" y="1123527"/>
+            <a:ext cx="8729477" cy="4604800"/>
+          </a:xfrm>
+          <a:prstGeom prst="rect">
+            <a:avLst/>
+          </a:prstGeom>
+        </p:spPr>
+      </p:pic>
+    </p:spTree>
+    <p:extLst>
+      <p:ext uri="{BB962C8B-B14F-4D97-AF65-F5344CB8AC3E}">
+        <p14:creationId xmlns:p14="http://schemas.microsoft.com/office/powerpoint/2010/main" val="3265425146"/>
+      </p:ext>
+    </p:extLst>
+  </p:cSld>
+  <p:clrMapOvr>
+    <a:masterClrMapping/>
+  </p:clrMapOvr>
+</p:sld>
+</file>
+
+<file path=ppt/slides/slide5.xml><?xml version="1.0" encoding="utf-8"?>
 <p:sld xmlns:a="http://schemas.openxmlformats.org/drawingml/2006/main" xmlns:r="http://schemas.openxmlformats.org/officeDocument/2006/relationships" xmlns:p="http://schemas.openxmlformats.org/presentationml/2006/main">
   <p:cSld>
     <p:spTree>
@@ -5636,7 +8293,7 @@
 </p:sld>
 </file>
 
-<file path=ppt/slides/slide5.xml><?xml version="1.0" encoding="utf-8"?>
+<file path=ppt/slides/slide6.xml><?xml version="1.0" encoding="utf-8"?>
 <p:sld xmlns:a="http://schemas.openxmlformats.org/drawingml/2006/main" xmlns:r="http://schemas.openxmlformats.org/officeDocument/2006/relationships" xmlns:p="http://schemas.openxmlformats.org/presentationml/2006/main">
   <p:cSld>
     <p:spTree>
@@ -5835,7 +8492,7 @@
 </p:sld>
 </file>
 
-<file path=ppt/slides/slide6.xml><?xml version="1.0" encoding="utf-8"?>
+<file path=ppt/slides/slide7.xml><?xml version="1.0" encoding="utf-8"?>
 <p:sld xmlns:a="http://schemas.openxmlformats.org/drawingml/2006/main" xmlns:r="http://schemas.openxmlformats.org/officeDocument/2006/relationships" xmlns:p="http://schemas.openxmlformats.org/presentationml/2006/main">
   <p:cSld>
     <p:bg>
@@ -6365,7 +9022,7 @@
 </p:sld>
 </file>
 
-<file path=ppt/slides/slide7.xml><?xml version="1.0" encoding="utf-8"?>
+<file path=ppt/slides/slide8.xml><?xml version="1.0" encoding="utf-8"?>
 <p:sld xmlns:a="http://schemas.openxmlformats.org/drawingml/2006/main" xmlns:r="http://schemas.openxmlformats.org/officeDocument/2006/relationships" xmlns:p="http://schemas.openxmlformats.org/presentationml/2006/main">
   <p:cSld>
     <p:spTree>
@@ -6400,7 +9057,7 @@
         </p:nvSpPr>
         <p:spPr>
           <a:xfrm>
-            <a:off x="1256898" y="1785486"/>
+            <a:off x="1295399" y="813335"/>
             <a:ext cx="10062411" cy="5905100"/>
           </a:xfrm>
         </p:spPr>
@@ -6423,6 +9080,16 @@
             </a:r>
           </a:p>
           <a:p>
+            <a:endParaRPr lang="en-US" sz="2400" dirty="0">
+              <a:solidFill>
+                <a:schemeClr val="tx1">
+                  <a:lumMod val="75000"/>
+                  <a:lumOff val="25000"/>
+                </a:schemeClr>
+              </a:solidFill>
+            </a:endParaRPr>
+          </a:p>
+          <a:p>
             <a:r>
               <a:rPr lang="en-US" sz="2400" dirty="0">
                 <a:solidFill>
@@ -6436,6 +9103,16 @@
             </a:r>
           </a:p>
           <a:p>
+            <a:endParaRPr lang="en-US" sz="2400" dirty="0">
+              <a:solidFill>
+                <a:schemeClr val="tx1">
+                  <a:lumMod val="75000"/>
+                  <a:lumOff val="25000"/>
+                </a:schemeClr>
+              </a:solidFill>
+            </a:endParaRPr>
+          </a:p>
+          <a:p>
             <a:r>
               <a:rPr lang="en-US" sz="2400" dirty="0">
                 <a:solidFill>
@@ -6536,6 +9213,16 @@
             </a:r>
           </a:p>
           <a:p>
+            <a:endParaRPr lang="en-US" sz="2400" dirty="0">
+              <a:solidFill>
+                <a:schemeClr val="tx1">
+                  <a:lumMod val="75000"/>
+                  <a:lumOff val="25000"/>
+                </a:schemeClr>
+              </a:solidFill>
+            </a:endParaRPr>
+          </a:p>
+          <a:p>
             <a:r>
               <a:rPr lang="en-US" sz="2400" dirty="0">
                 <a:solidFill>
@@ -6554,515 +9241,6 @@
     <p:extLst>
       <p:ext uri="{BB962C8B-B14F-4D97-AF65-F5344CB8AC3E}">
         <p14:creationId xmlns:p14="http://schemas.microsoft.com/office/powerpoint/2010/main" val="3507718825"/>
-      </p:ext>
-    </p:extLst>
-  </p:cSld>
-  <p:clrMapOvr>
-    <a:masterClrMapping/>
-  </p:clrMapOvr>
-</p:sld>
-</file>
-
-<file path=ppt/slides/slide8.xml><?xml version="1.0" encoding="utf-8"?>
-<p:sld xmlns:a="http://schemas.openxmlformats.org/drawingml/2006/main" xmlns:r="http://schemas.openxmlformats.org/officeDocument/2006/relationships" xmlns:p="http://schemas.openxmlformats.org/presentationml/2006/main">
-  <p:cSld>
-    <p:bg>
-      <p:bgPr>
-        <a:solidFill>
-          <a:schemeClr val="bg2"/>
-        </a:solidFill>
-        <a:effectLst/>
-      </p:bgPr>
-    </p:bg>
-    <p:spTree>
-      <p:nvGrpSpPr>
-        <p:cNvPr id="1" name=""/>
-        <p:cNvGrpSpPr/>
-        <p:nvPr/>
-      </p:nvGrpSpPr>
-      <p:grpSpPr>
-        <a:xfrm>
-          <a:off x="0" y="0"/>
-          <a:ext cx="0" cy="0"/>
-          <a:chOff x="0" y="0"/>
-          <a:chExt cx="0" cy="0"/>
-        </a:xfrm>
-      </p:grpSpPr>
-      <p:sp>
-        <p:nvSpPr>
-          <p:cNvPr id="17" name="Rectangle 9">
-            <a:extLst>
-              <a:ext uri="{FF2B5EF4-FFF2-40B4-BE49-F238E27FC236}">
-                <a16:creationId xmlns:a16="http://schemas.microsoft.com/office/drawing/2014/main" id="{AA6EC888-B85F-410F-B430-06583E94BEEC}"/>
-              </a:ext>
-              <a:ext uri="{C183D7F6-B498-43B3-948B-1728B52AA6E4}">
-                <adec:decorative xmlns:adec="http://schemas.microsoft.com/office/drawing/2017/decorative" val="1"/>
-              </a:ext>
-            </a:extLst>
-          </p:cNvPr>
-          <p:cNvSpPr>
-            <a:spLocks noGrp="1" noRot="1" noChangeAspect="1" noMove="1" noResize="1" noEditPoints="1" noAdjustHandles="1" noChangeArrowheads="1" noChangeShapeType="1" noTextEdit="1"/>
-          </p:cNvSpPr>
-          <p:nvPr>
-            <p:extLst>
-              <p:ext uri="{386F3935-93C4-4BCD-93E2-E3B085C9AB24}">
-                <p16:designElem xmlns:p16="http://schemas.microsoft.com/office/powerpoint/2015/main" val="1"/>
-              </p:ext>
-            </p:extLst>
-          </p:nvPr>
-        </p:nvSpPr>
-        <p:spPr>
-          <a:xfrm>
-            <a:off x="478095" y="376"/>
-            <a:ext cx="228600" cy="6858000"/>
-          </a:xfrm>
-          <a:prstGeom prst="rect">
-            <a:avLst/>
-          </a:prstGeom>
-          <a:solidFill>
-            <a:schemeClr val="tx2"/>
-          </a:solidFill>
-          <a:ln>
-            <a:noFill/>
-          </a:ln>
-        </p:spPr>
-        <p:style>
-          <a:lnRef idx="2">
-            <a:schemeClr val="accent1">
-              <a:shade val="50000"/>
-            </a:schemeClr>
-          </a:lnRef>
-          <a:fillRef idx="1">
-            <a:schemeClr val="accent1"/>
-          </a:fillRef>
-          <a:effectRef idx="0">
-            <a:schemeClr val="accent1"/>
-          </a:effectRef>
-          <a:fontRef idx="minor">
-            <a:schemeClr val="lt1"/>
-          </a:fontRef>
-        </p:style>
-      </p:sp>
-      <p:sp>
-        <p:nvSpPr>
-          <p:cNvPr id="19" name="Rectangle 11">
-            <a:extLst>
-              <a:ext uri="{FF2B5EF4-FFF2-40B4-BE49-F238E27FC236}">
-                <a16:creationId xmlns:a16="http://schemas.microsoft.com/office/drawing/2014/main" id="{9485DA84-CB73-4E5E-9864-2460CE28055D}"/>
-              </a:ext>
-              <a:ext uri="{C183D7F6-B498-43B3-948B-1728B52AA6E4}">
-                <adec:decorative xmlns:adec="http://schemas.microsoft.com/office/drawing/2017/decorative" val="1"/>
-              </a:ext>
-            </a:extLst>
-          </p:cNvPr>
-          <p:cNvSpPr>
-            <a:spLocks noGrp="1" noRot="1" noChangeAspect="1" noMove="1" noResize="1" noEditPoints="1" noAdjustHandles="1" noChangeArrowheads="1" noChangeShapeType="1" noTextEdit="1"/>
-          </p:cNvSpPr>
-          <p:nvPr>
-            <p:extLst>
-              <p:ext uri="{386F3935-93C4-4BCD-93E2-E3B085C9AB24}">
-                <p16:designElem xmlns:p16="http://schemas.microsoft.com/office/powerpoint/2015/main" val="1"/>
-              </p:ext>
-            </p:extLst>
-          </p:nvPr>
-        </p:nvSpPr>
-        <p:spPr>
-          <a:xfrm>
-            <a:off x="0" y="0"/>
-            <a:ext cx="12192000" cy="6858000"/>
-          </a:xfrm>
-          <a:prstGeom prst="rect">
-            <a:avLst/>
-          </a:prstGeom>
-          <a:solidFill>
-            <a:schemeClr val="bg2"/>
-          </a:solidFill>
-          <a:ln>
-            <a:noFill/>
-          </a:ln>
-        </p:spPr>
-        <p:style>
-          <a:lnRef idx="2">
-            <a:schemeClr val="accent1">
-              <a:shade val="50000"/>
-            </a:schemeClr>
-          </a:lnRef>
-          <a:fillRef idx="1">
-            <a:schemeClr val="accent1"/>
-          </a:fillRef>
-          <a:effectRef idx="0">
-            <a:schemeClr val="accent1"/>
-          </a:effectRef>
-          <a:fontRef idx="minor">
-            <a:schemeClr val="lt1"/>
-          </a:fontRef>
-        </p:style>
-        <p:txBody>
-          <a:bodyPr rtlCol="0" anchor="ctr"/>
-          <a:lstStyle/>
-          <a:p>
-            <a:pPr algn="ctr"/>
-            <a:endParaRPr lang="en-US"/>
-          </a:p>
-        </p:txBody>
-      </p:sp>
-      <p:sp>
-        <p:nvSpPr>
-          <p:cNvPr id="21" name="Rectangle 13">
-            <a:extLst>
-              <a:ext uri="{FF2B5EF4-FFF2-40B4-BE49-F238E27FC236}">
-                <a16:creationId xmlns:a16="http://schemas.microsoft.com/office/drawing/2014/main" id="{7D49185E-361A-421B-8F2D-11C7FFC686F0}"/>
-              </a:ext>
-              <a:ext uri="{C183D7F6-B498-43B3-948B-1728B52AA6E4}">
-                <adec:decorative xmlns:adec="http://schemas.microsoft.com/office/drawing/2017/decorative" val="1"/>
-              </a:ext>
-            </a:extLst>
-          </p:cNvPr>
-          <p:cNvSpPr>
-            <a:spLocks noGrp="1" noRot="1" noChangeAspect="1" noMove="1" noResize="1" noEditPoints="1" noAdjustHandles="1" noChangeArrowheads="1" noChangeShapeType="1" noTextEdit="1"/>
-          </p:cNvSpPr>
-          <p:nvPr>
-            <p:extLst>
-              <p:ext uri="{386F3935-93C4-4BCD-93E2-E3B085C9AB24}">
-                <p16:designElem xmlns:p16="http://schemas.microsoft.com/office/powerpoint/2015/main" val="1"/>
-              </p:ext>
-            </p:extLst>
-          </p:nvPr>
-        </p:nvSpPr>
-        <p:spPr>
-          <a:xfrm>
-            <a:off x="0" y="0"/>
-            <a:ext cx="365760" cy="365760"/>
-          </a:xfrm>
-          <a:prstGeom prst="rect">
-            <a:avLst/>
-          </a:prstGeom>
-          <a:solidFill>
-            <a:schemeClr val="tx1"/>
-          </a:solidFill>
-          <a:ln>
-            <a:noFill/>
-          </a:ln>
-        </p:spPr>
-        <p:style>
-          <a:lnRef idx="2">
-            <a:schemeClr val="accent1">
-              <a:shade val="50000"/>
-            </a:schemeClr>
-          </a:lnRef>
-          <a:fillRef idx="1">
-            <a:schemeClr val="accent1"/>
-          </a:fillRef>
-          <a:effectRef idx="0">
-            <a:schemeClr val="accent1"/>
-          </a:effectRef>
-          <a:fontRef idx="minor">
-            <a:schemeClr val="lt1"/>
-          </a:fontRef>
-        </p:style>
-        <p:txBody>
-          <a:bodyPr rtlCol="0" anchor="ctr"/>
-          <a:lstStyle/>
-          <a:p>
-            <a:pPr algn="ctr"/>
-            <a:endParaRPr lang="en-US"/>
-          </a:p>
-        </p:txBody>
-      </p:sp>
-      <p:sp>
-        <p:nvSpPr>
-          <p:cNvPr id="16" name="Rectangle 15">
-            <a:extLst>
-              <a:ext uri="{FF2B5EF4-FFF2-40B4-BE49-F238E27FC236}">
-                <a16:creationId xmlns:a16="http://schemas.microsoft.com/office/drawing/2014/main" id="{14B85BAA-C37F-44B4-B427-B4F10EBB4183}"/>
-              </a:ext>
-              <a:ext uri="{C183D7F6-B498-43B3-948B-1728B52AA6E4}">
-                <adec:decorative xmlns:adec="http://schemas.microsoft.com/office/drawing/2017/decorative" val="1"/>
-              </a:ext>
-            </a:extLst>
-          </p:cNvPr>
-          <p:cNvSpPr>
-            <a:spLocks noGrp="1" noRot="1" noChangeAspect="1" noMove="1" noResize="1" noEditPoints="1" noAdjustHandles="1" noChangeArrowheads="1" noChangeShapeType="1" noTextEdit="1"/>
-          </p:cNvSpPr>
-          <p:nvPr>
-            <p:extLst>
-              <p:ext uri="{386F3935-93C4-4BCD-93E2-E3B085C9AB24}">
-                <p16:designElem xmlns:p16="http://schemas.microsoft.com/office/powerpoint/2015/main" val="1"/>
-              </p:ext>
-            </p:extLst>
-          </p:nvPr>
-        </p:nvSpPr>
-        <p:spPr>
-          <a:xfrm>
-            <a:off x="11826240" y="-4668"/>
-            <a:ext cx="365760" cy="365760"/>
-          </a:xfrm>
-          <a:prstGeom prst="rect">
-            <a:avLst/>
-          </a:prstGeom>
-          <a:solidFill>
-            <a:schemeClr val="tx1"/>
-          </a:solidFill>
-          <a:ln>
-            <a:noFill/>
-          </a:ln>
-        </p:spPr>
-        <p:style>
-          <a:lnRef idx="2">
-            <a:schemeClr val="accent1">
-              <a:shade val="50000"/>
-            </a:schemeClr>
-          </a:lnRef>
-          <a:fillRef idx="1">
-            <a:schemeClr val="accent1"/>
-          </a:fillRef>
-          <a:effectRef idx="0">
-            <a:schemeClr val="accent1"/>
-          </a:effectRef>
-          <a:fontRef idx="minor">
-            <a:schemeClr val="lt1"/>
-          </a:fontRef>
-        </p:style>
-        <p:txBody>
-          <a:bodyPr rtlCol="0" anchor="ctr"/>
-          <a:lstStyle/>
-          <a:p>
-            <a:pPr algn="ctr"/>
-            <a:endParaRPr lang="en-US"/>
-          </a:p>
-        </p:txBody>
-      </p:sp>
-      <p:sp>
-        <p:nvSpPr>
-          <p:cNvPr id="18" name="Rectangle 17">
-            <a:extLst>
-              <a:ext uri="{FF2B5EF4-FFF2-40B4-BE49-F238E27FC236}">
-                <a16:creationId xmlns:a16="http://schemas.microsoft.com/office/drawing/2014/main" id="{EDC4EE06-D7B4-4FAC-A561-38A1C380232A}"/>
-              </a:ext>
-              <a:ext uri="{C183D7F6-B498-43B3-948B-1728B52AA6E4}">
-                <adec:decorative xmlns:adec="http://schemas.microsoft.com/office/drawing/2017/decorative" val="1"/>
-              </a:ext>
-            </a:extLst>
-          </p:cNvPr>
-          <p:cNvSpPr>
-            <a:spLocks noGrp="1" noRot="1" noChangeAspect="1" noMove="1" noResize="1" noEditPoints="1" noAdjustHandles="1" noChangeArrowheads="1" noChangeShapeType="1" noTextEdit="1"/>
-          </p:cNvSpPr>
-          <p:nvPr>
-            <p:extLst>
-              <p:ext uri="{386F3935-93C4-4BCD-93E2-E3B085C9AB24}">
-                <p16:designElem xmlns:p16="http://schemas.microsoft.com/office/powerpoint/2015/main" val="1"/>
-              </p:ext>
-            </p:extLst>
-          </p:nvPr>
-        </p:nvSpPr>
-        <p:spPr>
-          <a:xfrm>
-            <a:off x="0" y="6494325"/>
-            <a:ext cx="365760" cy="365760"/>
-          </a:xfrm>
-          <a:prstGeom prst="rect">
-            <a:avLst/>
-          </a:prstGeom>
-          <a:solidFill>
-            <a:schemeClr val="tx1"/>
-          </a:solidFill>
-          <a:ln>
-            <a:noFill/>
-          </a:ln>
-        </p:spPr>
-        <p:style>
-          <a:lnRef idx="2">
-            <a:schemeClr val="accent1">
-              <a:shade val="50000"/>
-            </a:schemeClr>
-          </a:lnRef>
-          <a:fillRef idx="1">
-            <a:schemeClr val="accent1"/>
-          </a:fillRef>
-          <a:effectRef idx="0">
-            <a:schemeClr val="accent1"/>
-          </a:effectRef>
-          <a:fontRef idx="minor">
-            <a:schemeClr val="lt1"/>
-          </a:fontRef>
-        </p:style>
-        <p:txBody>
-          <a:bodyPr rtlCol="0" anchor="ctr"/>
-          <a:lstStyle/>
-          <a:p>
-            <a:pPr algn="ctr"/>
-            <a:endParaRPr lang="en-US"/>
-          </a:p>
-        </p:txBody>
-      </p:sp>
-      <p:sp>
-        <p:nvSpPr>
-          <p:cNvPr id="20" name="Rectangle 19">
-            <a:extLst>
-              <a:ext uri="{FF2B5EF4-FFF2-40B4-BE49-F238E27FC236}">
-                <a16:creationId xmlns:a16="http://schemas.microsoft.com/office/drawing/2014/main" id="{9018D83B-903C-4782-B1BB-A45164A71F60}"/>
-              </a:ext>
-              <a:ext uri="{C183D7F6-B498-43B3-948B-1728B52AA6E4}">
-                <adec:decorative xmlns:adec="http://schemas.microsoft.com/office/drawing/2017/decorative" val="1"/>
-              </a:ext>
-            </a:extLst>
-          </p:cNvPr>
-          <p:cNvSpPr>
-            <a:spLocks noGrp="1" noRot="1" noChangeAspect="1" noMove="1" noResize="1" noEditPoints="1" noAdjustHandles="1" noChangeArrowheads="1" noChangeShapeType="1" noTextEdit="1"/>
-          </p:cNvSpPr>
-          <p:nvPr>
-            <p:extLst>
-              <p:ext uri="{386F3935-93C4-4BCD-93E2-E3B085C9AB24}">
-                <p16:designElem xmlns:p16="http://schemas.microsoft.com/office/powerpoint/2015/main" val="1"/>
-              </p:ext>
-            </p:extLst>
-          </p:nvPr>
-        </p:nvSpPr>
-        <p:spPr>
-          <a:xfrm>
-            <a:off x="11826240" y="6494325"/>
-            <a:ext cx="365760" cy="365760"/>
-          </a:xfrm>
-          <a:prstGeom prst="rect">
-            <a:avLst/>
-          </a:prstGeom>
-          <a:solidFill>
-            <a:schemeClr val="tx1"/>
-          </a:solidFill>
-          <a:ln>
-            <a:noFill/>
-          </a:ln>
-        </p:spPr>
-        <p:style>
-          <a:lnRef idx="2">
-            <a:schemeClr val="accent1">
-              <a:shade val="50000"/>
-            </a:schemeClr>
-          </a:lnRef>
-          <a:fillRef idx="1">
-            <a:schemeClr val="accent1"/>
-          </a:fillRef>
-          <a:effectRef idx="0">
-            <a:schemeClr val="accent1"/>
-          </a:effectRef>
-          <a:fontRef idx="minor">
-            <a:schemeClr val="lt1"/>
-          </a:fontRef>
-        </p:style>
-        <p:txBody>
-          <a:bodyPr rtlCol="0" anchor="ctr"/>
-          <a:lstStyle/>
-          <a:p>
-            <a:pPr algn="ctr"/>
-            <a:endParaRPr lang="en-US"/>
-          </a:p>
-        </p:txBody>
-      </p:sp>
-      <p:sp>
-        <p:nvSpPr>
-          <p:cNvPr id="22" name="Rectangle 21">
-            <a:extLst>
-              <a:ext uri="{FF2B5EF4-FFF2-40B4-BE49-F238E27FC236}">
-                <a16:creationId xmlns:a16="http://schemas.microsoft.com/office/drawing/2014/main" id="{8785589A-A5AC-409A-B2A2-24D871B4CEF0}"/>
-              </a:ext>
-              <a:ext uri="{C183D7F6-B498-43B3-948B-1728B52AA6E4}">
-                <adec:decorative xmlns:adec="http://schemas.microsoft.com/office/drawing/2017/decorative" val="1"/>
-              </a:ext>
-            </a:extLst>
-          </p:cNvPr>
-          <p:cNvSpPr>
-            <a:spLocks noGrp="1" noRot="1" noChangeAspect="1" noMove="1" noResize="1" noEditPoints="1" noAdjustHandles="1" noChangeArrowheads="1" noChangeShapeType="1" noTextEdit="1"/>
-          </p:cNvSpPr>
-          <p:nvPr>
-            <p:extLst>
-              <p:ext uri="{386F3935-93C4-4BCD-93E2-E3B085C9AB24}">
-                <p16:designElem xmlns:p16="http://schemas.microsoft.com/office/powerpoint/2015/main" val="1"/>
-              </p:ext>
-            </p:extLst>
-          </p:nvPr>
-        </p:nvSpPr>
-        <p:spPr>
-          <a:xfrm>
-            <a:off x="160867" y="158782"/>
-            <a:ext cx="11870265" cy="6537850"/>
-          </a:xfrm>
-          <a:prstGeom prst="rect">
-            <a:avLst/>
-          </a:prstGeom>
-          <a:solidFill>
-            <a:srgbClr val="FFFFFF"/>
-          </a:solidFill>
-          <a:ln>
-            <a:noFill/>
-          </a:ln>
-        </p:spPr>
-        <p:style>
-          <a:lnRef idx="2">
-            <a:schemeClr val="accent1">
-              <a:shade val="50000"/>
-            </a:schemeClr>
-          </a:lnRef>
-          <a:fillRef idx="1">
-            <a:schemeClr val="accent1"/>
-          </a:fillRef>
-          <a:effectRef idx="0">
-            <a:schemeClr val="accent1"/>
-          </a:effectRef>
-          <a:fontRef idx="minor">
-            <a:schemeClr val="lt1"/>
-          </a:fontRef>
-        </p:style>
-        <p:txBody>
-          <a:bodyPr rtlCol="0" anchor="ctr"/>
-          <a:lstStyle/>
-          <a:p>
-            <a:pPr algn="ctr"/>
-            <a:endParaRPr lang="en-US"/>
-          </a:p>
-        </p:txBody>
-      </p:sp>
-      <p:pic>
-        <p:nvPicPr>
-          <p:cNvPr id="5" name="Content Placeholder 4" descr="Diagram&#10;&#10;Description automatically generated">
-            <a:extLst>
-              <a:ext uri="{FF2B5EF4-FFF2-40B4-BE49-F238E27FC236}">
-                <a16:creationId xmlns:a16="http://schemas.microsoft.com/office/drawing/2014/main" id="{2D8C6E18-D1F4-4BD7-A6FE-0A5B69563567}"/>
-              </a:ext>
-            </a:extLst>
-          </p:cNvPr>
-          <p:cNvPicPr>
-            <a:picLocks noGrp="1" noChangeAspect="1"/>
-          </p:cNvPicPr>
-          <p:nvPr>
-            <p:ph idx="1"/>
-          </p:nvPr>
-        </p:nvPicPr>
-        <p:blipFill>
-          <a:blip r:embed="rId2">
-            <a:extLst>
-              <a:ext uri="{28A0092B-C50C-407E-A947-70E740481C1C}">
-                <a14:useLocalDpi xmlns:a14="http://schemas.microsoft.com/office/drawing/2010/main" val="0"/>
-              </a:ext>
-            </a:extLst>
-          </a:blip>
-          <a:stretch>
-            <a:fillRect/>
-          </a:stretch>
-        </p:blipFill>
-        <p:spPr>
-          <a:xfrm>
-            <a:off x="2193812" y="480515"/>
-            <a:ext cx="7804375" cy="5892302"/>
-          </a:xfrm>
-          <a:prstGeom prst="rect">
-            <a:avLst/>
-          </a:prstGeom>
-        </p:spPr>
-      </p:pic>
-    </p:spTree>
-    <p:extLst>
-      <p:ext uri="{BB962C8B-B14F-4D97-AF65-F5344CB8AC3E}">
-        <p14:creationId xmlns:p14="http://schemas.microsoft.com/office/powerpoint/2010/main" val="163109145"/>
       </p:ext>
     </p:extLst>
   </p:cSld>
@@ -7089,6 +9267,1511 @@
           <a:chExt cx="0" cy="0"/>
         </a:xfrm>
       </p:grpSpPr>
+      <p:sp>
+        <p:nvSpPr>
+          <p:cNvPr id="2" name="Title 1">
+            <a:extLst>
+              <a:ext uri="{FF2B5EF4-FFF2-40B4-BE49-F238E27FC236}">
+                <a16:creationId xmlns:a16="http://schemas.microsoft.com/office/drawing/2014/main" id="{6589F988-E5CC-487A-835F-1507621461E1}"/>
+              </a:ext>
+            </a:extLst>
+          </p:cNvPr>
+          <p:cNvSpPr txBox="1">
+            <a:spLocks/>
+          </p:cNvSpPr>
+          <p:nvPr/>
+        </p:nvSpPr>
+        <p:spPr>
+          <a:xfrm>
+            <a:off x="1371599" y="406667"/>
+            <a:ext cx="9033309" cy="854242"/>
+          </a:xfrm>
+          <a:prstGeom prst="rect">
+            <a:avLst/>
+          </a:prstGeom>
+        </p:spPr>
+        <p:txBody>
+          <a:bodyPr/>
+          <a:lstStyle>
+            <a:lvl1pPr algn="l" defTabSz="914400" rtl="0" eaLnBrk="1" latinLnBrk="0" hangingPunct="1">
+              <a:lnSpc>
+                <a:spcPct val="89000"/>
+              </a:lnSpc>
+              <a:spcBef>
+                <a:spcPct val="0"/>
+              </a:spcBef>
+              <a:buNone/>
+              <a:defRPr sz="4400" kern="1200" baseline="0">
+                <a:solidFill>
+                  <a:schemeClr val="tx2"/>
+                </a:solidFill>
+                <a:latin typeface="+mj-lt"/>
+                <a:ea typeface="+mj-ea"/>
+                <a:cs typeface="+mj-cs"/>
+              </a:defRPr>
+            </a:lvl1pPr>
+          </a:lstStyle>
+          <a:p>
+            <a:r>
+              <a:rPr lang="en-US" b="1" dirty="0"/>
+              <a:t>Security of ECC </a:t>
+            </a:r>
+            <a:r>
+              <a:rPr lang="en-US" dirty="0"/>
+              <a:t>:  Main Advantage</a:t>
+            </a:r>
+          </a:p>
+        </p:txBody>
+      </p:sp>
+      <p:graphicFrame>
+        <p:nvGraphicFramePr>
+          <p:cNvPr id="3" name="Group 90">
+            <a:extLst>
+              <a:ext uri="{FF2B5EF4-FFF2-40B4-BE49-F238E27FC236}">
+                <a16:creationId xmlns:a16="http://schemas.microsoft.com/office/drawing/2014/main" id="{7216F26B-168F-4A7C-9EFC-CFB8FC79AA79}"/>
+              </a:ext>
+            </a:extLst>
+          </p:cNvPr>
+          <p:cNvGraphicFramePr>
+            <a:graphicFrameLocks noGrp="1"/>
+          </p:cNvGraphicFramePr>
+          <p:nvPr>
+            <p:extLst>
+              <p:ext uri="{D42A27DB-BD31-4B8C-83A1-F6EECF244321}">
+                <p14:modId xmlns:p14="http://schemas.microsoft.com/office/powerpoint/2010/main" val="894379567"/>
+              </p:ext>
+            </p:extLst>
+          </p:nvPr>
+        </p:nvGraphicFramePr>
+        <p:xfrm>
+          <a:off x="4457700" y="2163278"/>
+          <a:ext cx="3276600" cy="3124200"/>
+        </p:xfrm>
+        <a:graphic>
+          <a:graphicData uri="http://schemas.openxmlformats.org/drawingml/2006/table">
+            <a:tbl>
+              <a:tblPr/>
+              <a:tblGrid>
+                <a:gridCol w="1843088">
+                  <a:extLst>
+                    <a:ext uri="{9D8B030D-6E8A-4147-A177-3AD203B41FA5}">
+                      <a16:colId xmlns:a16="http://schemas.microsoft.com/office/drawing/2014/main" val="20000"/>
+                    </a:ext>
+                  </a:extLst>
+                </a:gridCol>
+                <a:gridCol w="1433512">
+                  <a:extLst>
+                    <a:ext uri="{9D8B030D-6E8A-4147-A177-3AD203B41FA5}">
+                      <a16:colId xmlns:a16="http://schemas.microsoft.com/office/drawing/2014/main" val="20001"/>
+                    </a:ext>
+                  </a:extLst>
+                </a:gridCol>
+              </a:tblGrid>
+              <a:tr h="876300">
+                <a:tc>
+                  <a:txBody>
+                    <a:bodyPr/>
+                    <a:lstStyle/>
+                    <a:p>
+                      <a:pPr marL="0" marR="0" lvl="0" indent="0" algn="ctr" defTabSz="914400" rtl="0" eaLnBrk="0" fontAlgn="base" latinLnBrk="0" hangingPunct="0">
+                        <a:lnSpc>
+                          <a:spcPct val="100000"/>
+                        </a:lnSpc>
+                        <a:spcBef>
+                          <a:spcPct val="0"/>
+                        </a:spcBef>
+                        <a:spcAft>
+                          <a:spcPct val="0"/>
+                        </a:spcAft>
+                        <a:buClrTx/>
+                        <a:buSzTx/>
+                        <a:buFontTx/>
+                        <a:buNone/>
+                        <a:tabLst/>
+                      </a:pPr>
+                      <a:r>
+                        <a:rPr kumimoji="0" lang="en-US" sz="1600" b="0" i="0" u="none" strike="noStrike" cap="none" normalizeH="0" baseline="0">
+                          <a:ln>
+                            <a:noFill/>
+                          </a:ln>
+                          <a:solidFill>
+                            <a:schemeClr val="tx1"/>
+                          </a:solidFill>
+                          <a:effectLst/>
+                          <a:latin typeface="Arial" charset="0"/>
+                          <a:cs typeface="Times New Roman" pitchFamily="18" charset="0"/>
+                        </a:rPr>
+                        <a:t>ECC-Based Scheme</a:t>
+                      </a:r>
+                    </a:p>
+                    <a:p>
+                      <a:pPr marL="0" marR="0" lvl="0" indent="0" algn="ctr" defTabSz="914400" rtl="0" eaLnBrk="0" fontAlgn="base" latinLnBrk="0" hangingPunct="0">
+                        <a:lnSpc>
+                          <a:spcPct val="100000"/>
+                        </a:lnSpc>
+                        <a:spcBef>
+                          <a:spcPct val="0"/>
+                        </a:spcBef>
+                        <a:spcAft>
+                          <a:spcPct val="0"/>
+                        </a:spcAft>
+                        <a:buClrTx/>
+                        <a:buSzTx/>
+                        <a:buFontTx/>
+                        <a:buNone/>
+                        <a:tabLst/>
+                      </a:pPr>
+                      <a:r>
+                        <a:rPr kumimoji="0" lang="en-US" sz="1600" b="0" i="0" u="none" strike="noStrike" cap="none" normalizeH="0" baseline="0">
+                          <a:ln>
+                            <a:noFill/>
+                          </a:ln>
+                          <a:solidFill>
+                            <a:schemeClr val="tx1"/>
+                          </a:solidFill>
+                          <a:effectLst/>
+                          <a:latin typeface="Arial" charset="0"/>
+                          <a:cs typeface="Times New Roman" pitchFamily="18" charset="0"/>
+                        </a:rPr>
+                        <a:t>(Size of </a:t>
+                      </a:r>
+                      <a:r>
+                        <a:rPr kumimoji="0" lang="en-US" sz="1600" b="0" i="1" u="none" strike="noStrike" cap="none" normalizeH="0" baseline="0">
+                          <a:ln>
+                            <a:noFill/>
+                          </a:ln>
+                          <a:solidFill>
+                            <a:schemeClr val="tx1"/>
+                          </a:solidFill>
+                          <a:effectLst/>
+                          <a:latin typeface="Arial" charset="0"/>
+                          <a:cs typeface="Times New Roman" pitchFamily="18" charset="0"/>
+                        </a:rPr>
+                        <a:t>n</a:t>
+                      </a:r>
+                      <a:r>
+                        <a:rPr kumimoji="0" lang="en-US" sz="1600" b="0" i="0" u="none" strike="noStrike" cap="none" normalizeH="0" baseline="0">
+                          <a:ln>
+                            <a:noFill/>
+                          </a:ln>
+                          <a:solidFill>
+                            <a:schemeClr val="tx1"/>
+                          </a:solidFill>
+                          <a:effectLst/>
+                          <a:latin typeface="Arial" charset="0"/>
+                          <a:cs typeface="Times New Roman" pitchFamily="18" charset="0"/>
+                        </a:rPr>
+                        <a:t> in bits)</a:t>
+                      </a:r>
+                    </a:p>
+                  </a:txBody>
+                  <a:tcPr horzOverflow="overflow">
+                    <a:lnL w="12700" cap="flat" cmpd="sng" algn="ctr">
+                      <a:solidFill>
+                        <a:srgbClr val="000000"/>
+                      </a:solidFill>
+                      <a:prstDash val="solid"/>
+                      <a:round/>
+                      <a:headEnd type="none" w="med" len="med"/>
+                      <a:tailEnd type="none" w="med" len="med"/>
+                    </a:lnL>
+                    <a:lnR w="12700" cap="flat" cmpd="sng" algn="ctr">
+                      <a:solidFill>
+                        <a:srgbClr val="000000"/>
+                      </a:solidFill>
+                      <a:prstDash val="solid"/>
+                      <a:round/>
+                      <a:headEnd type="none" w="med" len="med"/>
+                      <a:tailEnd type="none" w="med" len="med"/>
+                    </a:lnR>
+                    <a:lnT w="12700" cap="flat" cmpd="sng" algn="ctr">
+                      <a:solidFill>
+                        <a:srgbClr val="000000"/>
+                      </a:solidFill>
+                      <a:prstDash val="solid"/>
+                      <a:round/>
+                      <a:headEnd type="none" w="med" len="med"/>
+                      <a:tailEnd type="none" w="med" len="med"/>
+                    </a:lnT>
+                    <a:lnB w="12700" cap="flat" cmpd="sng" algn="ctr">
+                      <a:solidFill>
+                        <a:srgbClr val="000000"/>
+                      </a:solidFill>
+                      <a:prstDash val="solid"/>
+                      <a:round/>
+                      <a:headEnd type="none" w="med" len="med"/>
+                      <a:tailEnd type="none" w="med" len="med"/>
+                    </a:lnB>
+                    <a:lnTlToBr>
+                      <a:noFill/>
+                    </a:lnTlToBr>
+                    <a:lnBlToTr>
+                      <a:noFill/>
+                    </a:lnBlToTr>
+                    <a:noFill/>
+                  </a:tcPr>
+                </a:tc>
+                <a:tc>
+                  <a:txBody>
+                    <a:bodyPr/>
+                    <a:lstStyle/>
+                    <a:p>
+                      <a:pPr marL="0" marR="0" lvl="0" indent="0" algn="ctr" defTabSz="914400" rtl="0" eaLnBrk="0" fontAlgn="base" latinLnBrk="0" hangingPunct="0">
+                        <a:lnSpc>
+                          <a:spcPct val="100000"/>
+                        </a:lnSpc>
+                        <a:spcBef>
+                          <a:spcPct val="0"/>
+                        </a:spcBef>
+                        <a:spcAft>
+                          <a:spcPct val="0"/>
+                        </a:spcAft>
+                        <a:buClrTx/>
+                        <a:buSzTx/>
+                        <a:buFontTx/>
+                        <a:buNone/>
+                        <a:tabLst/>
+                      </a:pPr>
+                      <a:r>
+                        <a:rPr kumimoji="0" lang="en-US" sz="1600" b="0" i="0" u="none" strike="noStrike" cap="none" normalizeH="0" baseline="0">
+                          <a:ln>
+                            <a:noFill/>
+                          </a:ln>
+                          <a:solidFill>
+                            <a:schemeClr val="tx1"/>
+                          </a:solidFill>
+                          <a:effectLst/>
+                          <a:latin typeface="Arial" charset="0"/>
+                          <a:cs typeface="Times New Roman" pitchFamily="18" charset="0"/>
+                        </a:rPr>
+                        <a:t>RSA            (Modulus size in bits)</a:t>
+                      </a:r>
+                      <a:endParaRPr kumimoji="0" lang="en-US" sz="1600" b="0" i="0" u="none" strike="noStrike" cap="none" normalizeH="0" baseline="0">
+                        <a:ln>
+                          <a:noFill/>
+                        </a:ln>
+                        <a:solidFill>
+                          <a:schemeClr val="tx1"/>
+                        </a:solidFill>
+                        <a:effectLst/>
+                        <a:latin typeface="Arial" charset="0"/>
+                      </a:endParaRPr>
+                    </a:p>
+                  </a:txBody>
+                  <a:tcPr horzOverflow="overflow">
+                    <a:lnL w="12700" cap="flat" cmpd="sng" algn="ctr">
+                      <a:solidFill>
+                        <a:srgbClr val="000000"/>
+                      </a:solidFill>
+                      <a:prstDash val="solid"/>
+                      <a:round/>
+                      <a:headEnd type="none" w="med" len="med"/>
+                      <a:tailEnd type="none" w="med" len="med"/>
+                    </a:lnL>
+                    <a:lnR w="12700" cap="flat" cmpd="sng" algn="ctr">
+                      <a:solidFill>
+                        <a:srgbClr val="000000"/>
+                      </a:solidFill>
+                      <a:prstDash val="solid"/>
+                      <a:round/>
+                      <a:headEnd type="none" w="med" len="med"/>
+                      <a:tailEnd type="none" w="med" len="med"/>
+                    </a:lnR>
+                    <a:lnT w="12700" cap="flat" cmpd="sng" algn="ctr">
+                      <a:solidFill>
+                        <a:srgbClr val="000000"/>
+                      </a:solidFill>
+                      <a:prstDash val="solid"/>
+                      <a:round/>
+                      <a:headEnd type="none" w="med" len="med"/>
+                      <a:tailEnd type="none" w="med" len="med"/>
+                    </a:lnT>
+                    <a:lnB w="12700" cap="flat" cmpd="sng" algn="ctr">
+                      <a:solidFill>
+                        <a:srgbClr val="000000"/>
+                      </a:solidFill>
+                      <a:prstDash val="solid"/>
+                      <a:round/>
+                      <a:headEnd type="none" w="med" len="med"/>
+                      <a:tailEnd type="none" w="med" len="med"/>
+                    </a:lnB>
+                    <a:lnTlToBr>
+                      <a:noFill/>
+                    </a:lnTlToBr>
+                    <a:lnBlToTr>
+                      <a:noFill/>
+                    </a:lnBlToTr>
+                    <a:noFill/>
+                  </a:tcPr>
+                </a:tc>
+                <a:extLst>
+                  <a:ext uri="{0D108BD9-81ED-4DB2-BD59-A6C34878D82A}">
+                    <a16:rowId xmlns:a16="http://schemas.microsoft.com/office/drawing/2014/main" val="10000"/>
+                  </a:ext>
+                </a:extLst>
+              </a:tr>
+              <a:tr h="374650">
+                <a:tc>
+                  <a:txBody>
+                    <a:bodyPr/>
+                    <a:lstStyle/>
+                    <a:p>
+                      <a:pPr marL="0" marR="0" lvl="0" indent="0" algn="ctr" defTabSz="914400" rtl="0" eaLnBrk="0" fontAlgn="base" latinLnBrk="0" hangingPunct="0">
+                        <a:lnSpc>
+                          <a:spcPct val="100000"/>
+                        </a:lnSpc>
+                        <a:spcBef>
+                          <a:spcPct val="0"/>
+                        </a:spcBef>
+                        <a:spcAft>
+                          <a:spcPct val="0"/>
+                        </a:spcAft>
+                        <a:buClrTx/>
+                        <a:buSzTx/>
+                        <a:buFontTx/>
+                        <a:buNone/>
+                        <a:tabLst/>
+                      </a:pPr>
+                      <a:r>
+                        <a:rPr kumimoji="0" lang="en-US" sz="1600" b="0" i="0" u="none" strike="noStrike" cap="none" normalizeH="0" baseline="0">
+                          <a:ln>
+                            <a:noFill/>
+                          </a:ln>
+                          <a:solidFill>
+                            <a:schemeClr val="tx1"/>
+                          </a:solidFill>
+                          <a:effectLst/>
+                          <a:latin typeface="Arial" charset="0"/>
+                          <a:cs typeface="Times New Roman" pitchFamily="18" charset="0"/>
+                        </a:rPr>
+                        <a:t>112</a:t>
+                      </a:r>
+                      <a:endParaRPr kumimoji="0" lang="en-US" sz="1600" b="0" i="0" u="none" strike="noStrike" cap="none" normalizeH="0" baseline="0">
+                        <a:ln>
+                          <a:noFill/>
+                        </a:ln>
+                        <a:solidFill>
+                          <a:schemeClr val="tx1"/>
+                        </a:solidFill>
+                        <a:effectLst/>
+                        <a:latin typeface="Arial" charset="0"/>
+                      </a:endParaRPr>
+                    </a:p>
+                  </a:txBody>
+                  <a:tcPr horzOverflow="overflow">
+                    <a:lnL w="12700" cap="flat" cmpd="sng" algn="ctr">
+                      <a:solidFill>
+                        <a:srgbClr val="000000"/>
+                      </a:solidFill>
+                      <a:prstDash val="solid"/>
+                      <a:round/>
+                      <a:headEnd type="none" w="med" len="med"/>
+                      <a:tailEnd type="none" w="med" len="med"/>
+                    </a:lnL>
+                    <a:lnR w="12700" cap="flat" cmpd="sng" algn="ctr">
+                      <a:solidFill>
+                        <a:srgbClr val="000000"/>
+                      </a:solidFill>
+                      <a:prstDash val="solid"/>
+                      <a:round/>
+                      <a:headEnd type="none" w="med" len="med"/>
+                      <a:tailEnd type="none" w="med" len="med"/>
+                    </a:lnR>
+                    <a:lnT w="12700" cap="flat" cmpd="sng" algn="ctr">
+                      <a:solidFill>
+                        <a:srgbClr val="000000"/>
+                      </a:solidFill>
+                      <a:prstDash val="solid"/>
+                      <a:round/>
+                      <a:headEnd type="none" w="med" len="med"/>
+                      <a:tailEnd type="none" w="med" len="med"/>
+                    </a:lnT>
+                    <a:lnB w="12700" cap="flat" cmpd="sng" algn="ctr">
+                      <a:solidFill>
+                        <a:srgbClr val="000000"/>
+                      </a:solidFill>
+                      <a:prstDash val="solid"/>
+                      <a:round/>
+                      <a:headEnd type="none" w="med" len="med"/>
+                      <a:tailEnd type="none" w="med" len="med"/>
+                    </a:lnB>
+                    <a:lnTlToBr>
+                      <a:noFill/>
+                    </a:lnTlToBr>
+                    <a:lnBlToTr>
+                      <a:noFill/>
+                    </a:lnBlToTr>
+                    <a:noFill/>
+                  </a:tcPr>
+                </a:tc>
+                <a:tc>
+                  <a:txBody>
+                    <a:bodyPr/>
+                    <a:lstStyle/>
+                    <a:p>
+                      <a:pPr marL="0" marR="0" lvl="0" indent="0" algn="ctr" defTabSz="914400" rtl="0" eaLnBrk="0" fontAlgn="base" latinLnBrk="0" hangingPunct="0">
+                        <a:lnSpc>
+                          <a:spcPct val="100000"/>
+                        </a:lnSpc>
+                        <a:spcBef>
+                          <a:spcPct val="0"/>
+                        </a:spcBef>
+                        <a:spcAft>
+                          <a:spcPct val="0"/>
+                        </a:spcAft>
+                        <a:buClrTx/>
+                        <a:buSzTx/>
+                        <a:buFontTx/>
+                        <a:buNone/>
+                        <a:tabLst/>
+                      </a:pPr>
+                      <a:r>
+                        <a:rPr kumimoji="0" lang="en-US" sz="1600" b="0" i="0" u="none" strike="noStrike" cap="none" normalizeH="0" baseline="0">
+                          <a:ln>
+                            <a:noFill/>
+                          </a:ln>
+                          <a:solidFill>
+                            <a:schemeClr val="tx1"/>
+                          </a:solidFill>
+                          <a:effectLst/>
+                          <a:latin typeface="Arial" charset="0"/>
+                          <a:cs typeface="Times New Roman" pitchFamily="18" charset="0"/>
+                        </a:rPr>
+                        <a:t>512</a:t>
+                      </a:r>
+                      <a:endParaRPr kumimoji="0" lang="en-US" sz="1600" b="0" i="0" u="none" strike="noStrike" cap="none" normalizeH="0" baseline="0">
+                        <a:ln>
+                          <a:noFill/>
+                        </a:ln>
+                        <a:solidFill>
+                          <a:schemeClr val="tx1"/>
+                        </a:solidFill>
+                        <a:effectLst/>
+                        <a:latin typeface="Arial" charset="0"/>
+                      </a:endParaRPr>
+                    </a:p>
+                  </a:txBody>
+                  <a:tcPr horzOverflow="overflow">
+                    <a:lnL w="12700" cap="flat" cmpd="sng" algn="ctr">
+                      <a:solidFill>
+                        <a:srgbClr val="000000"/>
+                      </a:solidFill>
+                      <a:prstDash val="solid"/>
+                      <a:round/>
+                      <a:headEnd type="none" w="med" len="med"/>
+                      <a:tailEnd type="none" w="med" len="med"/>
+                    </a:lnL>
+                    <a:lnR w="12700" cap="flat" cmpd="sng" algn="ctr">
+                      <a:solidFill>
+                        <a:srgbClr val="000000"/>
+                      </a:solidFill>
+                      <a:prstDash val="solid"/>
+                      <a:round/>
+                      <a:headEnd type="none" w="med" len="med"/>
+                      <a:tailEnd type="none" w="med" len="med"/>
+                    </a:lnR>
+                    <a:lnT w="12700" cap="flat" cmpd="sng" algn="ctr">
+                      <a:solidFill>
+                        <a:srgbClr val="000000"/>
+                      </a:solidFill>
+                      <a:prstDash val="solid"/>
+                      <a:round/>
+                      <a:headEnd type="none" w="med" len="med"/>
+                      <a:tailEnd type="none" w="med" len="med"/>
+                    </a:lnT>
+                    <a:lnB w="12700" cap="flat" cmpd="sng" algn="ctr">
+                      <a:solidFill>
+                        <a:srgbClr val="000000"/>
+                      </a:solidFill>
+                      <a:prstDash val="solid"/>
+                      <a:round/>
+                      <a:headEnd type="none" w="med" len="med"/>
+                      <a:tailEnd type="none" w="med" len="med"/>
+                    </a:lnB>
+                    <a:lnTlToBr>
+                      <a:noFill/>
+                    </a:lnTlToBr>
+                    <a:lnBlToTr>
+                      <a:noFill/>
+                    </a:lnBlToTr>
+                    <a:noFill/>
+                  </a:tcPr>
+                </a:tc>
+                <a:extLst>
+                  <a:ext uri="{0D108BD9-81ED-4DB2-BD59-A6C34878D82A}">
+                    <a16:rowId xmlns:a16="http://schemas.microsoft.com/office/drawing/2014/main" val="10001"/>
+                  </a:ext>
+                </a:extLst>
+              </a:tr>
+              <a:tr h="374650">
+                <a:tc>
+                  <a:txBody>
+                    <a:bodyPr/>
+                    <a:lstStyle/>
+                    <a:p>
+                      <a:pPr marL="0" marR="0" lvl="0" indent="0" algn="ctr" defTabSz="914400" rtl="0" eaLnBrk="0" fontAlgn="base" latinLnBrk="0" hangingPunct="0">
+                        <a:lnSpc>
+                          <a:spcPct val="100000"/>
+                        </a:lnSpc>
+                        <a:spcBef>
+                          <a:spcPct val="0"/>
+                        </a:spcBef>
+                        <a:spcAft>
+                          <a:spcPct val="0"/>
+                        </a:spcAft>
+                        <a:buClrTx/>
+                        <a:buSzTx/>
+                        <a:buFontTx/>
+                        <a:buNone/>
+                        <a:tabLst/>
+                      </a:pPr>
+                      <a:r>
+                        <a:rPr kumimoji="0" lang="en-US" sz="1600" b="0" i="0" u="none" strike="noStrike" cap="none" normalizeH="0" baseline="0">
+                          <a:ln>
+                            <a:noFill/>
+                          </a:ln>
+                          <a:solidFill>
+                            <a:schemeClr val="tx1"/>
+                          </a:solidFill>
+                          <a:effectLst/>
+                          <a:latin typeface="Arial" charset="0"/>
+                          <a:cs typeface="Times New Roman" pitchFamily="18" charset="0"/>
+                        </a:rPr>
+                        <a:t>160</a:t>
+                      </a:r>
+                      <a:endParaRPr kumimoji="0" lang="en-US" sz="1600" b="0" i="0" u="none" strike="noStrike" cap="none" normalizeH="0" baseline="0">
+                        <a:ln>
+                          <a:noFill/>
+                        </a:ln>
+                        <a:solidFill>
+                          <a:schemeClr val="tx1"/>
+                        </a:solidFill>
+                        <a:effectLst/>
+                        <a:latin typeface="Arial" charset="0"/>
+                      </a:endParaRPr>
+                    </a:p>
+                  </a:txBody>
+                  <a:tcPr horzOverflow="overflow">
+                    <a:lnL w="12700" cap="flat" cmpd="sng" algn="ctr">
+                      <a:solidFill>
+                        <a:srgbClr val="000000"/>
+                      </a:solidFill>
+                      <a:prstDash val="solid"/>
+                      <a:round/>
+                      <a:headEnd type="none" w="med" len="med"/>
+                      <a:tailEnd type="none" w="med" len="med"/>
+                    </a:lnL>
+                    <a:lnR w="12700" cap="flat" cmpd="sng" algn="ctr">
+                      <a:solidFill>
+                        <a:srgbClr val="000000"/>
+                      </a:solidFill>
+                      <a:prstDash val="solid"/>
+                      <a:round/>
+                      <a:headEnd type="none" w="med" len="med"/>
+                      <a:tailEnd type="none" w="med" len="med"/>
+                    </a:lnR>
+                    <a:lnT w="12700" cap="flat" cmpd="sng" algn="ctr">
+                      <a:solidFill>
+                        <a:srgbClr val="000000"/>
+                      </a:solidFill>
+                      <a:prstDash val="solid"/>
+                      <a:round/>
+                      <a:headEnd type="none" w="med" len="med"/>
+                      <a:tailEnd type="none" w="med" len="med"/>
+                    </a:lnT>
+                    <a:lnB w="12700" cap="flat" cmpd="sng" algn="ctr">
+                      <a:solidFill>
+                        <a:srgbClr val="000000"/>
+                      </a:solidFill>
+                      <a:prstDash val="solid"/>
+                      <a:round/>
+                      <a:headEnd type="none" w="med" len="med"/>
+                      <a:tailEnd type="none" w="med" len="med"/>
+                    </a:lnB>
+                    <a:lnTlToBr>
+                      <a:noFill/>
+                    </a:lnTlToBr>
+                    <a:lnBlToTr>
+                      <a:noFill/>
+                    </a:lnBlToTr>
+                    <a:noFill/>
+                  </a:tcPr>
+                </a:tc>
+                <a:tc>
+                  <a:txBody>
+                    <a:bodyPr/>
+                    <a:lstStyle/>
+                    <a:p>
+                      <a:pPr marL="0" marR="0" lvl="0" indent="0" algn="ctr" defTabSz="914400" rtl="0" eaLnBrk="0" fontAlgn="base" latinLnBrk="0" hangingPunct="0">
+                        <a:lnSpc>
+                          <a:spcPct val="100000"/>
+                        </a:lnSpc>
+                        <a:spcBef>
+                          <a:spcPct val="0"/>
+                        </a:spcBef>
+                        <a:spcAft>
+                          <a:spcPct val="0"/>
+                        </a:spcAft>
+                        <a:buClrTx/>
+                        <a:buSzTx/>
+                        <a:buFontTx/>
+                        <a:buNone/>
+                        <a:tabLst/>
+                      </a:pPr>
+                      <a:r>
+                        <a:rPr kumimoji="0" lang="en-US" sz="1600" b="0" i="0" u="none" strike="noStrike" cap="none" normalizeH="0" baseline="0">
+                          <a:ln>
+                            <a:noFill/>
+                          </a:ln>
+                          <a:solidFill>
+                            <a:schemeClr val="tx1"/>
+                          </a:solidFill>
+                          <a:effectLst/>
+                          <a:latin typeface="Arial" charset="0"/>
+                          <a:cs typeface="Times New Roman" pitchFamily="18" charset="0"/>
+                        </a:rPr>
+                        <a:t>1024</a:t>
+                      </a:r>
+                      <a:endParaRPr kumimoji="0" lang="en-US" sz="1600" b="0" i="0" u="none" strike="noStrike" cap="none" normalizeH="0" baseline="0">
+                        <a:ln>
+                          <a:noFill/>
+                        </a:ln>
+                        <a:solidFill>
+                          <a:schemeClr val="tx1"/>
+                        </a:solidFill>
+                        <a:effectLst/>
+                        <a:latin typeface="Arial" charset="0"/>
+                      </a:endParaRPr>
+                    </a:p>
+                  </a:txBody>
+                  <a:tcPr horzOverflow="overflow">
+                    <a:lnL w="12700" cap="flat" cmpd="sng" algn="ctr">
+                      <a:solidFill>
+                        <a:srgbClr val="000000"/>
+                      </a:solidFill>
+                      <a:prstDash val="solid"/>
+                      <a:round/>
+                      <a:headEnd type="none" w="med" len="med"/>
+                      <a:tailEnd type="none" w="med" len="med"/>
+                    </a:lnL>
+                    <a:lnR w="12700" cap="flat" cmpd="sng" algn="ctr">
+                      <a:solidFill>
+                        <a:srgbClr val="000000"/>
+                      </a:solidFill>
+                      <a:prstDash val="solid"/>
+                      <a:round/>
+                      <a:headEnd type="none" w="med" len="med"/>
+                      <a:tailEnd type="none" w="med" len="med"/>
+                    </a:lnR>
+                    <a:lnT w="12700" cap="flat" cmpd="sng" algn="ctr">
+                      <a:solidFill>
+                        <a:srgbClr val="000000"/>
+                      </a:solidFill>
+                      <a:prstDash val="solid"/>
+                      <a:round/>
+                      <a:headEnd type="none" w="med" len="med"/>
+                      <a:tailEnd type="none" w="med" len="med"/>
+                    </a:lnT>
+                    <a:lnB w="12700" cap="flat" cmpd="sng" algn="ctr">
+                      <a:solidFill>
+                        <a:srgbClr val="000000"/>
+                      </a:solidFill>
+                      <a:prstDash val="solid"/>
+                      <a:round/>
+                      <a:headEnd type="none" w="med" len="med"/>
+                      <a:tailEnd type="none" w="med" len="med"/>
+                    </a:lnB>
+                    <a:lnTlToBr>
+                      <a:noFill/>
+                    </a:lnTlToBr>
+                    <a:lnBlToTr>
+                      <a:noFill/>
+                    </a:lnBlToTr>
+                    <a:noFill/>
+                  </a:tcPr>
+                </a:tc>
+                <a:extLst>
+                  <a:ext uri="{0D108BD9-81ED-4DB2-BD59-A6C34878D82A}">
+                    <a16:rowId xmlns:a16="http://schemas.microsoft.com/office/drawing/2014/main" val="10002"/>
+                  </a:ext>
+                </a:extLst>
+              </a:tr>
+              <a:tr h="374650">
+                <a:tc>
+                  <a:txBody>
+                    <a:bodyPr/>
+                    <a:lstStyle/>
+                    <a:p>
+                      <a:pPr marL="0" marR="0" lvl="0" indent="0" algn="ctr" defTabSz="914400" rtl="0" eaLnBrk="0" fontAlgn="base" latinLnBrk="0" hangingPunct="0">
+                        <a:lnSpc>
+                          <a:spcPct val="100000"/>
+                        </a:lnSpc>
+                        <a:spcBef>
+                          <a:spcPct val="0"/>
+                        </a:spcBef>
+                        <a:spcAft>
+                          <a:spcPct val="0"/>
+                        </a:spcAft>
+                        <a:buClrTx/>
+                        <a:buSzTx/>
+                        <a:buFontTx/>
+                        <a:buNone/>
+                        <a:tabLst/>
+                      </a:pPr>
+                      <a:r>
+                        <a:rPr kumimoji="0" lang="en-US" sz="1600" b="0" i="0" u="none" strike="noStrike" cap="none" normalizeH="0" baseline="0" dirty="0">
+                          <a:ln>
+                            <a:noFill/>
+                          </a:ln>
+                          <a:solidFill>
+                            <a:schemeClr val="tx1"/>
+                          </a:solidFill>
+                          <a:effectLst/>
+                          <a:latin typeface="Arial" charset="0"/>
+                          <a:cs typeface="Times New Roman" pitchFamily="18" charset="0"/>
+                        </a:rPr>
+                        <a:t>224</a:t>
+                      </a:r>
+                      <a:endParaRPr kumimoji="0" lang="en-US" sz="1600" b="0" i="0" u="none" strike="noStrike" cap="none" normalizeH="0" baseline="0" dirty="0">
+                        <a:ln>
+                          <a:noFill/>
+                        </a:ln>
+                        <a:solidFill>
+                          <a:schemeClr val="tx1"/>
+                        </a:solidFill>
+                        <a:effectLst/>
+                        <a:latin typeface="Arial" charset="0"/>
+                      </a:endParaRPr>
+                    </a:p>
+                  </a:txBody>
+                  <a:tcPr horzOverflow="overflow">
+                    <a:lnL w="12700" cap="flat" cmpd="sng" algn="ctr">
+                      <a:solidFill>
+                        <a:srgbClr val="000000"/>
+                      </a:solidFill>
+                      <a:prstDash val="solid"/>
+                      <a:round/>
+                      <a:headEnd type="none" w="med" len="med"/>
+                      <a:tailEnd type="none" w="med" len="med"/>
+                    </a:lnL>
+                    <a:lnR w="12700" cap="flat" cmpd="sng" algn="ctr">
+                      <a:solidFill>
+                        <a:srgbClr val="000000"/>
+                      </a:solidFill>
+                      <a:prstDash val="solid"/>
+                      <a:round/>
+                      <a:headEnd type="none" w="med" len="med"/>
+                      <a:tailEnd type="none" w="med" len="med"/>
+                    </a:lnR>
+                    <a:lnT w="12700" cap="flat" cmpd="sng" algn="ctr">
+                      <a:solidFill>
+                        <a:srgbClr val="000000"/>
+                      </a:solidFill>
+                      <a:prstDash val="solid"/>
+                      <a:round/>
+                      <a:headEnd type="none" w="med" len="med"/>
+                      <a:tailEnd type="none" w="med" len="med"/>
+                    </a:lnT>
+                    <a:lnB w="12700" cap="flat" cmpd="sng" algn="ctr">
+                      <a:solidFill>
+                        <a:srgbClr val="000000"/>
+                      </a:solidFill>
+                      <a:prstDash val="solid"/>
+                      <a:round/>
+                      <a:headEnd type="none" w="med" len="med"/>
+                      <a:tailEnd type="none" w="med" len="med"/>
+                    </a:lnB>
+                    <a:lnTlToBr>
+                      <a:noFill/>
+                    </a:lnTlToBr>
+                    <a:lnBlToTr>
+                      <a:noFill/>
+                    </a:lnBlToTr>
+                    <a:noFill/>
+                  </a:tcPr>
+                </a:tc>
+                <a:tc>
+                  <a:txBody>
+                    <a:bodyPr/>
+                    <a:lstStyle/>
+                    <a:p>
+                      <a:pPr marL="0" marR="0" lvl="0" indent="0" algn="ctr" defTabSz="914400" rtl="0" eaLnBrk="0" fontAlgn="base" latinLnBrk="0" hangingPunct="0">
+                        <a:lnSpc>
+                          <a:spcPct val="100000"/>
+                        </a:lnSpc>
+                        <a:spcBef>
+                          <a:spcPct val="0"/>
+                        </a:spcBef>
+                        <a:spcAft>
+                          <a:spcPct val="0"/>
+                        </a:spcAft>
+                        <a:buClrTx/>
+                        <a:buSzTx/>
+                        <a:buFontTx/>
+                        <a:buNone/>
+                        <a:tabLst/>
+                      </a:pPr>
+                      <a:r>
+                        <a:rPr kumimoji="0" lang="en-US" sz="1600" b="0" i="0" u="none" strike="noStrike" cap="none" normalizeH="0" baseline="0" dirty="0">
+                          <a:ln>
+                            <a:noFill/>
+                          </a:ln>
+                          <a:solidFill>
+                            <a:schemeClr val="tx1"/>
+                          </a:solidFill>
+                          <a:effectLst/>
+                          <a:latin typeface="Arial" charset="0"/>
+                          <a:cs typeface="Times New Roman" pitchFamily="18" charset="0"/>
+                        </a:rPr>
+                        <a:t>2048</a:t>
+                      </a:r>
+                      <a:endParaRPr kumimoji="0" lang="en-US" sz="1600" b="0" i="0" u="none" strike="noStrike" cap="none" normalizeH="0" baseline="0" dirty="0">
+                        <a:ln>
+                          <a:noFill/>
+                        </a:ln>
+                        <a:solidFill>
+                          <a:schemeClr val="tx1"/>
+                        </a:solidFill>
+                        <a:effectLst/>
+                        <a:latin typeface="Arial" charset="0"/>
+                      </a:endParaRPr>
+                    </a:p>
+                  </a:txBody>
+                  <a:tcPr horzOverflow="overflow">
+                    <a:lnL w="12700" cap="flat" cmpd="sng" algn="ctr">
+                      <a:solidFill>
+                        <a:srgbClr val="000000"/>
+                      </a:solidFill>
+                      <a:prstDash val="solid"/>
+                      <a:round/>
+                      <a:headEnd type="none" w="med" len="med"/>
+                      <a:tailEnd type="none" w="med" len="med"/>
+                    </a:lnL>
+                    <a:lnR w="12700" cap="flat" cmpd="sng" algn="ctr">
+                      <a:solidFill>
+                        <a:srgbClr val="000000"/>
+                      </a:solidFill>
+                      <a:prstDash val="solid"/>
+                      <a:round/>
+                      <a:headEnd type="none" w="med" len="med"/>
+                      <a:tailEnd type="none" w="med" len="med"/>
+                    </a:lnR>
+                    <a:lnT w="12700" cap="flat" cmpd="sng" algn="ctr">
+                      <a:solidFill>
+                        <a:srgbClr val="000000"/>
+                      </a:solidFill>
+                      <a:prstDash val="solid"/>
+                      <a:round/>
+                      <a:headEnd type="none" w="med" len="med"/>
+                      <a:tailEnd type="none" w="med" len="med"/>
+                    </a:lnT>
+                    <a:lnB w="12700" cap="flat" cmpd="sng" algn="ctr">
+                      <a:solidFill>
+                        <a:srgbClr val="000000"/>
+                      </a:solidFill>
+                      <a:prstDash val="solid"/>
+                      <a:round/>
+                      <a:headEnd type="none" w="med" len="med"/>
+                      <a:tailEnd type="none" w="med" len="med"/>
+                    </a:lnB>
+                    <a:lnTlToBr>
+                      <a:noFill/>
+                    </a:lnTlToBr>
+                    <a:lnBlToTr>
+                      <a:noFill/>
+                    </a:lnBlToTr>
+                    <a:noFill/>
+                  </a:tcPr>
+                </a:tc>
+                <a:extLst>
+                  <a:ext uri="{0D108BD9-81ED-4DB2-BD59-A6C34878D82A}">
+                    <a16:rowId xmlns:a16="http://schemas.microsoft.com/office/drawing/2014/main" val="10003"/>
+                  </a:ext>
+                </a:extLst>
+              </a:tr>
+              <a:tr h="374650">
+                <a:tc>
+                  <a:txBody>
+                    <a:bodyPr/>
+                    <a:lstStyle/>
+                    <a:p>
+                      <a:pPr marL="0" marR="0" lvl="0" indent="0" algn="ctr" defTabSz="914400" rtl="0" eaLnBrk="0" fontAlgn="base" latinLnBrk="0" hangingPunct="0">
+                        <a:lnSpc>
+                          <a:spcPct val="100000"/>
+                        </a:lnSpc>
+                        <a:spcBef>
+                          <a:spcPct val="0"/>
+                        </a:spcBef>
+                        <a:spcAft>
+                          <a:spcPct val="0"/>
+                        </a:spcAft>
+                        <a:buClrTx/>
+                        <a:buSzTx/>
+                        <a:buFontTx/>
+                        <a:buNone/>
+                        <a:tabLst/>
+                      </a:pPr>
+                      <a:r>
+                        <a:rPr kumimoji="0" lang="en-US" sz="1600" b="0" i="0" u="none" strike="noStrike" cap="none" normalizeH="0" baseline="0">
+                          <a:ln>
+                            <a:noFill/>
+                          </a:ln>
+                          <a:solidFill>
+                            <a:schemeClr val="tx1"/>
+                          </a:solidFill>
+                          <a:effectLst/>
+                          <a:latin typeface="Arial" charset="0"/>
+                          <a:cs typeface="Times New Roman" pitchFamily="18" charset="0"/>
+                        </a:rPr>
+                        <a:t>256</a:t>
+                      </a:r>
+                      <a:endParaRPr kumimoji="0" lang="en-US" sz="1600" b="0" i="0" u="none" strike="noStrike" cap="none" normalizeH="0" baseline="0">
+                        <a:ln>
+                          <a:noFill/>
+                        </a:ln>
+                        <a:solidFill>
+                          <a:schemeClr val="tx1"/>
+                        </a:solidFill>
+                        <a:effectLst/>
+                        <a:latin typeface="Arial" charset="0"/>
+                      </a:endParaRPr>
+                    </a:p>
+                  </a:txBody>
+                  <a:tcPr horzOverflow="overflow">
+                    <a:lnL w="12700" cap="flat" cmpd="sng" algn="ctr">
+                      <a:solidFill>
+                        <a:srgbClr val="000000"/>
+                      </a:solidFill>
+                      <a:prstDash val="solid"/>
+                      <a:round/>
+                      <a:headEnd type="none" w="med" len="med"/>
+                      <a:tailEnd type="none" w="med" len="med"/>
+                    </a:lnL>
+                    <a:lnR w="12700" cap="flat" cmpd="sng" algn="ctr">
+                      <a:solidFill>
+                        <a:srgbClr val="000000"/>
+                      </a:solidFill>
+                      <a:prstDash val="solid"/>
+                      <a:round/>
+                      <a:headEnd type="none" w="med" len="med"/>
+                      <a:tailEnd type="none" w="med" len="med"/>
+                    </a:lnR>
+                    <a:lnT w="12700" cap="flat" cmpd="sng" algn="ctr">
+                      <a:solidFill>
+                        <a:srgbClr val="000000"/>
+                      </a:solidFill>
+                      <a:prstDash val="solid"/>
+                      <a:round/>
+                      <a:headEnd type="none" w="med" len="med"/>
+                      <a:tailEnd type="none" w="med" len="med"/>
+                    </a:lnT>
+                    <a:lnB w="12700" cap="flat" cmpd="sng" algn="ctr">
+                      <a:solidFill>
+                        <a:srgbClr val="000000"/>
+                      </a:solidFill>
+                      <a:prstDash val="solid"/>
+                      <a:round/>
+                      <a:headEnd type="none" w="med" len="med"/>
+                      <a:tailEnd type="none" w="med" len="med"/>
+                    </a:lnB>
+                    <a:lnTlToBr>
+                      <a:noFill/>
+                    </a:lnTlToBr>
+                    <a:lnBlToTr>
+                      <a:noFill/>
+                    </a:lnBlToTr>
+                    <a:noFill/>
+                  </a:tcPr>
+                </a:tc>
+                <a:tc>
+                  <a:txBody>
+                    <a:bodyPr/>
+                    <a:lstStyle/>
+                    <a:p>
+                      <a:pPr marL="0" marR="0" lvl="0" indent="0" algn="ctr" defTabSz="914400" rtl="0" eaLnBrk="0" fontAlgn="base" latinLnBrk="0" hangingPunct="0">
+                        <a:lnSpc>
+                          <a:spcPct val="100000"/>
+                        </a:lnSpc>
+                        <a:spcBef>
+                          <a:spcPct val="0"/>
+                        </a:spcBef>
+                        <a:spcAft>
+                          <a:spcPct val="0"/>
+                        </a:spcAft>
+                        <a:buClrTx/>
+                        <a:buSzTx/>
+                        <a:buFontTx/>
+                        <a:buNone/>
+                        <a:tabLst/>
+                      </a:pPr>
+                      <a:r>
+                        <a:rPr kumimoji="0" lang="en-US" sz="1600" b="0" i="0" u="none" strike="noStrike" cap="none" normalizeH="0" baseline="0">
+                          <a:ln>
+                            <a:noFill/>
+                          </a:ln>
+                          <a:solidFill>
+                            <a:schemeClr val="tx1"/>
+                          </a:solidFill>
+                          <a:effectLst/>
+                          <a:latin typeface="Arial" charset="0"/>
+                          <a:cs typeface="Times New Roman" pitchFamily="18" charset="0"/>
+                        </a:rPr>
+                        <a:t>3072</a:t>
+                      </a:r>
+                      <a:endParaRPr kumimoji="0" lang="en-US" sz="1600" b="0" i="0" u="none" strike="noStrike" cap="none" normalizeH="0" baseline="0">
+                        <a:ln>
+                          <a:noFill/>
+                        </a:ln>
+                        <a:solidFill>
+                          <a:schemeClr val="tx1"/>
+                        </a:solidFill>
+                        <a:effectLst/>
+                        <a:latin typeface="Arial" charset="0"/>
+                      </a:endParaRPr>
+                    </a:p>
+                  </a:txBody>
+                  <a:tcPr horzOverflow="overflow">
+                    <a:lnL w="12700" cap="flat" cmpd="sng" algn="ctr">
+                      <a:solidFill>
+                        <a:srgbClr val="000000"/>
+                      </a:solidFill>
+                      <a:prstDash val="solid"/>
+                      <a:round/>
+                      <a:headEnd type="none" w="med" len="med"/>
+                      <a:tailEnd type="none" w="med" len="med"/>
+                    </a:lnL>
+                    <a:lnR w="12700" cap="flat" cmpd="sng" algn="ctr">
+                      <a:solidFill>
+                        <a:srgbClr val="000000"/>
+                      </a:solidFill>
+                      <a:prstDash val="solid"/>
+                      <a:round/>
+                      <a:headEnd type="none" w="med" len="med"/>
+                      <a:tailEnd type="none" w="med" len="med"/>
+                    </a:lnR>
+                    <a:lnT w="12700" cap="flat" cmpd="sng" algn="ctr">
+                      <a:solidFill>
+                        <a:srgbClr val="000000"/>
+                      </a:solidFill>
+                      <a:prstDash val="solid"/>
+                      <a:round/>
+                      <a:headEnd type="none" w="med" len="med"/>
+                      <a:tailEnd type="none" w="med" len="med"/>
+                    </a:lnT>
+                    <a:lnB w="12700" cap="flat" cmpd="sng" algn="ctr">
+                      <a:solidFill>
+                        <a:srgbClr val="000000"/>
+                      </a:solidFill>
+                      <a:prstDash val="solid"/>
+                      <a:round/>
+                      <a:headEnd type="none" w="med" len="med"/>
+                      <a:tailEnd type="none" w="med" len="med"/>
+                    </a:lnB>
+                    <a:lnTlToBr>
+                      <a:noFill/>
+                    </a:lnTlToBr>
+                    <a:lnBlToTr>
+                      <a:noFill/>
+                    </a:lnBlToTr>
+                    <a:noFill/>
+                  </a:tcPr>
+                </a:tc>
+                <a:extLst>
+                  <a:ext uri="{0D108BD9-81ED-4DB2-BD59-A6C34878D82A}">
+                    <a16:rowId xmlns:a16="http://schemas.microsoft.com/office/drawing/2014/main" val="10004"/>
+                  </a:ext>
+                </a:extLst>
+              </a:tr>
+              <a:tr h="374650">
+                <a:tc>
+                  <a:txBody>
+                    <a:bodyPr/>
+                    <a:lstStyle/>
+                    <a:p>
+                      <a:pPr marL="0" marR="0" lvl="0" indent="0" algn="ctr" defTabSz="914400" rtl="0" eaLnBrk="0" fontAlgn="base" latinLnBrk="0" hangingPunct="0">
+                        <a:lnSpc>
+                          <a:spcPct val="100000"/>
+                        </a:lnSpc>
+                        <a:spcBef>
+                          <a:spcPct val="0"/>
+                        </a:spcBef>
+                        <a:spcAft>
+                          <a:spcPct val="0"/>
+                        </a:spcAft>
+                        <a:buClrTx/>
+                        <a:buSzTx/>
+                        <a:buFontTx/>
+                        <a:buNone/>
+                        <a:tabLst/>
+                      </a:pPr>
+                      <a:r>
+                        <a:rPr kumimoji="0" lang="en-US" sz="1600" b="0" i="0" u="none" strike="noStrike" cap="none" normalizeH="0" baseline="0">
+                          <a:ln>
+                            <a:noFill/>
+                          </a:ln>
+                          <a:solidFill>
+                            <a:schemeClr val="tx1"/>
+                          </a:solidFill>
+                          <a:effectLst/>
+                          <a:latin typeface="Arial" charset="0"/>
+                          <a:cs typeface="Times New Roman" pitchFamily="18" charset="0"/>
+                        </a:rPr>
+                        <a:t>384</a:t>
+                      </a:r>
+                      <a:endParaRPr kumimoji="0" lang="en-US" sz="1600" b="0" i="0" u="none" strike="noStrike" cap="none" normalizeH="0" baseline="0">
+                        <a:ln>
+                          <a:noFill/>
+                        </a:ln>
+                        <a:solidFill>
+                          <a:schemeClr val="tx1"/>
+                        </a:solidFill>
+                        <a:effectLst/>
+                        <a:latin typeface="Arial" charset="0"/>
+                      </a:endParaRPr>
+                    </a:p>
+                  </a:txBody>
+                  <a:tcPr horzOverflow="overflow">
+                    <a:lnL w="12700" cap="flat" cmpd="sng" algn="ctr">
+                      <a:solidFill>
+                        <a:srgbClr val="000000"/>
+                      </a:solidFill>
+                      <a:prstDash val="solid"/>
+                      <a:round/>
+                      <a:headEnd type="none" w="med" len="med"/>
+                      <a:tailEnd type="none" w="med" len="med"/>
+                    </a:lnL>
+                    <a:lnR w="12700" cap="flat" cmpd="sng" algn="ctr">
+                      <a:solidFill>
+                        <a:srgbClr val="000000"/>
+                      </a:solidFill>
+                      <a:prstDash val="solid"/>
+                      <a:round/>
+                      <a:headEnd type="none" w="med" len="med"/>
+                      <a:tailEnd type="none" w="med" len="med"/>
+                    </a:lnR>
+                    <a:lnT w="12700" cap="flat" cmpd="sng" algn="ctr">
+                      <a:solidFill>
+                        <a:srgbClr val="000000"/>
+                      </a:solidFill>
+                      <a:prstDash val="solid"/>
+                      <a:round/>
+                      <a:headEnd type="none" w="med" len="med"/>
+                      <a:tailEnd type="none" w="med" len="med"/>
+                    </a:lnT>
+                    <a:lnB w="12700" cap="flat" cmpd="sng" algn="ctr">
+                      <a:solidFill>
+                        <a:srgbClr val="000000"/>
+                      </a:solidFill>
+                      <a:prstDash val="solid"/>
+                      <a:round/>
+                      <a:headEnd type="none" w="med" len="med"/>
+                      <a:tailEnd type="none" w="med" len="med"/>
+                    </a:lnB>
+                    <a:lnTlToBr>
+                      <a:noFill/>
+                    </a:lnTlToBr>
+                    <a:lnBlToTr>
+                      <a:noFill/>
+                    </a:lnBlToTr>
+                    <a:noFill/>
+                  </a:tcPr>
+                </a:tc>
+                <a:tc>
+                  <a:txBody>
+                    <a:bodyPr/>
+                    <a:lstStyle/>
+                    <a:p>
+                      <a:pPr marL="0" marR="0" lvl="0" indent="0" algn="ctr" defTabSz="914400" rtl="0" eaLnBrk="0" fontAlgn="base" latinLnBrk="0" hangingPunct="0">
+                        <a:lnSpc>
+                          <a:spcPct val="100000"/>
+                        </a:lnSpc>
+                        <a:spcBef>
+                          <a:spcPct val="0"/>
+                        </a:spcBef>
+                        <a:spcAft>
+                          <a:spcPct val="0"/>
+                        </a:spcAft>
+                        <a:buClrTx/>
+                        <a:buSzTx/>
+                        <a:buFontTx/>
+                        <a:buNone/>
+                        <a:tabLst/>
+                      </a:pPr>
+                      <a:r>
+                        <a:rPr kumimoji="0" lang="en-US" sz="1600" b="0" i="0" u="none" strike="noStrike" cap="none" normalizeH="0" baseline="0">
+                          <a:ln>
+                            <a:noFill/>
+                          </a:ln>
+                          <a:solidFill>
+                            <a:schemeClr val="tx1"/>
+                          </a:solidFill>
+                          <a:effectLst/>
+                          <a:latin typeface="Arial" charset="0"/>
+                          <a:cs typeface="Times New Roman" pitchFamily="18" charset="0"/>
+                        </a:rPr>
+                        <a:t>7680</a:t>
+                      </a:r>
+                      <a:endParaRPr kumimoji="0" lang="en-US" sz="1600" b="0" i="0" u="none" strike="noStrike" cap="none" normalizeH="0" baseline="0">
+                        <a:ln>
+                          <a:noFill/>
+                        </a:ln>
+                        <a:solidFill>
+                          <a:schemeClr val="tx1"/>
+                        </a:solidFill>
+                        <a:effectLst/>
+                        <a:latin typeface="Arial" charset="0"/>
+                      </a:endParaRPr>
+                    </a:p>
+                  </a:txBody>
+                  <a:tcPr horzOverflow="overflow">
+                    <a:lnL w="12700" cap="flat" cmpd="sng" algn="ctr">
+                      <a:solidFill>
+                        <a:srgbClr val="000000"/>
+                      </a:solidFill>
+                      <a:prstDash val="solid"/>
+                      <a:round/>
+                      <a:headEnd type="none" w="med" len="med"/>
+                      <a:tailEnd type="none" w="med" len="med"/>
+                    </a:lnL>
+                    <a:lnR w="12700" cap="flat" cmpd="sng" algn="ctr">
+                      <a:solidFill>
+                        <a:srgbClr val="000000"/>
+                      </a:solidFill>
+                      <a:prstDash val="solid"/>
+                      <a:round/>
+                      <a:headEnd type="none" w="med" len="med"/>
+                      <a:tailEnd type="none" w="med" len="med"/>
+                    </a:lnR>
+                    <a:lnT w="12700" cap="flat" cmpd="sng" algn="ctr">
+                      <a:solidFill>
+                        <a:srgbClr val="000000"/>
+                      </a:solidFill>
+                      <a:prstDash val="solid"/>
+                      <a:round/>
+                      <a:headEnd type="none" w="med" len="med"/>
+                      <a:tailEnd type="none" w="med" len="med"/>
+                    </a:lnT>
+                    <a:lnB w="12700" cap="flat" cmpd="sng" algn="ctr">
+                      <a:solidFill>
+                        <a:srgbClr val="000000"/>
+                      </a:solidFill>
+                      <a:prstDash val="solid"/>
+                      <a:round/>
+                      <a:headEnd type="none" w="med" len="med"/>
+                      <a:tailEnd type="none" w="med" len="med"/>
+                    </a:lnB>
+                    <a:lnTlToBr>
+                      <a:noFill/>
+                    </a:lnTlToBr>
+                    <a:lnBlToTr>
+                      <a:noFill/>
+                    </a:lnBlToTr>
+                    <a:noFill/>
+                  </a:tcPr>
+                </a:tc>
+                <a:extLst>
+                  <a:ext uri="{0D108BD9-81ED-4DB2-BD59-A6C34878D82A}">
+                    <a16:rowId xmlns:a16="http://schemas.microsoft.com/office/drawing/2014/main" val="10005"/>
+                  </a:ext>
+                </a:extLst>
+              </a:tr>
+              <a:tr h="374650">
+                <a:tc>
+                  <a:txBody>
+                    <a:bodyPr/>
+                    <a:lstStyle/>
+                    <a:p>
+                      <a:pPr marL="0" marR="0" lvl="0" indent="0" algn="ctr" defTabSz="914400" rtl="0" eaLnBrk="0" fontAlgn="base" latinLnBrk="0" hangingPunct="0">
+                        <a:lnSpc>
+                          <a:spcPct val="100000"/>
+                        </a:lnSpc>
+                        <a:spcBef>
+                          <a:spcPct val="0"/>
+                        </a:spcBef>
+                        <a:spcAft>
+                          <a:spcPct val="0"/>
+                        </a:spcAft>
+                        <a:buClrTx/>
+                        <a:buSzTx/>
+                        <a:buFontTx/>
+                        <a:buNone/>
+                        <a:tabLst/>
+                      </a:pPr>
+                      <a:r>
+                        <a:rPr kumimoji="0" lang="en-US" sz="1600" b="0" i="0" u="none" strike="noStrike" cap="none" normalizeH="0" baseline="0">
+                          <a:ln>
+                            <a:noFill/>
+                          </a:ln>
+                          <a:solidFill>
+                            <a:schemeClr val="tx1"/>
+                          </a:solidFill>
+                          <a:effectLst/>
+                          <a:latin typeface="Arial" charset="0"/>
+                          <a:cs typeface="Times New Roman" pitchFamily="18" charset="0"/>
+                        </a:rPr>
+                        <a:t>512</a:t>
+                      </a:r>
+                      <a:endParaRPr kumimoji="0" lang="en-US" sz="1600" b="0" i="0" u="none" strike="noStrike" cap="none" normalizeH="0" baseline="0">
+                        <a:ln>
+                          <a:noFill/>
+                        </a:ln>
+                        <a:solidFill>
+                          <a:schemeClr val="tx1"/>
+                        </a:solidFill>
+                        <a:effectLst/>
+                        <a:latin typeface="Arial" charset="0"/>
+                      </a:endParaRPr>
+                    </a:p>
+                  </a:txBody>
+                  <a:tcPr horzOverflow="overflow">
+                    <a:lnL w="12700" cap="flat" cmpd="sng" algn="ctr">
+                      <a:solidFill>
+                        <a:srgbClr val="000000"/>
+                      </a:solidFill>
+                      <a:prstDash val="solid"/>
+                      <a:round/>
+                      <a:headEnd type="none" w="med" len="med"/>
+                      <a:tailEnd type="none" w="med" len="med"/>
+                    </a:lnL>
+                    <a:lnR w="12700" cap="flat" cmpd="sng" algn="ctr">
+                      <a:solidFill>
+                        <a:srgbClr val="000000"/>
+                      </a:solidFill>
+                      <a:prstDash val="solid"/>
+                      <a:round/>
+                      <a:headEnd type="none" w="med" len="med"/>
+                      <a:tailEnd type="none" w="med" len="med"/>
+                    </a:lnR>
+                    <a:lnT w="12700" cap="flat" cmpd="sng" algn="ctr">
+                      <a:solidFill>
+                        <a:srgbClr val="000000"/>
+                      </a:solidFill>
+                      <a:prstDash val="solid"/>
+                      <a:round/>
+                      <a:headEnd type="none" w="med" len="med"/>
+                      <a:tailEnd type="none" w="med" len="med"/>
+                    </a:lnT>
+                    <a:lnB w="12700" cap="flat" cmpd="sng" algn="ctr">
+                      <a:solidFill>
+                        <a:srgbClr val="000000"/>
+                      </a:solidFill>
+                      <a:prstDash val="solid"/>
+                      <a:round/>
+                      <a:headEnd type="none" w="med" len="med"/>
+                      <a:tailEnd type="none" w="med" len="med"/>
+                    </a:lnB>
+                    <a:lnTlToBr>
+                      <a:noFill/>
+                    </a:lnTlToBr>
+                    <a:lnBlToTr>
+                      <a:noFill/>
+                    </a:lnBlToTr>
+                    <a:noFill/>
+                  </a:tcPr>
+                </a:tc>
+                <a:tc>
+                  <a:txBody>
+                    <a:bodyPr/>
+                    <a:lstStyle/>
+                    <a:p>
+                      <a:pPr marL="0" marR="0" lvl="0" indent="0" algn="ctr" defTabSz="914400" rtl="0" eaLnBrk="0" fontAlgn="base" latinLnBrk="0" hangingPunct="0">
+                        <a:lnSpc>
+                          <a:spcPct val="100000"/>
+                        </a:lnSpc>
+                        <a:spcBef>
+                          <a:spcPct val="0"/>
+                        </a:spcBef>
+                        <a:spcAft>
+                          <a:spcPct val="0"/>
+                        </a:spcAft>
+                        <a:buClrTx/>
+                        <a:buSzTx/>
+                        <a:buFontTx/>
+                        <a:buNone/>
+                        <a:tabLst/>
+                      </a:pPr>
+                      <a:r>
+                        <a:rPr kumimoji="0" lang="en-US" sz="1600" b="0" i="0" u="none" strike="noStrike" cap="none" normalizeH="0" baseline="0" dirty="0">
+                          <a:ln>
+                            <a:noFill/>
+                          </a:ln>
+                          <a:solidFill>
+                            <a:schemeClr val="tx1"/>
+                          </a:solidFill>
+                          <a:effectLst/>
+                          <a:latin typeface="Arial" charset="0"/>
+                          <a:cs typeface="Times New Roman" pitchFamily="18" charset="0"/>
+                        </a:rPr>
+                        <a:t>15360</a:t>
+                      </a:r>
+                      <a:endParaRPr kumimoji="0" lang="en-US" sz="1600" b="0" i="0" u="none" strike="noStrike" cap="none" normalizeH="0" baseline="0" dirty="0">
+                        <a:ln>
+                          <a:noFill/>
+                        </a:ln>
+                        <a:solidFill>
+                          <a:schemeClr val="tx1"/>
+                        </a:solidFill>
+                        <a:effectLst/>
+                        <a:latin typeface="Arial" charset="0"/>
+                      </a:endParaRPr>
+                    </a:p>
+                  </a:txBody>
+                  <a:tcPr horzOverflow="overflow">
+                    <a:lnL w="12700" cap="flat" cmpd="sng" algn="ctr">
+                      <a:solidFill>
+                        <a:srgbClr val="000000"/>
+                      </a:solidFill>
+                      <a:prstDash val="solid"/>
+                      <a:round/>
+                      <a:headEnd type="none" w="med" len="med"/>
+                      <a:tailEnd type="none" w="med" len="med"/>
+                    </a:lnL>
+                    <a:lnR w="12700" cap="flat" cmpd="sng" algn="ctr">
+                      <a:solidFill>
+                        <a:srgbClr val="000000"/>
+                      </a:solidFill>
+                      <a:prstDash val="solid"/>
+                      <a:round/>
+                      <a:headEnd type="none" w="med" len="med"/>
+                      <a:tailEnd type="none" w="med" len="med"/>
+                    </a:lnR>
+                    <a:lnT w="12700" cap="flat" cmpd="sng" algn="ctr">
+                      <a:solidFill>
+                        <a:srgbClr val="000000"/>
+                      </a:solidFill>
+                      <a:prstDash val="solid"/>
+                      <a:round/>
+                      <a:headEnd type="none" w="med" len="med"/>
+                      <a:tailEnd type="none" w="med" len="med"/>
+                    </a:lnT>
+                    <a:lnB w="12700" cap="flat" cmpd="sng" algn="ctr">
+                      <a:solidFill>
+                        <a:srgbClr val="000000"/>
+                      </a:solidFill>
+                      <a:prstDash val="solid"/>
+                      <a:round/>
+                      <a:headEnd type="none" w="med" len="med"/>
+                      <a:tailEnd type="none" w="med" len="med"/>
+                    </a:lnB>
+                    <a:lnTlToBr>
+                      <a:noFill/>
+                    </a:lnTlToBr>
+                    <a:lnBlToTr>
+                      <a:noFill/>
+                    </a:lnBlToTr>
+                    <a:noFill/>
+                  </a:tcPr>
+                </a:tc>
+                <a:extLst>
+                  <a:ext uri="{0D108BD9-81ED-4DB2-BD59-A6C34878D82A}">
+                    <a16:rowId xmlns:a16="http://schemas.microsoft.com/office/drawing/2014/main" val="10006"/>
+                  </a:ext>
+                </a:extLst>
+              </a:tr>
+            </a:tbl>
+          </a:graphicData>
+        </a:graphic>
+      </p:graphicFrame>
     </p:spTree>
     <p:extLst>
       <p:ext uri="{BB962C8B-B14F-4D97-AF65-F5344CB8AC3E}">
